--- a/Beckman_Poster_2024/poster.pptx
+++ b/Beckman_Poster_2024/poster.pptx
@@ -106,7 +106,193 @@
   </p:defaultTextStyle>
   <p:extLst>
     <p:ext uri="{EFAFB233-063F-42B5-8137-9DF3F51BA10A}">
-      <p15:sldGuideLst xmlns:p15="http://schemas.microsoft.com/office/powerpoint/2012/main"/>
+      <p15:sldGuideLst xmlns:p15="http://schemas.microsoft.com/office/powerpoint/2012/main">
+        <p15:guide id="1" orient="horz" pos="3888" userDrawn="1">
+          <p15:clr>
+            <a:srgbClr val="A4A3A4"/>
+          </p15:clr>
+        </p15:guide>
+        <p15:guide id="2" pos="9504" userDrawn="1">
+          <p15:clr>
+            <a:srgbClr val="A4A3A4"/>
+          </p15:clr>
+        </p15:guide>
+        <p15:guide id="3" orient="horz" pos="4728" userDrawn="1">
+          <p15:clr>
+            <a:srgbClr val="A4A3A4"/>
+          </p15:clr>
+        </p15:guide>
+        <p15:guide id="4" pos="9072" userDrawn="1">
+          <p15:clr>
+            <a:srgbClr val="A4A3A4"/>
+          </p15:clr>
+        </p15:guide>
+        <p15:guide id="5" pos="432" userDrawn="1">
+          <p15:clr>
+            <a:srgbClr val="A4A3A4"/>
+          </p15:clr>
+        </p15:guide>
+        <p15:guide id="6" pos="18144" userDrawn="1">
+          <p15:clr>
+            <a:srgbClr val="A4A3A4"/>
+          </p15:clr>
+        </p15:guide>
+        <p15:guide id="7" pos="18576" userDrawn="1">
+          <p15:clr>
+            <a:srgbClr val="A4A3A4"/>
+          </p15:clr>
+        </p15:guide>
+        <p15:guide id="8" pos="27216" userDrawn="1">
+          <p15:clr>
+            <a:srgbClr val="A4A3A4"/>
+          </p15:clr>
+        </p15:guide>
+        <p15:guide id="9" orient="horz" pos="1008" userDrawn="1">
+          <p15:clr>
+            <a:srgbClr val="A4A3A4"/>
+          </p15:clr>
+        </p15:guide>
+        <p15:guide id="10" orient="horz" pos="432" userDrawn="1">
+          <p15:clr>
+            <a:srgbClr val="A4A3A4"/>
+          </p15:clr>
+        </p15:guide>
+        <p15:guide id="11" orient="horz" pos="3336" userDrawn="1">
+          <p15:clr>
+            <a:srgbClr val="A4A3A4"/>
+          </p15:clr>
+        </p15:guide>
+        <p15:guide id="12" orient="horz" pos="24480" userDrawn="1">
+          <p15:clr>
+            <a:srgbClr val="A4A3A4"/>
+          </p15:clr>
+        </p15:guide>
+        <p15:guide id="13" orient="horz" pos="12384" userDrawn="1">
+          <p15:clr>
+            <a:srgbClr val="A4A3A4"/>
+          </p15:clr>
+        </p15:guide>
+        <p15:guide id="14" orient="horz" pos="10656" userDrawn="1">
+          <p15:clr>
+            <a:srgbClr val="A4A3A4"/>
+          </p15:clr>
+        </p15:guide>
+        <p15:guide id="15" orient="horz" pos="13104" userDrawn="1">
+          <p15:clr>
+            <a:srgbClr val="A4A3A4"/>
+          </p15:clr>
+        </p15:guide>
+        <p15:guide id="16" orient="horz" pos="12096" userDrawn="1">
+          <p15:clr>
+            <a:srgbClr val="A4A3A4"/>
+          </p15:clr>
+        </p15:guide>
+        <p15:guide id="17" orient="horz" pos="9648" userDrawn="1">
+          <p15:clr>
+            <a:srgbClr val="A4A3A4"/>
+          </p15:clr>
+        </p15:guide>
+        <p15:guide id="18" orient="horz" pos="8688" userDrawn="1">
+          <p15:clr>
+            <a:srgbClr val="A4A3A4"/>
+          </p15:clr>
+        </p15:guide>
+        <p15:guide id="19" orient="horz" pos="12960" userDrawn="1">
+          <p15:clr>
+            <a:srgbClr val="A4A3A4"/>
+          </p15:clr>
+        </p15:guide>
+        <p15:guide id="20" orient="horz" pos="10512" userDrawn="1">
+          <p15:clr>
+            <a:srgbClr val="A4A3A4"/>
+          </p15:clr>
+        </p15:guide>
+        <p15:guide id="21" orient="horz" pos="9480" userDrawn="1">
+          <p15:clr>
+            <a:srgbClr val="A4A3A4"/>
+          </p15:clr>
+        </p15:guide>
+        <p15:guide id="22" orient="horz" pos="8232" userDrawn="1">
+          <p15:clr>
+            <a:srgbClr val="A4A3A4"/>
+          </p15:clr>
+        </p15:guide>
+        <p15:guide id="23" orient="horz" pos="8112" userDrawn="1">
+          <p15:clr>
+            <a:srgbClr val="A4A3A4"/>
+          </p15:clr>
+        </p15:guide>
+        <p15:guide id="24" orient="horz" pos="4896" userDrawn="1">
+          <p15:clr>
+            <a:srgbClr val="A4A3A4"/>
+          </p15:clr>
+        </p15:guide>
+        <p15:guide id="25" orient="horz" pos="7200" userDrawn="1">
+          <p15:clr>
+            <a:srgbClr val="A4A3A4"/>
+          </p15:clr>
+        </p15:guide>
+        <p15:guide id="26" pos="12384" userDrawn="1">
+          <p15:clr>
+            <a:srgbClr val="A4A3A4"/>
+          </p15:clr>
+        </p15:guide>
+        <p15:guide id="27" pos="13824" userDrawn="1">
+          <p15:clr>
+            <a:srgbClr val="A4A3A4"/>
+          </p15:clr>
+        </p15:guide>
+        <p15:guide id="28" pos="12672" userDrawn="1">
+          <p15:clr>
+            <a:srgbClr val="A4A3A4"/>
+          </p15:clr>
+        </p15:guide>
+        <p15:guide id="29" pos="14112" userDrawn="1">
+          <p15:clr>
+            <a:srgbClr val="A4A3A4"/>
+          </p15:clr>
+        </p15:guide>
+        <p15:guide id="30" orient="horz" pos="15408" userDrawn="1">
+          <p15:clr>
+            <a:srgbClr val="A4A3A4"/>
+          </p15:clr>
+        </p15:guide>
+        <p15:guide id="31" orient="horz" pos="16848" userDrawn="1">
+          <p15:clr>
+            <a:srgbClr val="A4A3A4"/>
+          </p15:clr>
+        </p15:guide>
+        <p15:guide id="32" orient="horz" pos="27216" userDrawn="1">
+          <p15:clr>
+            <a:srgbClr val="A4A3A4"/>
+          </p15:clr>
+        </p15:guide>
+        <p15:guide id="33" orient="horz" pos="5184" userDrawn="1">
+          <p15:clr>
+            <a:srgbClr val="A4A3A4"/>
+          </p15:clr>
+        </p15:guide>
+        <p15:guide id="34" pos="22320" userDrawn="1">
+          <p15:clr>
+            <a:srgbClr val="A4A3A4"/>
+          </p15:clr>
+        </p15:guide>
+        <p15:guide id="35" pos="19152" userDrawn="1">
+          <p15:clr>
+            <a:srgbClr val="A4A3A4"/>
+          </p15:clr>
+        </p15:guide>
+        <p15:guide id="36" orient="horz" pos="12816" userDrawn="1">
+          <p15:clr>
+            <a:srgbClr val="A4A3A4"/>
+          </p15:clr>
+        </p15:guide>
+        <p15:guide id="37" orient="horz" pos="24912" userDrawn="1">
+          <p15:clr>
+            <a:srgbClr val="A4A3A4"/>
+          </p15:clr>
+        </p15:guide>
+      </p15:sldGuideLst>
     </p:ext>
   </p:extLst>
 </p:presentation>
@@ -268,7 +454,7 @@
           <a:p>
             <a:fld id="{965A7A7B-B71A-428D-833F-0F3507A6DB13}" type="datetimeFigureOut">
               <a:rPr lang="en-US" dirty="0"/>
-              <a:t>7/16/24</a:t>
+              <a:t>7/17/24</a:t>
             </a:fld>
             <a:endParaRPr lang="en-US" dirty="0"/>
           </a:p>
@@ -563,7 +749,7 @@
           <a:p>
             <a:fld id="{F248F9EB-9D34-4B41-B66C-5FAF50876D2D}" type="datetimeFigureOut">
               <a:rPr lang="en-US" dirty="0"/>
-              <a:t>7/16/24</a:t>
+              <a:t>7/17/24</a:t>
             </a:fld>
             <a:endParaRPr lang="en-US" dirty="0"/>
           </a:p>
@@ -771,7 +957,7 @@
           <a:p>
             <a:fld id="{34489A26-CAA1-4690-8C1F-1641B1B97745}" type="datetimeFigureOut">
               <a:rPr lang="en-US" dirty="0"/>
-              <a:t>7/16/24</a:t>
+              <a:t>7/17/24</a:t>
             </a:fld>
             <a:endParaRPr lang="en-US" dirty="0"/>
           </a:p>
@@ -1526,7 +1712,7 @@
           <a:p>
             <a:fld id="{5CF65307-640F-4AE7-B0BE-50C709AD86C5}" type="datetimeFigureOut">
               <a:rPr lang="en-US" dirty="0"/>
-              <a:t>7/16/24</a:t>
+              <a:t>7/17/24</a:t>
             </a:fld>
             <a:endParaRPr lang="en-US" dirty="0"/>
           </a:p>
@@ -1906,7 +2092,7 @@
           <a:p>
             <a:fld id="{F77EA1F9-1F0F-4C65-8F6E-9729B924AAAC}" type="datetimeFigureOut">
               <a:rPr lang="en-US" dirty="0"/>
-              <a:t>7/16/24</a:t>
+              <a:t>7/17/24</a:t>
             </a:fld>
             <a:endParaRPr lang="en-US" dirty="0"/>
           </a:p>
@@ -2327,7 +2513,7 @@
           <a:p>
             <a:fld id="{202278E8-5F4B-47D5-A617-8CCDF75D6A33}" type="datetimeFigureOut">
               <a:rPr lang="en-US" dirty="0"/>
-              <a:t>7/16/24</a:t>
+              <a:t>7/17/24</a:t>
             </a:fld>
             <a:endParaRPr lang="en-US" dirty="0"/>
           </a:p>
@@ -2915,7 +3101,7 @@
           <a:p>
             <a:fld id="{16AAFA52-7A21-407F-8339-40DF182D7460}" type="datetimeFigureOut">
               <a:rPr lang="en-US" dirty="0"/>
-              <a:t>7/16/24</a:t>
+              <a:t>7/17/24</a:t>
             </a:fld>
             <a:endParaRPr lang="en-US" dirty="0"/>
           </a:p>
@@ -3170,7 +3356,7 @@
           <a:p>
             <a:fld id="{96770335-1C1A-4243-9BDD-9630C417D284}" type="datetimeFigureOut">
               <a:rPr lang="en-US" dirty="0"/>
-              <a:t>7/16/24</a:t>
+              <a:t>7/17/24</a:t>
             </a:fld>
             <a:endParaRPr lang="en-US" dirty="0"/>
           </a:p>
@@ -3283,7 +3469,7 @@
           <a:p>
             <a:fld id="{0141513F-8EBD-4612-96F4-CC3E309609AF}" type="datetimeFigureOut">
               <a:rPr lang="en-US" dirty="0"/>
-              <a:t>7/16/24</a:t>
+              <a:t>7/17/24</a:t>
             </a:fld>
             <a:endParaRPr lang="en-US" dirty="0"/>
           </a:p>
@@ -3704,7 +3890,7 @@
           <a:p>
             <a:fld id="{6E6483A1-31A8-47A2-AB0A-53A7803D5EBF}" type="datetimeFigureOut">
               <a:rPr lang="en-US" dirty="0"/>
-              <a:t>7/16/24</a:t>
+              <a:t>7/17/24</a:t>
             </a:fld>
             <a:endParaRPr lang="en-US" dirty="0"/>
           </a:p>
@@ -4104,7 +4290,7 @@
           <a:p>
             <a:fld id="{6D8810B9-2C7C-4CAF-99E2-617AE20BA331}" type="datetimeFigureOut">
               <a:rPr lang="en-US" dirty="0"/>
-              <a:t>7/16/24</a:t>
+              <a:t>7/17/24</a:t>
             </a:fld>
             <a:endParaRPr lang="en-US" dirty="0"/>
           </a:p>
@@ -4345,7 +4531,7 @@
           <a:p>
             <a:fld id="{37E93E0A-5177-400C-87C9-C93AF466EC49}" type="datetimeFigureOut">
               <a:rPr lang="en-US" dirty="0"/>
-              <a:t>7/16/24</a:t>
+              <a:t>7/17/24</a:t>
             </a:fld>
             <a:endParaRPr lang="en-US" dirty="0"/>
           </a:p>
@@ -4784,8 +4970,8 @@
         </p:nvSpPr>
         <p:spPr>
           <a:xfrm>
-            <a:off x="685800" y="798286"/>
-            <a:ext cx="42563142" cy="5646005"/>
+            <a:off x="681957" y="685800"/>
+            <a:ext cx="42519600" cy="4572000"/>
           </a:xfrm>
           <a:prstGeom prst="roundRect">
             <a:avLst>
@@ -4793,7 +4979,7 @@
             </a:avLst>
           </a:prstGeom>
           <a:solidFill>
-            <a:srgbClr val="0C234B"/>
+            <a:schemeClr val="tx2"/>
           </a:solidFill>
           <a:ln>
             <a:noFill/>
@@ -4928,9 +5114,12 @@
             </a:lvl9pPr>
           </a:lstStyle>
           <a:p>
-            <a:endParaRPr lang="en-US" dirty="0">
-              <a:noFill/>
-            </a:endParaRPr>
+            <a:r>
+              <a:rPr lang="en-US" dirty="0">
+                <a:noFill/>
+              </a:rPr>
+              <a:t> </a:t>
+            </a:r>
           </a:p>
         </p:txBody>
       </p:sp>
@@ -4948,8 +5137,8 @@
         </p:nvSpPr>
         <p:spPr>
           <a:xfrm>
-            <a:off x="8229600" y="1371600"/>
-            <a:ext cx="27432000" cy="3242240"/>
+            <a:off x="4568157" y="1143000"/>
+            <a:ext cx="34546852" cy="2514600"/>
           </a:xfrm>
           <a:prstGeom prst="rect">
             <a:avLst/>
@@ -5092,13 +5281,13 @@
               <a:defRPr/>
             </a:pPr>
             <a:r>
-              <a:rPr lang="en-US" sz="8533" dirty="0">
+              <a:rPr lang="en-US" sz="7200" dirty="0">
                 <a:solidFill>
                   <a:schemeClr val="bg1"/>
                 </a:solidFill>
                 <a:latin typeface="Nunito"/>
               </a:rPr>
-              <a:t>Inferring Distributions of Fitness Effects of Wild House Mice from Allele Frequency Spectra</a:t>
+              <a:t>Inferring Demographic Histories and Distributions of Fitness Effects of Wild House Mice from Allele Frequency Spectra</a:t>
             </a:r>
           </a:p>
         </p:txBody>
@@ -5117,8 +5306,8 @@
         </p:nvSpPr>
         <p:spPr>
           <a:xfrm>
-            <a:off x="696687" y="4103657"/>
-            <a:ext cx="42541370" cy="1569660"/>
+            <a:off x="5058866" y="3429000"/>
+            <a:ext cx="33596528" cy="1600200"/>
           </a:xfrm>
           <a:prstGeom prst="rect">
             <a:avLst/>
@@ -5262,6 +5451,7 @@
                 <a:solidFill>
                   <a:schemeClr val="bg1"/>
                 </a:solidFill>
+                <a:latin typeface="Nunito" pitchFamily="2" charset="77"/>
                 <a:ea typeface="Open Sans"/>
                 <a:cs typeface="Arial"/>
               </a:rPr>
@@ -5272,6 +5462,7 @@
                 <a:solidFill>
                   <a:schemeClr val="bg1"/>
                 </a:solidFill>
+                <a:latin typeface="Nunito" pitchFamily="2" charset="77"/>
                 <a:ea typeface="Open Sans"/>
                 <a:cs typeface="Arial"/>
               </a:rPr>
@@ -5282,6 +5473,7 @@
                 <a:solidFill>
                   <a:schemeClr val="bg1"/>
                 </a:solidFill>
+                <a:latin typeface="Nunito" pitchFamily="2" charset="77"/>
                 <a:ea typeface="Open Sans"/>
                 <a:cs typeface="Arial"/>
               </a:rPr>
@@ -5297,16 +5489,18 @@
                 <a:solidFill>
                   <a:schemeClr val="bg1"/>
                 </a:solidFill>
+                <a:latin typeface="Nunito" pitchFamily="2" charset="77"/>
                 <a:ea typeface="Open Sans"/>
                 <a:cs typeface="Arial"/>
               </a:rPr>
-              <a:t>Molecular and Cellular Biology, University of Arizona, </a:t>
+              <a:t>Molecular and Cellular Biology, University of Arizona; </a:t>
             </a:r>
             <a:r>
               <a:rPr lang="en-US" sz="4800" b="0" dirty="0">
                 <a:solidFill>
                   <a:schemeClr val="bg1"/>
                 </a:solidFill>
+                <a:latin typeface="Nunito" pitchFamily="2" charset="77"/>
                 <a:ea typeface="Open Sans"/>
                 <a:cs typeface="Arial"/>
                 <a:hlinkClick r:id="rId2">
@@ -5324,6 +5518,7 @@
                 <a:solidFill>
                   <a:schemeClr val="bg1"/>
                 </a:solidFill>
+                <a:latin typeface="Nunito" pitchFamily="2" charset="77"/>
                 <a:ea typeface="Open Sans"/>
                 <a:cs typeface="Arial"/>
               </a:rPr>
@@ -5334,6 +5529,7 @@
                 <a:solidFill>
                   <a:schemeClr val="bg1"/>
                 </a:solidFill>
+                <a:latin typeface="Nunito" pitchFamily="2" charset="77"/>
                 <a:ea typeface="Open Sans"/>
                 <a:cs typeface="Arial"/>
                 <a:hlinkClick r:id="rId3">
@@ -5350,6 +5546,7 @@
               <a:solidFill>
                 <a:schemeClr val="bg1"/>
               </a:solidFill>
+              <a:latin typeface="Nunito" pitchFamily="2" charset="77"/>
               <a:ea typeface="Open Sans"/>
               <a:cs typeface="Arial"/>
             </a:endParaRPr>
@@ -5366,8 +5563,8 @@
         </p:nvSpPr>
         <p:spPr bwMode="auto">
           <a:xfrm>
-            <a:off x="596256" y="7450797"/>
-            <a:ext cx="13482124" cy="1219200"/>
+            <a:off x="685800" y="6172200"/>
+            <a:ext cx="13716000" cy="1371600"/>
           </a:xfrm>
           <a:prstGeom prst="roundRect">
             <a:avLst/>
@@ -5537,8 +5734,8 @@
         </p:nvSpPr>
         <p:spPr bwMode="auto">
           <a:xfrm>
-            <a:off x="15219779" y="7450797"/>
-            <a:ext cx="13482124" cy="1219200"/>
+            <a:off x="15091689" y="6172200"/>
+            <a:ext cx="13716000" cy="1371600"/>
           </a:xfrm>
           <a:prstGeom prst="roundRect">
             <a:avLst/>
@@ -5687,7 +5884,7 @@
                 </a:solidFill>
                 <a:latin typeface="Nunito" panose="00000500000000000000" pitchFamily="2" charset="0"/>
               </a:rPr>
-              <a:t>Materials</a:t>
+              <a:t>Methods</a:t>
             </a:r>
           </a:p>
         </p:txBody>
@@ -5708,8 +5905,8 @@
         </p:nvSpPr>
         <p:spPr bwMode="auto">
           <a:xfrm>
-            <a:off x="596256" y="20603535"/>
-            <a:ext cx="13482124" cy="1219200"/>
+            <a:off x="685800" y="18973800"/>
+            <a:ext cx="13716000" cy="1371600"/>
           </a:xfrm>
           <a:prstGeom prst="roundRect">
             <a:avLst/>
@@ -5865,10 +6062,10 @@
       </p:sp>
       <p:sp>
         <p:nvSpPr>
-          <p:cNvPr id="27" name="Rectangle 167">
+          <p:cNvPr id="21" name="Rectangle 167">
             <a:extLst>
               <a:ext uri="{FF2B5EF4-FFF2-40B4-BE49-F238E27FC236}">
-                <a16:creationId xmlns:a16="http://schemas.microsoft.com/office/drawing/2014/main" id="{9E369C6D-A264-4B89-931F-14FD6655F2D2}"/>
+                <a16:creationId xmlns:a16="http://schemas.microsoft.com/office/drawing/2014/main" id="{101B52F1-D8CA-4741-B86D-98C03F645847}"/>
               </a:ext>
             </a:extLst>
           </p:cNvPr>
@@ -5879,8 +6076,8 @@
         </p:nvSpPr>
         <p:spPr bwMode="auto">
           <a:xfrm>
-            <a:off x="596256" y="26796441"/>
-            <a:ext cx="13482124" cy="1219200"/>
+            <a:off x="29485557" y="6172200"/>
+            <a:ext cx="13716000" cy="1371600"/>
           </a:xfrm>
           <a:prstGeom prst="roundRect">
             <a:avLst/>
@@ -6029,17 +6226,17 @@
                 </a:solidFill>
                 <a:latin typeface="Nunito" panose="00000500000000000000" pitchFamily="2" charset="0"/>
               </a:rPr>
-              <a:t>Joint Distribution of Fitness Effects</a:t>
+              <a:t>Joint DFE Results</a:t>
             </a:r>
           </a:p>
         </p:txBody>
       </p:sp>
       <p:sp>
         <p:nvSpPr>
-          <p:cNvPr id="21" name="Rectangle 167">
+          <p:cNvPr id="32" name="Rectangle 167">
             <a:extLst>
               <a:ext uri="{FF2B5EF4-FFF2-40B4-BE49-F238E27FC236}">
-                <a16:creationId xmlns:a16="http://schemas.microsoft.com/office/drawing/2014/main" id="{101B52F1-D8CA-4741-B86D-98C03F645847}"/>
+                <a16:creationId xmlns:a16="http://schemas.microsoft.com/office/drawing/2014/main" id="{8A36DE9E-ADA7-4B49-A36B-D777D03B40F4}"/>
               </a:ext>
             </a:extLst>
           </p:cNvPr>
@@ -6050,8 +6247,8 @@
         </p:nvSpPr>
         <p:spPr bwMode="auto">
           <a:xfrm>
-            <a:off x="29727260" y="7372622"/>
-            <a:ext cx="13482124" cy="1219200"/>
+            <a:off x="15104364" y="23088600"/>
+            <a:ext cx="13716000" cy="1371600"/>
           </a:xfrm>
           <a:prstGeom prst="roundRect">
             <a:avLst/>
@@ -6200,361 +6397,7 @@
                 </a:solidFill>
                 <a:latin typeface="Nunito" panose="00000500000000000000" pitchFamily="2" charset="0"/>
               </a:rPr>
-              <a:t>Results</a:t>
-            </a:r>
-          </a:p>
-        </p:txBody>
-      </p:sp>
-      <p:sp>
-        <p:nvSpPr>
-          <p:cNvPr id="32" name="Rectangle 167">
-            <a:extLst>
-              <a:ext uri="{FF2B5EF4-FFF2-40B4-BE49-F238E27FC236}">
-                <a16:creationId xmlns:a16="http://schemas.microsoft.com/office/drawing/2014/main" id="{8A36DE9E-ADA7-4B49-A36B-D777D03B40F4}"/>
-              </a:ext>
-            </a:extLst>
-          </p:cNvPr>
-          <p:cNvSpPr>
-            <a:spLocks noChangeArrowheads="1"/>
-          </p:cNvSpPr>
-          <p:nvPr/>
-        </p:nvSpPr>
-        <p:spPr bwMode="auto">
-          <a:xfrm>
-            <a:off x="20493214" y="25720405"/>
-            <a:ext cx="13482124" cy="1219200"/>
-          </a:xfrm>
-          <a:prstGeom prst="roundRect">
-            <a:avLst/>
-          </a:prstGeom>
-          <a:solidFill>
-            <a:srgbClr val="AB0520"/>
-          </a:solidFill>
-          <a:ln w="9525">
-            <a:noFill/>
-            <a:miter lim="800000"/>
-          </a:ln>
-        </p:spPr>
-        <p:txBody>
-          <a:bodyPr wrap="none" lIns="137160" tIns="68580" rIns="137160" bIns="68580" anchor="ctr"/>
-          <a:lstStyle>
-            <a:defPPr>
-              <a:defRPr lang="en-US"/>
-            </a:defPPr>
-            <a:lvl1pPr algn="ctr" rtl="0" fontAlgn="base">
-              <a:spcBef>
-                <a:spcPct val="0"/>
-              </a:spcBef>
-              <a:spcAft>
-                <a:spcPct val="0"/>
-              </a:spcAft>
-              <a:defRPr sz="5733" b="1" kern="1200">
-                <a:solidFill>
-                  <a:srgbClr val="FF9900"/>
-                </a:solidFill>
-                <a:latin typeface="Arial"/>
-                <a:ea typeface="+mn-ea"/>
-                <a:cs typeface="+mn-cs"/>
-              </a:defRPr>
-            </a:lvl1pPr>
-            <a:lvl2pPr marL="609585" algn="ctr" rtl="0" fontAlgn="base">
-              <a:spcBef>
-                <a:spcPct val="0"/>
-              </a:spcBef>
-              <a:spcAft>
-                <a:spcPct val="0"/>
-              </a:spcAft>
-              <a:defRPr sz="5733" b="1" kern="1200">
-                <a:solidFill>
-                  <a:srgbClr val="FF9900"/>
-                </a:solidFill>
-                <a:latin typeface="Arial"/>
-                <a:ea typeface="+mn-ea"/>
-                <a:cs typeface="+mn-cs"/>
-              </a:defRPr>
-            </a:lvl2pPr>
-            <a:lvl3pPr marL="1219170" algn="ctr" rtl="0" fontAlgn="base">
-              <a:spcBef>
-                <a:spcPct val="0"/>
-              </a:spcBef>
-              <a:spcAft>
-                <a:spcPct val="0"/>
-              </a:spcAft>
-              <a:defRPr sz="5733" b="1" kern="1200">
-                <a:solidFill>
-                  <a:srgbClr val="FF9900"/>
-                </a:solidFill>
-                <a:latin typeface="Arial"/>
-                <a:ea typeface="+mn-ea"/>
-                <a:cs typeface="+mn-cs"/>
-              </a:defRPr>
-            </a:lvl3pPr>
-            <a:lvl4pPr marL="1828754" algn="ctr" rtl="0" fontAlgn="base">
-              <a:spcBef>
-                <a:spcPct val="0"/>
-              </a:spcBef>
-              <a:spcAft>
-                <a:spcPct val="0"/>
-              </a:spcAft>
-              <a:defRPr sz="5733" b="1" kern="1200">
-                <a:solidFill>
-                  <a:srgbClr val="FF9900"/>
-                </a:solidFill>
-                <a:latin typeface="Arial"/>
-                <a:ea typeface="+mn-ea"/>
-                <a:cs typeface="+mn-cs"/>
-              </a:defRPr>
-            </a:lvl4pPr>
-            <a:lvl5pPr marL="2438339" algn="ctr" rtl="0" fontAlgn="base">
-              <a:spcBef>
-                <a:spcPct val="0"/>
-              </a:spcBef>
-              <a:spcAft>
-                <a:spcPct val="0"/>
-              </a:spcAft>
-              <a:defRPr sz="5733" b="1" kern="1200">
-                <a:solidFill>
-                  <a:srgbClr val="FF9900"/>
-                </a:solidFill>
-                <a:latin typeface="Arial"/>
-                <a:ea typeface="+mn-ea"/>
-                <a:cs typeface="+mn-cs"/>
-              </a:defRPr>
-            </a:lvl5pPr>
-            <a:lvl6pPr marL="3047924" algn="l" defTabSz="1219170" rtl="0" eaLnBrk="1" latinLnBrk="0" hangingPunct="1">
-              <a:defRPr sz="5733" b="1" kern="1200">
-                <a:solidFill>
-                  <a:srgbClr val="FF9900"/>
-                </a:solidFill>
-                <a:latin typeface="Arial"/>
-                <a:ea typeface="+mn-ea"/>
-                <a:cs typeface="+mn-cs"/>
-              </a:defRPr>
-            </a:lvl6pPr>
-            <a:lvl7pPr marL="3657509" algn="l" defTabSz="1219170" rtl="0" eaLnBrk="1" latinLnBrk="0" hangingPunct="1">
-              <a:defRPr sz="5733" b="1" kern="1200">
-                <a:solidFill>
-                  <a:srgbClr val="FF9900"/>
-                </a:solidFill>
-                <a:latin typeface="Arial"/>
-                <a:ea typeface="+mn-ea"/>
-                <a:cs typeface="+mn-cs"/>
-              </a:defRPr>
-            </a:lvl7pPr>
-            <a:lvl8pPr marL="4267093" algn="l" defTabSz="1219170" rtl="0" eaLnBrk="1" latinLnBrk="0" hangingPunct="1">
-              <a:defRPr sz="5733" b="1" kern="1200">
-                <a:solidFill>
-                  <a:srgbClr val="FF9900"/>
-                </a:solidFill>
-                <a:latin typeface="Arial"/>
-                <a:ea typeface="+mn-ea"/>
-                <a:cs typeface="+mn-cs"/>
-              </a:defRPr>
-            </a:lvl8pPr>
-            <a:lvl9pPr marL="4876678" algn="l" defTabSz="1219170" rtl="0" eaLnBrk="1" latinLnBrk="0" hangingPunct="1">
-              <a:defRPr sz="5733" b="1" kern="1200">
-                <a:solidFill>
-                  <a:srgbClr val="FF9900"/>
-                </a:solidFill>
-                <a:latin typeface="Arial"/>
-                <a:ea typeface="+mn-ea"/>
-                <a:cs typeface="+mn-cs"/>
-              </a:defRPr>
-            </a:lvl9pPr>
-          </a:lstStyle>
-          <a:p>
-            <a:pPr defTabSz="3762187"/>
-            <a:r>
-              <a:rPr lang="en-US" sz="4800" dirty="0">
-                <a:solidFill>
-                  <a:schemeClr val="bg1"/>
-                </a:solidFill>
-                <a:latin typeface="Nunito" panose="00000500000000000000" pitchFamily="2" charset="0"/>
-              </a:rPr>
-              <a:t>Acknowledgements</a:t>
-            </a:r>
-          </a:p>
-        </p:txBody>
-      </p:sp>
-      <p:sp>
-        <p:nvSpPr>
-          <p:cNvPr id="33" name="TextBox 19">
-            <a:extLst>
-              <a:ext uri="{FF2B5EF4-FFF2-40B4-BE49-F238E27FC236}">
-                <a16:creationId xmlns:a16="http://schemas.microsoft.com/office/drawing/2014/main" id="{AD61A419-7763-464E-BEFD-5783756FD735}"/>
-              </a:ext>
-            </a:extLst>
-          </p:cNvPr>
-          <p:cNvSpPr txBox="1">
-            <a:spLocks noChangeArrowheads="1"/>
-          </p:cNvSpPr>
-          <p:nvPr/>
-        </p:nvSpPr>
-        <p:spPr bwMode="auto">
-          <a:xfrm>
-            <a:off x="20493214" y="27150854"/>
-            <a:ext cx="13482124" cy="584753"/>
-          </a:xfrm>
-          <a:prstGeom prst="rect">
-            <a:avLst/>
-          </a:prstGeom>
-          <a:solidFill>
-            <a:schemeClr val="bg1"/>
-          </a:solidFill>
-          <a:ln>
-            <a:noFill/>
-          </a:ln>
-          <a:extLst>
-            <a:ext uri="{91240B29-F687-4F45-9708-019B960494DF}">
-              <a14:hiddenLine xmlns:a14="http://schemas.microsoft.com/office/drawing/2010/main" w="9525">
-                <a:solidFill>
-                  <a:srgbClr val="000000"/>
-                </a:solidFill>
-                <a:miter lim="800000"/>
-                <a:headEnd/>
-                <a:tailEnd/>
-              </a14:hiddenLine>
-            </a:ext>
-          </a:extLst>
-        </p:spPr>
-        <p:txBody>
-          <a:bodyPr wrap="square" lIns="91419" tIns="45709" rIns="91419" bIns="45709">
-            <a:spAutoFit/>
-          </a:bodyPr>
-          <a:lstStyle>
-            <a:defPPr>
-              <a:defRPr lang="en-US"/>
-            </a:defPPr>
-            <a:lvl1pPr algn="ctr" rtl="0" fontAlgn="base">
-              <a:spcBef>
-                <a:spcPct val="0"/>
-              </a:spcBef>
-              <a:spcAft>
-                <a:spcPct val="0"/>
-              </a:spcAft>
-              <a:defRPr sz="5733" b="1" kern="1200">
-                <a:solidFill>
-                  <a:srgbClr val="FF9900"/>
-                </a:solidFill>
-                <a:latin typeface="Arial"/>
-                <a:ea typeface="+mn-ea"/>
-                <a:cs typeface="+mn-cs"/>
-              </a:defRPr>
-            </a:lvl1pPr>
-            <a:lvl2pPr marL="609585" algn="ctr" rtl="0" fontAlgn="base">
-              <a:spcBef>
-                <a:spcPct val="0"/>
-              </a:spcBef>
-              <a:spcAft>
-                <a:spcPct val="0"/>
-              </a:spcAft>
-              <a:defRPr sz="5733" b="1" kern="1200">
-                <a:solidFill>
-                  <a:srgbClr val="FF9900"/>
-                </a:solidFill>
-                <a:latin typeface="Arial"/>
-                <a:ea typeface="+mn-ea"/>
-                <a:cs typeface="+mn-cs"/>
-              </a:defRPr>
-            </a:lvl2pPr>
-            <a:lvl3pPr marL="1219170" algn="ctr" rtl="0" fontAlgn="base">
-              <a:spcBef>
-                <a:spcPct val="0"/>
-              </a:spcBef>
-              <a:spcAft>
-                <a:spcPct val="0"/>
-              </a:spcAft>
-              <a:defRPr sz="5733" b="1" kern="1200">
-                <a:solidFill>
-                  <a:srgbClr val="FF9900"/>
-                </a:solidFill>
-                <a:latin typeface="Arial"/>
-                <a:ea typeface="+mn-ea"/>
-                <a:cs typeface="+mn-cs"/>
-              </a:defRPr>
-            </a:lvl3pPr>
-            <a:lvl4pPr marL="1828754" algn="ctr" rtl="0" fontAlgn="base">
-              <a:spcBef>
-                <a:spcPct val="0"/>
-              </a:spcBef>
-              <a:spcAft>
-                <a:spcPct val="0"/>
-              </a:spcAft>
-              <a:defRPr sz="5733" b="1" kern="1200">
-                <a:solidFill>
-                  <a:srgbClr val="FF9900"/>
-                </a:solidFill>
-                <a:latin typeface="Arial"/>
-                <a:ea typeface="+mn-ea"/>
-                <a:cs typeface="+mn-cs"/>
-              </a:defRPr>
-            </a:lvl4pPr>
-            <a:lvl5pPr marL="2438339" algn="ctr" rtl="0" fontAlgn="base">
-              <a:spcBef>
-                <a:spcPct val="0"/>
-              </a:spcBef>
-              <a:spcAft>
-                <a:spcPct val="0"/>
-              </a:spcAft>
-              <a:defRPr sz="5733" b="1" kern="1200">
-                <a:solidFill>
-                  <a:srgbClr val="FF9900"/>
-                </a:solidFill>
-                <a:latin typeface="Arial"/>
-                <a:ea typeface="+mn-ea"/>
-                <a:cs typeface="+mn-cs"/>
-              </a:defRPr>
-            </a:lvl5pPr>
-            <a:lvl6pPr marL="3047924" algn="l" defTabSz="1219170" rtl="0" eaLnBrk="1" latinLnBrk="0" hangingPunct="1">
-              <a:defRPr sz="5733" b="1" kern="1200">
-                <a:solidFill>
-                  <a:srgbClr val="FF9900"/>
-                </a:solidFill>
-                <a:latin typeface="Arial"/>
-                <a:ea typeface="+mn-ea"/>
-                <a:cs typeface="+mn-cs"/>
-              </a:defRPr>
-            </a:lvl6pPr>
-            <a:lvl7pPr marL="3657509" algn="l" defTabSz="1219170" rtl="0" eaLnBrk="1" latinLnBrk="0" hangingPunct="1">
-              <a:defRPr sz="5733" b="1" kern="1200">
-                <a:solidFill>
-                  <a:srgbClr val="FF9900"/>
-                </a:solidFill>
-                <a:latin typeface="Arial"/>
-                <a:ea typeface="+mn-ea"/>
-                <a:cs typeface="+mn-cs"/>
-              </a:defRPr>
-            </a:lvl7pPr>
-            <a:lvl8pPr marL="4267093" algn="l" defTabSz="1219170" rtl="0" eaLnBrk="1" latinLnBrk="0" hangingPunct="1">
-              <a:defRPr sz="5733" b="1" kern="1200">
-                <a:solidFill>
-                  <a:srgbClr val="FF9900"/>
-                </a:solidFill>
-                <a:latin typeface="Arial"/>
-                <a:ea typeface="+mn-ea"/>
-                <a:cs typeface="+mn-cs"/>
-              </a:defRPr>
-            </a:lvl8pPr>
-            <a:lvl9pPr marL="4876678" algn="l" defTabSz="1219170" rtl="0" eaLnBrk="1" latinLnBrk="0" hangingPunct="1">
-              <a:defRPr sz="5733" b="1" kern="1200">
-                <a:solidFill>
-                  <a:srgbClr val="FF9900"/>
-                </a:solidFill>
-                <a:latin typeface="Arial"/>
-                <a:ea typeface="+mn-ea"/>
-                <a:cs typeface="+mn-cs"/>
-              </a:defRPr>
-            </a:lvl9pPr>
-          </a:lstStyle>
-          <a:p>
-            <a:pPr algn="l"/>
-            <a:r>
-              <a:rPr lang="en-US" sz="3200" b="0" dirty="0">
-                <a:latin typeface="Open Sans" panose="020B0606030504020204" pitchFamily="34" charset="0"/>
-                <a:ea typeface="Open Sans" panose="020B0606030504020204" pitchFamily="34" charset="0"/>
-                <a:cs typeface="Open Sans" panose="020B0606030504020204" pitchFamily="34" charset="0"/>
-              </a:rPr>
-              <a:t>Add your information, graphs and images to this section.</a:t>
+              <a:t>Demographic History Results</a:t>
             </a:r>
           </a:p>
         </p:txBody>
@@ -6573,8 +6416,8 @@
         </p:nvSpPr>
         <p:spPr>
           <a:xfrm>
-            <a:off x="596256" y="8669997"/>
-            <a:ext cx="13482124" cy="11910953"/>
+            <a:off x="685800" y="7543800"/>
+            <a:ext cx="13716000" cy="11430000"/>
           </a:xfrm>
           <a:prstGeom prst="rect">
             <a:avLst/>
@@ -6774,10 +6617,10 @@
       </p:sp>
       <p:sp>
         <p:nvSpPr>
-          <p:cNvPr id="49" name="TextBox 48">
+          <p:cNvPr id="241" name="TextBox 240">
             <a:extLst>
               <a:ext uri="{FF2B5EF4-FFF2-40B4-BE49-F238E27FC236}">
-                <a16:creationId xmlns:a16="http://schemas.microsoft.com/office/drawing/2014/main" id="{DEA09F5A-1661-4BDF-A2DF-89252468F52D}"/>
+                <a16:creationId xmlns:a16="http://schemas.microsoft.com/office/drawing/2014/main" id="{289F4C29-97DA-4889-85D4-4718B5EF9EE5}"/>
               </a:ext>
             </a:extLst>
           </p:cNvPr>
@@ -6786,8 +6629,8 @@
         </p:nvSpPr>
         <p:spPr>
           <a:xfrm>
-            <a:off x="596256" y="28015641"/>
-            <a:ext cx="13482124" cy="3046988"/>
+            <a:off x="685800" y="20345400"/>
+            <a:ext cx="13716000" cy="5029200"/>
           </a:xfrm>
           <a:prstGeom prst="rect">
             <a:avLst/>
@@ -6936,17 +6779,50 @@
                 <a:ea typeface="Open Sans" panose="020B0606030504020204" pitchFamily="34" charset="0"/>
                 <a:cs typeface="Open Sans" panose="020B0606030504020204" pitchFamily="34" charset="0"/>
               </a:rPr>
-              <a:t>Another key question in population genetics is understanding what selective pressures contribute to certain mutations reaching fixation or extinction. Most mutations are deleterious or nearly neutral, with a small proportion being beneficial (adaptive). These mutations fall on a spectrum describing how deleterious they are, which is called a distribution of fitness effects (DFE). </a:t>
+              <a:t>Inferring demographic history is a common goal in population genetics and can done computationally using genomic data. A demographic history describes a population or set of populations over time and seeks to explain their relationship through migrations, splits, and size changes. This project uses a site frequency spectra (SFS) based approach to infer demographic histories for population pairs using a diffusion method, which is implemented in the software </a:t>
+            </a:r>
+            <a:r>
+              <a:rPr lang="en-US" sz="3200" b="0" i="1" dirty="0" err="1">
+                <a:solidFill>
+                  <a:schemeClr val="tx1"/>
+                </a:solidFill>
+                <a:latin typeface="Open Sans" panose="020B0606030504020204" pitchFamily="34" charset="0"/>
+                <a:ea typeface="Open Sans" panose="020B0606030504020204" pitchFamily="34" charset="0"/>
+                <a:cs typeface="Open Sans" panose="020B0606030504020204" pitchFamily="34" charset="0"/>
+              </a:rPr>
+              <a:t>dadi</a:t>
+            </a:r>
+            <a:r>
+              <a:rPr lang="en-US" sz="3200" b="0" i="1" dirty="0">
+                <a:solidFill>
+                  <a:schemeClr val="tx1"/>
+                </a:solidFill>
+                <a:latin typeface="Open Sans" panose="020B0606030504020204" pitchFamily="34" charset="0"/>
+                <a:ea typeface="Open Sans" panose="020B0606030504020204" pitchFamily="34" charset="0"/>
+                <a:cs typeface="Open Sans" panose="020B0606030504020204" pitchFamily="34" charset="0"/>
+              </a:rPr>
+              <a:t> </a:t>
+            </a:r>
+            <a:r>
+              <a:rPr lang="en-US" sz="3200" b="0" dirty="0">
+                <a:solidFill>
+                  <a:schemeClr val="tx1"/>
+                </a:solidFill>
+                <a:latin typeface="Open Sans" panose="020B0606030504020204" pitchFamily="34" charset="0"/>
+                <a:ea typeface="Open Sans" panose="020B0606030504020204" pitchFamily="34" charset="0"/>
+                <a:cs typeface="Open Sans" panose="020B0606030504020204" pitchFamily="34" charset="0"/>
+              </a:rPr>
+              <a:t>(1). The parameters from demographic inference describe a population or pair of populations over time, which helps complement archaeological evidence of population history and guides exploration of selection. </a:t>
             </a:r>
           </a:p>
         </p:txBody>
       </p:sp>
       <p:sp>
         <p:nvSpPr>
-          <p:cNvPr id="54" name="TextBox 53">
+          <p:cNvPr id="306" name="TextBox 305">
             <a:extLst>
               <a:ext uri="{FF2B5EF4-FFF2-40B4-BE49-F238E27FC236}">
-                <a16:creationId xmlns:a16="http://schemas.microsoft.com/office/drawing/2014/main" id="{78FB01C1-373E-4866-BF69-4540A0DE8387}"/>
+                <a16:creationId xmlns:a16="http://schemas.microsoft.com/office/drawing/2014/main" id="{52719D96-727F-42F6-8B2A-AA919B98673D}"/>
               </a:ext>
             </a:extLst>
           </p:cNvPr>
@@ -6955,8 +6831,8 @@
         </p:nvSpPr>
         <p:spPr>
           <a:xfrm>
-            <a:off x="15219779" y="8865301"/>
-            <a:ext cx="13482124" cy="584775"/>
+            <a:off x="29485557" y="26974800"/>
+            <a:ext cx="13716000" cy="9941183"/>
           </a:xfrm>
           <a:prstGeom prst="rect">
             <a:avLst/>
@@ -6964,6 +6840,9 @@
           <a:solidFill>
             <a:schemeClr val="bg1"/>
           </a:solidFill>
+          <a:ln>
+            <a:noFill/>
+          </a:ln>
         </p:spPr>
         <p:txBody>
           <a:bodyPr wrap="square" rtlCol="0">
@@ -7105,168 +6984,10 @@
                 <a:ea typeface="Open Sans" panose="020B0606030504020204" pitchFamily="34" charset="0"/>
                 <a:cs typeface="Open Sans" panose="020B0606030504020204" pitchFamily="34" charset="0"/>
               </a:rPr>
-              <a:t>Add your information, graphs and images to this section.</a:t>
-            </a:r>
-          </a:p>
-        </p:txBody>
-      </p:sp>
-      <p:sp>
-        <p:nvSpPr>
-          <p:cNvPr id="241" name="TextBox 240">
-            <a:extLst>
-              <a:ext uri="{FF2B5EF4-FFF2-40B4-BE49-F238E27FC236}">
-                <a16:creationId xmlns:a16="http://schemas.microsoft.com/office/drawing/2014/main" id="{289F4C29-97DA-4889-85D4-4718B5EF9EE5}"/>
-              </a:ext>
-            </a:extLst>
-          </p:cNvPr>
-          <p:cNvSpPr txBox="1"/>
-          <p:nvPr/>
-        </p:nvSpPr>
-        <p:spPr>
-          <a:xfrm>
-            <a:off x="596256" y="21784872"/>
-            <a:ext cx="13482124" cy="5016758"/>
-          </a:xfrm>
-          <a:prstGeom prst="rect">
-            <a:avLst/>
-          </a:prstGeom>
-          <a:solidFill>
-            <a:schemeClr val="bg1"/>
-          </a:solidFill>
-        </p:spPr>
-        <p:txBody>
-          <a:bodyPr wrap="square" rtlCol="0">
-            <a:spAutoFit/>
-          </a:bodyPr>
-          <a:lstStyle>
-            <a:defPPr>
-              <a:defRPr lang="en-US"/>
-            </a:defPPr>
-            <a:lvl1pPr algn="ctr" rtl="0" fontAlgn="base">
-              <a:spcBef>
-                <a:spcPct val="0"/>
-              </a:spcBef>
-              <a:spcAft>
-                <a:spcPct val="0"/>
-              </a:spcAft>
-              <a:defRPr sz="5733" b="1" kern="1200">
-                <a:solidFill>
-                  <a:srgbClr val="FF9900"/>
-                </a:solidFill>
-                <a:latin typeface="Arial"/>
-                <a:ea typeface="+mn-ea"/>
-                <a:cs typeface="+mn-cs"/>
-              </a:defRPr>
-            </a:lvl1pPr>
-            <a:lvl2pPr marL="609585" algn="ctr" rtl="0" fontAlgn="base">
-              <a:spcBef>
-                <a:spcPct val="0"/>
-              </a:spcBef>
-              <a:spcAft>
-                <a:spcPct val="0"/>
-              </a:spcAft>
-              <a:defRPr sz="5733" b="1" kern="1200">
-                <a:solidFill>
-                  <a:srgbClr val="FF9900"/>
-                </a:solidFill>
-                <a:latin typeface="Arial"/>
-                <a:ea typeface="+mn-ea"/>
-                <a:cs typeface="+mn-cs"/>
-              </a:defRPr>
-            </a:lvl2pPr>
-            <a:lvl3pPr marL="1219170" algn="ctr" rtl="0" fontAlgn="base">
-              <a:spcBef>
-                <a:spcPct val="0"/>
-              </a:spcBef>
-              <a:spcAft>
-                <a:spcPct val="0"/>
-              </a:spcAft>
-              <a:defRPr sz="5733" b="1" kern="1200">
-                <a:solidFill>
-                  <a:srgbClr val="FF9900"/>
-                </a:solidFill>
-                <a:latin typeface="Arial"/>
-                <a:ea typeface="+mn-ea"/>
-                <a:cs typeface="+mn-cs"/>
-              </a:defRPr>
-            </a:lvl3pPr>
-            <a:lvl4pPr marL="1828754" algn="ctr" rtl="0" fontAlgn="base">
-              <a:spcBef>
-                <a:spcPct val="0"/>
-              </a:spcBef>
-              <a:spcAft>
-                <a:spcPct val="0"/>
-              </a:spcAft>
-              <a:defRPr sz="5733" b="1" kern="1200">
-                <a:solidFill>
-                  <a:srgbClr val="FF9900"/>
-                </a:solidFill>
-                <a:latin typeface="Arial"/>
-                <a:ea typeface="+mn-ea"/>
-                <a:cs typeface="+mn-cs"/>
-              </a:defRPr>
-            </a:lvl4pPr>
-            <a:lvl5pPr marL="2438339" algn="ctr" rtl="0" fontAlgn="base">
-              <a:spcBef>
-                <a:spcPct val="0"/>
-              </a:spcBef>
-              <a:spcAft>
-                <a:spcPct val="0"/>
-              </a:spcAft>
-              <a:defRPr sz="5733" b="1" kern="1200">
-                <a:solidFill>
-                  <a:srgbClr val="FF9900"/>
-                </a:solidFill>
-                <a:latin typeface="Arial"/>
-                <a:ea typeface="+mn-ea"/>
-                <a:cs typeface="+mn-cs"/>
-              </a:defRPr>
-            </a:lvl5pPr>
-            <a:lvl6pPr marL="3047924" algn="l" defTabSz="1219170" rtl="0" eaLnBrk="1" latinLnBrk="0" hangingPunct="1">
-              <a:defRPr sz="5733" b="1" kern="1200">
-                <a:solidFill>
-                  <a:srgbClr val="FF9900"/>
-                </a:solidFill>
-                <a:latin typeface="Arial"/>
-                <a:ea typeface="+mn-ea"/>
-                <a:cs typeface="+mn-cs"/>
-              </a:defRPr>
-            </a:lvl6pPr>
-            <a:lvl7pPr marL="3657509" algn="l" defTabSz="1219170" rtl="0" eaLnBrk="1" latinLnBrk="0" hangingPunct="1">
-              <a:defRPr sz="5733" b="1" kern="1200">
-                <a:solidFill>
-                  <a:srgbClr val="FF9900"/>
-                </a:solidFill>
-                <a:latin typeface="Arial"/>
-                <a:ea typeface="+mn-ea"/>
-                <a:cs typeface="+mn-cs"/>
-              </a:defRPr>
-            </a:lvl7pPr>
-            <a:lvl8pPr marL="4267093" algn="l" defTabSz="1219170" rtl="0" eaLnBrk="1" latinLnBrk="0" hangingPunct="1">
-              <a:defRPr sz="5733" b="1" kern="1200">
-                <a:solidFill>
-                  <a:srgbClr val="FF9900"/>
-                </a:solidFill>
-                <a:latin typeface="Arial"/>
-                <a:ea typeface="+mn-ea"/>
-                <a:cs typeface="+mn-cs"/>
-              </a:defRPr>
-            </a:lvl8pPr>
-            <a:lvl9pPr marL="4876678" algn="l" defTabSz="1219170" rtl="0" eaLnBrk="1" latinLnBrk="0" hangingPunct="1">
-              <a:defRPr sz="5733" b="1" kern="1200">
-                <a:solidFill>
-                  <a:srgbClr val="FF9900"/>
-                </a:solidFill>
-                <a:latin typeface="Arial"/>
-                <a:ea typeface="+mn-ea"/>
-                <a:cs typeface="+mn-cs"/>
-              </a:defRPr>
-            </a:lvl9pPr>
-          </a:lstStyle>
-          <a:p>
-            <a:pPr algn="l"/>
-            <a:r>
-              <a:rPr lang="en-US" sz="3200" b="0" dirty="0">
+              <a:t>The demographic inferences presented here describe three population pairs of </a:t>
+            </a:r>
+            <a:r>
+              <a:rPr lang="en-US" sz="3200" b="0" i="1" dirty="0">
                 <a:solidFill>
                   <a:schemeClr val="tx1"/>
                 </a:solidFill>
@@ -7274,7 +6995,7 @@
                 <a:ea typeface="Open Sans" panose="020B0606030504020204" pitchFamily="34" charset="0"/>
                 <a:cs typeface="Open Sans" panose="020B0606030504020204" pitchFamily="34" charset="0"/>
               </a:rPr>
-              <a:t>Inferring demographic history is a common goal in population genetics and can done computationally using genomic data. A demographic history describes a population or set of populations over time and seeks to explain their relationship through migrations, splits, and size changes. This project uses a site frequency spectra-based approach to infer demographic histories using a diffusion method, which is implemented in the software </a:t>
+              <a:t>Mus musculus </a:t>
             </a:r>
             <a:r>
               <a:rPr lang="en-US" sz="3200" b="0" i="1" dirty="0" err="1">
@@ -7285,7 +7006,7 @@
                 <a:ea typeface="Open Sans" panose="020B0606030504020204" pitchFamily="34" charset="0"/>
                 <a:cs typeface="Open Sans" panose="020B0606030504020204" pitchFamily="34" charset="0"/>
               </a:rPr>
-              <a:t>dadi</a:t>
+              <a:t>domesticus</a:t>
             </a:r>
             <a:r>
               <a:rPr lang="en-US" sz="3200" b="0" dirty="0">
@@ -7296,168 +7017,10 @@
                 <a:ea typeface="Open Sans" panose="020B0606030504020204" pitchFamily="34" charset="0"/>
                 <a:cs typeface="Open Sans" panose="020B0606030504020204" pitchFamily="34" charset="0"/>
               </a:rPr>
-              <a:t>. Our results support prior knowledge of a migration of wild mice from Iran moving West through Europe and show low levels of inbreeding in all populations. </a:t>
-            </a:r>
-          </a:p>
-        </p:txBody>
-      </p:sp>
-      <p:sp>
-        <p:nvSpPr>
-          <p:cNvPr id="306" name="TextBox 305">
-            <a:extLst>
-              <a:ext uri="{FF2B5EF4-FFF2-40B4-BE49-F238E27FC236}">
-                <a16:creationId xmlns:a16="http://schemas.microsoft.com/office/drawing/2014/main" id="{52719D96-727F-42F6-8B2A-AA919B98673D}"/>
-              </a:ext>
-            </a:extLst>
-          </p:cNvPr>
-          <p:cNvSpPr txBox="1"/>
-          <p:nvPr/>
-        </p:nvSpPr>
-        <p:spPr>
-          <a:xfrm>
-            <a:off x="29798545" y="9304349"/>
-            <a:ext cx="13482124" cy="584775"/>
-          </a:xfrm>
-          <a:prstGeom prst="rect">
-            <a:avLst/>
-          </a:prstGeom>
-          <a:solidFill>
-            <a:schemeClr val="bg1"/>
-          </a:solidFill>
-        </p:spPr>
-        <p:txBody>
-          <a:bodyPr wrap="square" rtlCol="0">
-            <a:spAutoFit/>
-          </a:bodyPr>
-          <a:lstStyle>
-            <a:defPPr>
-              <a:defRPr lang="en-US"/>
-            </a:defPPr>
-            <a:lvl1pPr algn="ctr" rtl="0" fontAlgn="base">
-              <a:spcBef>
-                <a:spcPct val="0"/>
-              </a:spcBef>
-              <a:spcAft>
-                <a:spcPct val="0"/>
-              </a:spcAft>
-              <a:defRPr sz="5733" b="1" kern="1200">
-                <a:solidFill>
-                  <a:srgbClr val="FF9900"/>
-                </a:solidFill>
-                <a:latin typeface="Arial"/>
-                <a:ea typeface="+mn-ea"/>
-                <a:cs typeface="+mn-cs"/>
-              </a:defRPr>
-            </a:lvl1pPr>
-            <a:lvl2pPr marL="609585" algn="ctr" rtl="0" fontAlgn="base">
-              <a:spcBef>
-                <a:spcPct val="0"/>
-              </a:spcBef>
-              <a:spcAft>
-                <a:spcPct val="0"/>
-              </a:spcAft>
-              <a:defRPr sz="5733" b="1" kern="1200">
-                <a:solidFill>
-                  <a:srgbClr val="FF9900"/>
-                </a:solidFill>
-                <a:latin typeface="Arial"/>
-                <a:ea typeface="+mn-ea"/>
-                <a:cs typeface="+mn-cs"/>
-              </a:defRPr>
-            </a:lvl2pPr>
-            <a:lvl3pPr marL="1219170" algn="ctr" rtl="0" fontAlgn="base">
-              <a:spcBef>
-                <a:spcPct val="0"/>
-              </a:spcBef>
-              <a:spcAft>
-                <a:spcPct val="0"/>
-              </a:spcAft>
-              <a:defRPr sz="5733" b="1" kern="1200">
-                <a:solidFill>
-                  <a:srgbClr val="FF9900"/>
-                </a:solidFill>
-                <a:latin typeface="Arial"/>
-                <a:ea typeface="+mn-ea"/>
-                <a:cs typeface="+mn-cs"/>
-              </a:defRPr>
-            </a:lvl3pPr>
-            <a:lvl4pPr marL="1828754" algn="ctr" rtl="0" fontAlgn="base">
-              <a:spcBef>
-                <a:spcPct val="0"/>
-              </a:spcBef>
-              <a:spcAft>
-                <a:spcPct val="0"/>
-              </a:spcAft>
-              <a:defRPr sz="5733" b="1" kern="1200">
-                <a:solidFill>
-                  <a:srgbClr val="FF9900"/>
-                </a:solidFill>
-                <a:latin typeface="Arial"/>
-                <a:ea typeface="+mn-ea"/>
-                <a:cs typeface="+mn-cs"/>
-              </a:defRPr>
-            </a:lvl4pPr>
-            <a:lvl5pPr marL="2438339" algn="ctr" rtl="0" fontAlgn="base">
-              <a:spcBef>
-                <a:spcPct val="0"/>
-              </a:spcBef>
-              <a:spcAft>
-                <a:spcPct val="0"/>
-              </a:spcAft>
-              <a:defRPr sz="5733" b="1" kern="1200">
-                <a:solidFill>
-                  <a:srgbClr val="FF9900"/>
-                </a:solidFill>
-                <a:latin typeface="Arial"/>
-                <a:ea typeface="+mn-ea"/>
-                <a:cs typeface="+mn-cs"/>
-              </a:defRPr>
-            </a:lvl5pPr>
-            <a:lvl6pPr marL="3047924" algn="l" defTabSz="1219170" rtl="0" eaLnBrk="1" latinLnBrk="0" hangingPunct="1">
-              <a:defRPr sz="5733" b="1" kern="1200">
-                <a:solidFill>
-                  <a:srgbClr val="FF9900"/>
-                </a:solidFill>
-                <a:latin typeface="Arial"/>
-                <a:ea typeface="+mn-ea"/>
-                <a:cs typeface="+mn-cs"/>
-              </a:defRPr>
-            </a:lvl6pPr>
-            <a:lvl7pPr marL="3657509" algn="l" defTabSz="1219170" rtl="0" eaLnBrk="1" latinLnBrk="0" hangingPunct="1">
-              <a:defRPr sz="5733" b="1" kern="1200">
-                <a:solidFill>
-                  <a:srgbClr val="FF9900"/>
-                </a:solidFill>
-                <a:latin typeface="Arial"/>
-                <a:ea typeface="+mn-ea"/>
-                <a:cs typeface="+mn-cs"/>
-              </a:defRPr>
-            </a:lvl7pPr>
-            <a:lvl8pPr marL="4267093" algn="l" defTabSz="1219170" rtl="0" eaLnBrk="1" latinLnBrk="0" hangingPunct="1">
-              <a:defRPr sz="5733" b="1" kern="1200">
-                <a:solidFill>
-                  <a:srgbClr val="FF9900"/>
-                </a:solidFill>
-                <a:latin typeface="Arial"/>
-                <a:ea typeface="+mn-ea"/>
-                <a:cs typeface="+mn-cs"/>
-              </a:defRPr>
-            </a:lvl8pPr>
-            <a:lvl9pPr marL="4876678" algn="l" defTabSz="1219170" rtl="0" eaLnBrk="1" latinLnBrk="0" hangingPunct="1">
-              <a:defRPr sz="5733" b="1" kern="1200">
-                <a:solidFill>
-                  <a:srgbClr val="FF9900"/>
-                </a:solidFill>
-                <a:latin typeface="Arial"/>
-                <a:ea typeface="+mn-ea"/>
-                <a:cs typeface="+mn-cs"/>
-              </a:defRPr>
-            </a:lvl9pPr>
-          </a:lstStyle>
-          <a:p>
-            <a:pPr algn="l"/>
-            <a:r>
-              <a:rPr lang="en-US" sz="3200" b="0" dirty="0">
+              <a:t> and each pair is best represented by an isolation-migration-pre model. Our results match known migration patterns of </a:t>
+            </a:r>
+            <a:r>
+              <a:rPr lang="en-US" sz="3200" b="0" i="1" dirty="0">
                 <a:solidFill>
                   <a:schemeClr val="tx1"/>
                 </a:solidFill>
@@ -7465,7 +7028,87 @@
                 <a:ea typeface="Open Sans" panose="020B0606030504020204" pitchFamily="34" charset="0"/>
                 <a:cs typeface="Open Sans" panose="020B0606030504020204" pitchFamily="34" charset="0"/>
               </a:rPr>
-              <a:t>Add your information, graphs and images to this section.</a:t>
+              <a:t>Mus musculus </a:t>
+            </a:r>
+            <a:r>
+              <a:rPr lang="en-US" sz="3200" b="0" i="1" dirty="0" err="1">
+                <a:solidFill>
+                  <a:schemeClr val="tx1"/>
+                </a:solidFill>
+                <a:latin typeface="Open Sans" panose="020B0606030504020204" pitchFamily="34" charset="0"/>
+                <a:ea typeface="Open Sans" panose="020B0606030504020204" pitchFamily="34" charset="0"/>
+                <a:cs typeface="Open Sans" panose="020B0606030504020204" pitchFamily="34" charset="0"/>
+              </a:rPr>
+              <a:t>domesticus</a:t>
+            </a:r>
+            <a:r>
+              <a:rPr lang="en-US" sz="3200" b="0" dirty="0">
+                <a:solidFill>
+                  <a:schemeClr val="tx1"/>
+                </a:solidFill>
+                <a:latin typeface="Open Sans" panose="020B0606030504020204" pitchFamily="34" charset="0"/>
+                <a:ea typeface="Open Sans" panose="020B0606030504020204" pitchFamily="34" charset="0"/>
+                <a:cs typeface="Open Sans" panose="020B0606030504020204" pitchFamily="34" charset="0"/>
+              </a:rPr>
+              <a:t> and our estimates of ancestral population sizes and inbreeding levels are consistent with literature(3, 7, 8). Having parameters to describe paired populations allows us to construct a combined demographic history for all four populations, which could, when combined with archeological evidence, help us further understand the demographic background of the species. </a:t>
+            </a:r>
+          </a:p>
+          <a:p>
+            <a:pPr algn="l"/>
+            <a:endParaRPr lang="en-US" sz="3200" b="0" dirty="0">
+              <a:solidFill>
+                <a:schemeClr val="tx1"/>
+              </a:solidFill>
+              <a:latin typeface="Open Sans" panose="020B0606030504020204" pitchFamily="34" charset="0"/>
+              <a:ea typeface="Open Sans" panose="020B0606030504020204" pitchFamily="34" charset="0"/>
+              <a:cs typeface="Open Sans" panose="020B0606030504020204" pitchFamily="34" charset="0"/>
+            </a:endParaRPr>
+          </a:p>
+          <a:p>
+            <a:pPr algn="l"/>
+            <a:r>
+              <a:rPr lang="en-US" sz="3200" b="0" dirty="0">
+                <a:solidFill>
+                  <a:schemeClr val="tx1"/>
+                </a:solidFill>
+                <a:latin typeface="Open Sans" panose="020B0606030504020204" pitchFamily="34" charset="0"/>
+                <a:ea typeface="Open Sans" panose="020B0606030504020204" pitchFamily="34" charset="0"/>
+                <a:cs typeface="Open Sans" panose="020B0606030504020204" pitchFamily="34" charset="0"/>
+              </a:rPr>
+              <a:t>The DFE results show high correlation between mutational fitness effects in population pairs. One explanation for this result is that each of the populations in a pair are living in similar environments, and thus subject to similar environmental effects on selection, driving a highly correlated DFE (8, 9). We hope this work will help us understand the biological basis of the DFE by leveraging the extensive knowledge of the common laboratory mouse, whose genomic origin is, on average, 92% </a:t>
+            </a:r>
+            <a:r>
+              <a:rPr lang="en-US" sz="3200" b="0" i="1" dirty="0">
+                <a:solidFill>
+                  <a:schemeClr val="tx1"/>
+                </a:solidFill>
+                <a:latin typeface="Open Sans" panose="020B0606030504020204" pitchFamily="34" charset="0"/>
+                <a:ea typeface="Open Sans" panose="020B0606030504020204" pitchFamily="34" charset="0"/>
+                <a:cs typeface="Open Sans" panose="020B0606030504020204" pitchFamily="34" charset="0"/>
+              </a:rPr>
+              <a:t>Mus musculus </a:t>
+            </a:r>
+            <a:r>
+              <a:rPr lang="en-US" sz="3200" b="0" i="1" dirty="0" err="1">
+                <a:solidFill>
+                  <a:schemeClr val="tx1"/>
+                </a:solidFill>
+                <a:latin typeface="Open Sans" panose="020B0606030504020204" pitchFamily="34" charset="0"/>
+                <a:ea typeface="Open Sans" panose="020B0606030504020204" pitchFamily="34" charset="0"/>
+                <a:cs typeface="Open Sans" panose="020B0606030504020204" pitchFamily="34" charset="0"/>
+              </a:rPr>
+              <a:t>domesticus</a:t>
+            </a:r>
+            <a:r>
+              <a:rPr lang="en-US" sz="3200" b="0" dirty="0">
+                <a:solidFill>
+                  <a:schemeClr val="tx1"/>
+                </a:solidFill>
+                <a:latin typeface="Open Sans" panose="020B0606030504020204" pitchFamily="34" charset="0"/>
+                <a:ea typeface="Open Sans" panose="020B0606030504020204" pitchFamily="34" charset="0"/>
+                <a:cs typeface="Open Sans" panose="020B0606030504020204" pitchFamily="34" charset="0"/>
+              </a:rPr>
+              <a:t> (10). To continue this, we plan to look at joint-DFEs for the same population pairs for a subset of mutations located in genes annotated to specific gene ontology terms.</a:t>
             </a:r>
           </a:p>
         </p:txBody>
@@ -7486,8 +7129,8 @@
         </p:nvSpPr>
         <p:spPr>
           <a:xfrm>
-            <a:off x="914400" y="40092343"/>
-            <a:ext cx="42062400" cy="3227829"/>
+            <a:off x="685800" y="39611808"/>
+            <a:ext cx="13699401" cy="3657600"/>
           </a:xfrm>
           <a:prstGeom prst="roundRect">
             <a:avLst>
@@ -7537,10 +7180,10 @@
       </p:sp>
       <p:pic>
         <p:nvPicPr>
-          <p:cNvPr id="7" name="Picture 6" descr="A close up of a logo&#10;&#10;Description automatically generated">
+          <p:cNvPr id="10" name="Picture 9" descr="A logo for a college&#10;&#10;Description automatically generated">
             <a:extLst>
               <a:ext uri="{FF2B5EF4-FFF2-40B4-BE49-F238E27FC236}">
-                <a16:creationId xmlns:a16="http://schemas.microsoft.com/office/drawing/2014/main" id="{6CCDEF25-BCCE-93D0-12AF-D29A412037CF}"/>
+                <a16:creationId xmlns:a16="http://schemas.microsoft.com/office/drawing/2014/main" id="{94F28BDB-2E63-9DE8-95FA-25D934801454}"/>
               </a:ext>
             </a:extLst>
           </p:cNvPr>
@@ -7550,15 +7193,21 @@
           <p:nvPr/>
         </p:nvPicPr>
         <p:blipFill>
-          <a:blip r:embed="rId4"/>
+          <a:blip r:embed="rId4">
+            <a:extLst>
+              <a:ext uri="{28A0092B-C50C-407E-A947-70E740481C1C}">
+                <a14:useLocalDpi xmlns:a14="http://schemas.microsoft.com/office/drawing/2010/main" val="0"/>
+              </a:ext>
+            </a:extLst>
+          </a:blip>
           <a:stretch>
             <a:fillRect/>
           </a:stretch>
         </p:blipFill>
         <p:spPr>
           <a:xfrm>
-            <a:off x="30172917" y="40718950"/>
-            <a:ext cx="8742644" cy="2124078"/>
+            <a:off x="38655393" y="1143000"/>
+            <a:ext cx="4065237" cy="3657600"/>
           </a:xfrm>
           <a:prstGeom prst="rect">
             <a:avLst/>
@@ -7567,10 +7216,10 @@
       </p:pic>
       <p:pic>
         <p:nvPicPr>
-          <p:cNvPr id="10" name="Picture 9" descr="A logo for a college&#10;&#10;Description automatically generated">
+          <p:cNvPr id="14" name="Picture 13" descr="A logo of a university of arizona&#10;&#10;Description automatically generated">
             <a:extLst>
               <a:ext uri="{FF2B5EF4-FFF2-40B4-BE49-F238E27FC236}">
-                <a16:creationId xmlns:a16="http://schemas.microsoft.com/office/drawing/2014/main" id="{94F28BDB-2E63-9DE8-95FA-25D934801454}"/>
+                <a16:creationId xmlns:a16="http://schemas.microsoft.com/office/drawing/2014/main" id="{96CE12A2-B33C-4F5B-B356-6DDF081A19DC}"/>
               </a:ext>
             </a:extLst>
           </p:cNvPr>
@@ -7593,8 +7242,5161 @@
         </p:blipFill>
         <p:spPr>
           <a:xfrm>
-            <a:off x="38583140" y="1966418"/>
-            <a:ext cx="3555459" cy="3242240"/>
+            <a:off x="1159041" y="1143000"/>
+            <a:ext cx="3899825" cy="3657600"/>
+          </a:xfrm>
+          <a:prstGeom prst="rect">
+            <a:avLst/>
+          </a:prstGeom>
+        </p:spPr>
+      </p:pic>
+      <p:grpSp>
+        <p:nvGrpSpPr>
+          <p:cNvPr id="238" name="Group 237">
+            <a:extLst>
+              <a:ext uri="{FF2B5EF4-FFF2-40B4-BE49-F238E27FC236}">
+                <a16:creationId xmlns:a16="http://schemas.microsoft.com/office/drawing/2014/main" id="{4C1A2EBA-4512-2342-4FEF-61D454A2DC6A}"/>
+              </a:ext>
+            </a:extLst>
+          </p:cNvPr>
+          <p:cNvGrpSpPr/>
+          <p:nvPr/>
+        </p:nvGrpSpPr>
+        <p:grpSpPr>
+          <a:xfrm>
+            <a:off x="685800" y="25374600"/>
+            <a:ext cx="13728758" cy="13556814"/>
+            <a:chOff x="29489400" y="6858000"/>
+            <a:chExt cx="13728758" cy="13556814"/>
+          </a:xfrm>
+        </p:grpSpPr>
+        <p:sp>
+          <p:nvSpPr>
+            <p:cNvPr id="27" name="Rectangle 167">
+              <a:extLst>
+                <a:ext uri="{FF2B5EF4-FFF2-40B4-BE49-F238E27FC236}">
+                  <a16:creationId xmlns:a16="http://schemas.microsoft.com/office/drawing/2014/main" id="{9E369C6D-A264-4B89-931F-14FD6655F2D2}"/>
+                </a:ext>
+              </a:extLst>
+            </p:cNvPr>
+            <p:cNvSpPr>
+              <a:spLocks noChangeArrowheads="1"/>
+            </p:cNvSpPr>
+            <p:nvPr/>
+          </p:nvSpPr>
+          <p:spPr bwMode="auto">
+            <a:xfrm>
+              <a:off x="29489400" y="6858000"/>
+              <a:ext cx="13716000" cy="1371600"/>
+            </a:xfrm>
+            <a:prstGeom prst="roundRect">
+              <a:avLst/>
+            </a:prstGeom>
+            <a:solidFill>
+              <a:srgbClr val="AB0520"/>
+            </a:solidFill>
+            <a:ln w="9525">
+              <a:noFill/>
+              <a:miter lim="800000"/>
+            </a:ln>
+          </p:spPr>
+          <p:txBody>
+            <a:bodyPr wrap="none" lIns="137160" tIns="68580" rIns="137160" bIns="68580" anchor="ctr"/>
+            <a:lstStyle>
+              <a:defPPr>
+                <a:defRPr lang="en-US"/>
+              </a:defPPr>
+              <a:lvl1pPr algn="ctr" rtl="0" fontAlgn="base">
+                <a:spcBef>
+                  <a:spcPct val="0"/>
+                </a:spcBef>
+                <a:spcAft>
+                  <a:spcPct val="0"/>
+                </a:spcAft>
+                <a:defRPr sz="5733" b="1" kern="1200">
+                  <a:solidFill>
+                    <a:srgbClr val="FF9900"/>
+                  </a:solidFill>
+                  <a:latin typeface="Arial"/>
+                  <a:ea typeface="+mn-ea"/>
+                  <a:cs typeface="+mn-cs"/>
+                </a:defRPr>
+              </a:lvl1pPr>
+              <a:lvl2pPr marL="609585" algn="ctr" rtl="0" fontAlgn="base">
+                <a:spcBef>
+                  <a:spcPct val="0"/>
+                </a:spcBef>
+                <a:spcAft>
+                  <a:spcPct val="0"/>
+                </a:spcAft>
+                <a:defRPr sz="5733" b="1" kern="1200">
+                  <a:solidFill>
+                    <a:srgbClr val="FF9900"/>
+                  </a:solidFill>
+                  <a:latin typeface="Arial"/>
+                  <a:ea typeface="+mn-ea"/>
+                  <a:cs typeface="+mn-cs"/>
+                </a:defRPr>
+              </a:lvl2pPr>
+              <a:lvl3pPr marL="1219170" algn="ctr" rtl="0" fontAlgn="base">
+                <a:spcBef>
+                  <a:spcPct val="0"/>
+                </a:spcBef>
+                <a:spcAft>
+                  <a:spcPct val="0"/>
+                </a:spcAft>
+                <a:defRPr sz="5733" b="1" kern="1200">
+                  <a:solidFill>
+                    <a:srgbClr val="FF9900"/>
+                  </a:solidFill>
+                  <a:latin typeface="Arial"/>
+                  <a:ea typeface="+mn-ea"/>
+                  <a:cs typeface="+mn-cs"/>
+                </a:defRPr>
+              </a:lvl3pPr>
+              <a:lvl4pPr marL="1828754" algn="ctr" rtl="0" fontAlgn="base">
+                <a:spcBef>
+                  <a:spcPct val="0"/>
+                </a:spcBef>
+                <a:spcAft>
+                  <a:spcPct val="0"/>
+                </a:spcAft>
+                <a:defRPr sz="5733" b="1" kern="1200">
+                  <a:solidFill>
+                    <a:srgbClr val="FF9900"/>
+                  </a:solidFill>
+                  <a:latin typeface="Arial"/>
+                  <a:ea typeface="+mn-ea"/>
+                  <a:cs typeface="+mn-cs"/>
+                </a:defRPr>
+              </a:lvl4pPr>
+              <a:lvl5pPr marL="2438339" algn="ctr" rtl="0" fontAlgn="base">
+                <a:spcBef>
+                  <a:spcPct val="0"/>
+                </a:spcBef>
+                <a:spcAft>
+                  <a:spcPct val="0"/>
+                </a:spcAft>
+                <a:defRPr sz="5733" b="1" kern="1200">
+                  <a:solidFill>
+                    <a:srgbClr val="FF9900"/>
+                  </a:solidFill>
+                  <a:latin typeface="Arial"/>
+                  <a:ea typeface="+mn-ea"/>
+                  <a:cs typeface="+mn-cs"/>
+                </a:defRPr>
+              </a:lvl5pPr>
+              <a:lvl6pPr marL="3047924" algn="l" defTabSz="1219170" rtl="0" eaLnBrk="1" latinLnBrk="0" hangingPunct="1">
+                <a:defRPr sz="5733" b="1" kern="1200">
+                  <a:solidFill>
+                    <a:srgbClr val="FF9900"/>
+                  </a:solidFill>
+                  <a:latin typeface="Arial"/>
+                  <a:ea typeface="+mn-ea"/>
+                  <a:cs typeface="+mn-cs"/>
+                </a:defRPr>
+              </a:lvl6pPr>
+              <a:lvl7pPr marL="3657509" algn="l" defTabSz="1219170" rtl="0" eaLnBrk="1" latinLnBrk="0" hangingPunct="1">
+                <a:defRPr sz="5733" b="1" kern="1200">
+                  <a:solidFill>
+                    <a:srgbClr val="FF9900"/>
+                  </a:solidFill>
+                  <a:latin typeface="Arial"/>
+                  <a:ea typeface="+mn-ea"/>
+                  <a:cs typeface="+mn-cs"/>
+                </a:defRPr>
+              </a:lvl7pPr>
+              <a:lvl8pPr marL="4267093" algn="l" defTabSz="1219170" rtl="0" eaLnBrk="1" latinLnBrk="0" hangingPunct="1">
+                <a:defRPr sz="5733" b="1" kern="1200">
+                  <a:solidFill>
+                    <a:srgbClr val="FF9900"/>
+                  </a:solidFill>
+                  <a:latin typeface="Arial"/>
+                  <a:ea typeface="+mn-ea"/>
+                  <a:cs typeface="+mn-cs"/>
+                </a:defRPr>
+              </a:lvl8pPr>
+              <a:lvl9pPr marL="4876678" algn="l" defTabSz="1219170" rtl="0" eaLnBrk="1" latinLnBrk="0" hangingPunct="1">
+                <a:defRPr sz="5733" b="1" kern="1200">
+                  <a:solidFill>
+                    <a:srgbClr val="FF9900"/>
+                  </a:solidFill>
+                  <a:latin typeface="Arial"/>
+                  <a:ea typeface="+mn-ea"/>
+                  <a:cs typeface="+mn-cs"/>
+                </a:defRPr>
+              </a:lvl9pPr>
+            </a:lstStyle>
+            <a:p>
+              <a:pPr defTabSz="3762187"/>
+              <a:r>
+                <a:rPr lang="en-US" sz="4800" dirty="0">
+                  <a:solidFill>
+                    <a:schemeClr val="bg1"/>
+                  </a:solidFill>
+                  <a:latin typeface="Nunito" panose="00000500000000000000" pitchFamily="2" charset="0"/>
+                </a:rPr>
+                <a:t>Joint Distribution of Fitness Effects</a:t>
+              </a:r>
+            </a:p>
+          </p:txBody>
+        </p:sp>
+        <p:sp>
+          <p:nvSpPr>
+            <p:cNvPr id="49" name="TextBox 48">
+              <a:extLst>
+                <a:ext uri="{FF2B5EF4-FFF2-40B4-BE49-F238E27FC236}">
+                  <a16:creationId xmlns:a16="http://schemas.microsoft.com/office/drawing/2014/main" id="{DEA09F5A-1661-4BDF-A2DF-89252468F52D}"/>
+                </a:ext>
+              </a:extLst>
+            </p:cNvPr>
+            <p:cNvSpPr txBox="1"/>
+            <p:nvPr/>
+          </p:nvSpPr>
+          <p:spPr>
+            <a:xfrm>
+              <a:off x="29489401" y="8229600"/>
+              <a:ext cx="13715999" cy="3657600"/>
+            </a:xfrm>
+            <a:prstGeom prst="rect">
+              <a:avLst/>
+            </a:prstGeom>
+            <a:solidFill>
+              <a:schemeClr val="bg1"/>
+            </a:solidFill>
+          </p:spPr>
+          <p:txBody>
+            <a:bodyPr wrap="square" rtlCol="0">
+              <a:spAutoFit/>
+            </a:bodyPr>
+            <a:lstStyle>
+              <a:defPPr>
+                <a:defRPr lang="en-US"/>
+              </a:defPPr>
+              <a:lvl1pPr algn="ctr" rtl="0" fontAlgn="base">
+                <a:spcBef>
+                  <a:spcPct val="0"/>
+                </a:spcBef>
+                <a:spcAft>
+                  <a:spcPct val="0"/>
+                </a:spcAft>
+                <a:defRPr sz="5733" b="1" kern="1200">
+                  <a:solidFill>
+                    <a:srgbClr val="FF9900"/>
+                  </a:solidFill>
+                  <a:latin typeface="Arial"/>
+                  <a:ea typeface="+mn-ea"/>
+                  <a:cs typeface="+mn-cs"/>
+                </a:defRPr>
+              </a:lvl1pPr>
+              <a:lvl2pPr marL="609585" algn="ctr" rtl="0" fontAlgn="base">
+                <a:spcBef>
+                  <a:spcPct val="0"/>
+                </a:spcBef>
+                <a:spcAft>
+                  <a:spcPct val="0"/>
+                </a:spcAft>
+                <a:defRPr sz="5733" b="1" kern="1200">
+                  <a:solidFill>
+                    <a:srgbClr val="FF9900"/>
+                  </a:solidFill>
+                  <a:latin typeface="Arial"/>
+                  <a:ea typeface="+mn-ea"/>
+                  <a:cs typeface="+mn-cs"/>
+                </a:defRPr>
+              </a:lvl2pPr>
+              <a:lvl3pPr marL="1219170" algn="ctr" rtl="0" fontAlgn="base">
+                <a:spcBef>
+                  <a:spcPct val="0"/>
+                </a:spcBef>
+                <a:spcAft>
+                  <a:spcPct val="0"/>
+                </a:spcAft>
+                <a:defRPr sz="5733" b="1" kern="1200">
+                  <a:solidFill>
+                    <a:srgbClr val="FF9900"/>
+                  </a:solidFill>
+                  <a:latin typeface="Arial"/>
+                  <a:ea typeface="+mn-ea"/>
+                  <a:cs typeface="+mn-cs"/>
+                </a:defRPr>
+              </a:lvl3pPr>
+              <a:lvl4pPr marL="1828754" algn="ctr" rtl="0" fontAlgn="base">
+                <a:spcBef>
+                  <a:spcPct val="0"/>
+                </a:spcBef>
+                <a:spcAft>
+                  <a:spcPct val="0"/>
+                </a:spcAft>
+                <a:defRPr sz="5733" b="1" kern="1200">
+                  <a:solidFill>
+                    <a:srgbClr val="FF9900"/>
+                  </a:solidFill>
+                  <a:latin typeface="Arial"/>
+                  <a:ea typeface="+mn-ea"/>
+                  <a:cs typeface="+mn-cs"/>
+                </a:defRPr>
+              </a:lvl4pPr>
+              <a:lvl5pPr marL="2438339" algn="ctr" rtl="0" fontAlgn="base">
+                <a:spcBef>
+                  <a:spcPct val="0"/>
+                </a:spcBef>
+                <a:spcAft>
+                  <a:spcPct val="0"/>
+                </a:spcAft>
+                <a:defRPr sz="5733" b="1" kern="1200">
+                  <a:solidFill>
+                    <a:srgbClr val="FF9900"/>
+                  </a:solidFill>
+                  <a:latin typeface="Arial"/>
+                  <a:ea typeface="+mn-ea"/>
+                  <a:cs typeface="+mn-cs"/>
+                </a:defRPr>
+              </a:lvl5pPr>
+              <a:lvl6pPr marL="3047924" algn="l" defTabSz="1219170" rtl="0" eaLnBrk="1" latinLnBrk="0" hangingPunct="1">
+                <a:defRPr sz="5733" b="1" kern="1200">
+                  <a:solidFill>
+                    <a:srgbClr val="FF9900"/>
+                  </a:solidFill>
+                  <a:latin typeface="Arial"/>
+                  <a:ea typeface="+mn-ea"/>
+                  <a:cs typeface="+mn-cs"/>
+                </a:defRPr>
+              </a:lvl6pPr>
+              <a:lvl7pPr marL="3657509" algn="l" defTabSz="1219170" rtl="0" eaLnBrk="1" latinLnBrk="0" hangingPunct="1">
+                <a:defRPr sz="5733" b="1" kern="1200">
+                  <a:solidFill>
+                    <a:srgbClr val="FF9900"/>
+                  </a:solidFill>
+                  <a:latin typeface="Arial"/>
+                  <a:ea typeface="+mn-ea"/>
+                  <a:cs typeface="+mn-cs"/>
+                </a:defRPr>
+              </a:lvl7pPr>
+              <a:lvl8pPr marL="4267093" algn="l" defTabSz="1219170" rtl="0" eaLnBrk="1" latinLnBrk="0" hangingPunct="1">
+                <a:defRPr sz="5733" b="1" kern="1200">
+                  <a:solidFill>
+                    <a:srgbClr val="FF9900"/>
+                  </a:solidFill>
+                  <a:latin typeface="Arial"/>
+                  <a:ea typeface="+mn-ea"/>
+                  <a:cs typeface="+mn-cs"/>
+                </a:defRPr>
+              </a:lvl8pPr>
+              <a:lvl9pPr marL="4876678" algn="l" defTabSz="1219170" rtl="0" eaLnBrk="1" latinLnBrk="0" hangingPunct="1">
+                <a:defRPr sz="5733" b="1" kern="1200">
+                  <a:solidFill>
+                    <a:srgbClr val="FF9900"/>
+                  </a:solidFill>
+                  <a:latin typeface="Arial"/>
+                  <a:ea typeface="+mn-ea"/>
+                  <a:cs typeface="+mn-cs"/>
+                </a:defRPr>
+              </a:lvl9pPr>
+            </a:lstStyle>
+            <a:p>
+              <a:pPr algn="l"/>
+              <a:r>
+                <a:rPr lang="en-US" sz="3200" b="0" dirty="0">
+                  <a:solidFill>
+                    <a:schemeClr val="tx1"/>
+                  </a:solidFill>
+                  <a:latin typeface="Open Sans" panose="020B0606030504020204" pitchFamily="34" charset="0"/>
+                  <a:ea typeface="Open Sans" panose="020B0606030504020204" pitchFamily="34" charset="0"/>
+                  <a:cs typeface="Open Sans" panose="020B0606030504020204" pitchFamily="34" charset="0"/>
+                </a:rPr>
+                <a:t>Another key question in population genetics is understanding what selective pressures contribute to certain mutations reaching fixation or extinction. Each mutation exists on a spectrum of how deleterious it is, which yields a distributions of fitness effects (DFE). Using a joint DFE, we can quantify the correlation between mutation fitness effects in two populations. </a:t>
+              </a:r>
+              <a:r>
+                <a:rPr kumimoji="0" lang="en-US" sz="3200" b="0" i="0" u="none" strike="noStrike" kern="1200" cap="none" spc="0" normalizeH="0" baseline="0" noProof="0" dirty="0">
+                  <a:ln>
+                    <a:noFill/>
+                  </a:ln>
+                  <a:solidFill>
+                    <a:srgbClr val="000000"/>
+                  </a:solidFill>
+                  <a:effectLst/>
+                  <a:uLnTx/>
+                  <a:uFillTx/>
+                  <a:latin typeface="Open Sans" panose="020B0606030504020204" pitchFamily="34" charset="0"/>
+                  <a:ea typeface="Open Sans" panose="020B0606030504020204" pitchFamily="34" charset="0"/>
+                  <a:cs typeface="Open Sans" panose="020B0606030504020204" pitchFamily="34" charset="0"/>
+                </a:rPr>
+                <a:t>A high correlation results in more shared high frequency polymorphisms compared to a low correlation.</a:t>
+              </a:r>
+              <a:endParaRPr lang="en-US" sz="3200" b="0" dirty="0">
+                <a:solidFill>
+                  <a:schemeClr val="tx1"/>
+                </a:solidFill>
+                <a:latin typeface="Open Sans" panose="020B0606030504020204" pitchFamily="34" charset="0"/>
+                <a:ea typeface="Open Sans" panose="020B0606030504020204" pitchFamily="34" charset="0"/>
+                <a:cs typeface="Open Sans" panose="020B0606030504020204" pitchFamily="34" charset="0"/>
+              </a:endParaRPr>
+            </a:p>
+          </p:txBody>
+        </p:sp>
+        <p:pic>
+          <p:nvPicPr>
+            <p:cNvPr id="4" name="Picture 3" descr="A graph of a function&#10;&#10;Description automatically generated with medium confidence">
+              <a:extLst>
+                <a:ext uri="{FF2B5EF4-FFF2-40B4-BE49-F238E27FC236}">
+                  <a16:creationId xmlns:a16="http://schemas.microsoft.com/office/drawing/2014/main" id="{44E1A9AE-468E-1D6F-5152-342DE120D46E}"/>
+                </a:ext>
+              </a:extLst>
+            </p:cNvPr>
+            <p:cNvPicPr>
+              <a:picLocks noChangeAspect="1"/>
+            </p:cNvPicPr>
+            <p:nvPr/>
+          </p:nvPicPr>
+          <p:blipFill rotWithShape="1">
+            <a:blip r:embed="rId6">
+              <a:extLst>
+                <a:ext uri="{28A0092B-C50C-407E-A947-70E740481C1C}">
+                  <a14:useLocalDpi xmlns:a14="http://schemas.microsoft.com/office/drawing/2010/main" val="0"/>
+                </a:ext>
+              </a:extLst>
+            </a:blip>
+            <a:srcRect l="10811" t="8709" r="20945" b="17626"/>
+            <a:stretch/>
+          </p:blipFill>
+          <p:spPr>
+            <a:xfrm>
+              <a:off x="35498313" y="11658600"/>
+              <a:ext cx="7623831" cy="6172200"/>
+            </a:xfrm>
+            <a:prstGeom prst="rect">
+              <a:avLst/>
+            </a:prstGeom>
+          </p:spPr>
+        </p:pic>
+        <p:sp>
+          <p:nvSpPr>
+            <p:cNvPr id="217" name="TextBox 216">
+              <a:extLst>
+                <a:ext uri="{FF2B5EF4-FFF2-40B4-BE49-F238E27FC236}">
+                  <a16:creationId xmlns:a16="http://schemas.microsoft.com/office/drawing/2014/main" id="{BA253D35-CCE7-5EAE-9211-70B76E08ACF5}"/>
+                </a:ext>
+              </a:extLst>
+            </p:cNvPr>
+            <p:cNvSpPr txBox="1"/>
+            <p:nvPr/>
+          </p:nvSpPr>
+          <p:spPr>
+            <a:xfrm>
+              <a:off x="29567471" y="11759625"/>
+              <a:ext cx="6727371" cy="6494085"/>
+            </a:xfrm>
+            <a:prstGeom prst="rect">
+              <a:avLst/>
+            </a:prstGeom>
+            <a:noFill/>
+          </p:spPr>
+          <p:txBody>
+            <a:bodyPr wrap="square">
+              <a:spAutoFit/>
+            </a:bodyPr>
+            <a:lstStyle/>
+            <a:p>
+              <a:r>
+                <a:rPr kumimoji="0" lang="en-US" sz="3200" b="0" i="0" u="none" strike="noStrike" kern="1200" cap="none" spc="0" normalizeH="0" baseline="0" noProof="0" dirty="0">
+                  <a:ln>
+                    <a:noFill/>
+                  </a:ln>
+                  <a:solidFill>
+                    <a:srgbClr val="000000"/>
+                  </a:solidFill>
+                  <a:effectLst/>
+                  <a:uLnTx/>
+                  <a:uFillTx/>
+                  <a:latin typeface="Open Sans" panose="020B0606030504020204" pitchFamily="34" charset="0"/>
+                  <a:ea typeface="Open Sans" panose="020B0606030504020204" pitchFamily="34" charset="0"/>
+                  <a:cs typeface="Open Sans" panose="020B0606030504020204" pitchFamily="34" charset="0"/>
+                </a:rPr>
+                <a:t>On the horizontal and vertical axes, we plot the strength of selection with S1 indicating the strength of selection for a mutation in population one and S2 indicating the strength of selection for a mutation in population two (modified from Huang et al. 2021). The density of color represents the number of mutations for both populations that have the corresponding pairs of selection coefficients. </a:t>
+              </a:r>
+              <a:endParaRPr lang="en-US" dirty="0"/>
+            </a:p>
+          </p:txBody>
+        </p:sp>
+        <p:sp>
+          <p:nvSpPr>
+            <p:cNvPr id="219" name="TextBox 218">
+              <a:extLst>
+                <a:ext uri="{FF2B5EF4-FFF2-40B4-BE49-F238E27FC236}">
+                  <a16:creationId xmlns:a16="http://schemas.microsoft.com/office/drawing/2014/main" id="{BC32B257-6F1B-5383-CA86-A05ABD88A860}"/>
+                </a:ext>
+              </a:extLst>
+            </p:cNvPr>
+            <p:cNvSpPr txBox="1"/>
+            <p:nvPr/>
+          </p:nvSpPr>
+          <p:spPr>
+            <a:xfrm>
+              <a:off x="29502158" y="18357414"/>
+              <a:ext cx="13716000" cy="2057400"/>
+            </a:xfrm>
+            <a:prstGeom prst="rect">
+              <a:avLst/>
+            </a:prstGeom>
+            <a:noFill/>
+          </p:spPr>
+          <p:txBody>
+            <a:bodyPr wrap="square">
+              <a:spAutoFit/>
+            </a:bodyPr>
+            <a:lstStyle/>
+            <a:p>
+              <a:r>
+                <a:rPr kumimoji="0" lang="en-US" sz="3200" b="0" i="0" u="none" strike="noStrike" kern="1200" cap="none" spc="0" normalizeH="0" baseline="0" noProof="0" dirty="0">
+                  <a:ln>
+                    <a:noFill/>
+                  </a:ln>
+                  <a:solidFill>
+                    <a:srgbClr val="000000"/>
+                  </a:solidFill>
+                  <a:effectLst/>
+                  <a:uLnTx/>
+                  <a:uFillTx/>
+                  <a:latin typeface="Open Sans" panose="020B0606030504020204" pitchFamily="34" charset="0"/>
+                  <a:ea typeface="Open Sans" panose="020B0606030504020204" pitchFamily="34" charset="0"/>
+                  <a:cs typeface="Open Sans" panose="020B0606030504020204" pitchFamily="34" charset="0"/>
+                </a:rPr>
+                <a:t>Between populations, we expect to see differences in the fitness effect of a mutation due to a combination of environmental and genetic context, although we do not yet know the importance of either in determining the overall fitness effect of a mutation. </a:t>
+              </a:r>
+              <a:endParaRPr lang="en-US" dirty="0"/>
+            </a:p>
+          </p:txBody>
+        </p:sp>
+      </p:grpSp>
+      <p:grpSp>
+        <p:nvGrpSpPr>
+          <p:cNvPr id="229" name="Group 228">
+            <a:extLst>
+              <a:ext uri="{FF2B5EF4-FFF2-40B4-BE49-F238E27FC236}">
+                <a16:creationId xmlns:a16="http://schemas.microsoft.com/office/drawing/2014/main" id="{45A6E8C5-3A77-B7BF-68A5-FD096B51F207}"/>
+              </a:ext>
+            </a:extLst>
+          </p:cNvPr>
+          <p:cNvGrpSpPr/>
+          <p:nvPr/>
+        </p:nvGrpSpPr>
+        <p:grpSpPr>
+          <a:xfrm>
+            <a:off x="15087600" y="7504797"/>
+            <a:ext cx="13716000" cy="15355205"/>
+            <a:chOff x="685800" y="21220795"/>
+            <a:chExt cx="13716000" cy="15355205"/>
+          </a:xfrm>
+        </p:grpSpPr>
+        <p:pic>
+          <p:nvPicPr>
+            <p:cNvPr id="9" name="Picture 8" descr="A map of the world&#10;&#10;Description automatically generated">
+              <a:extLst>
+                <a:ext uri="{FF2B5EF4-FFF2-40B4-BE49-F238E27FC236}">
+                  <a16:creationId xmlns:a16="http://schemas.microsoft.com/office/drawing/2014/main" id="{049CC7F9-F16F-A230-A70B-CC80437A0FE6}"/>
+                </a:ext>
+              </a:extLst>
+            </p:cNvPr>
+            <p:cNvPicPr>
+              <a:picLocks noChangeAspect="1"/>
+            </p:cNvPicPr>
+            <p:nvPr/>
+          </p:nvPicPr>
+          <p:blipFill rotWithShape="1">
+            <a:blip r:embed="rId7">
+              <a:extLst>
+                <a:ext uri="{28A0092B-C50C-407E-A947-70E740481C1C}">
+                  <a14:useLocalDpi xmlns:a14="http://schemas.microsoft.com/office/drawing/2010/main" val="0"/>
+                </a:ext>
+              </a:extLst>
+            </a:blip>
+            <a:srcRect l="10960" r="36035" b="47194"/>
+            <a:stretch/>
+          </p:blipFill>
+          <p:spPr>
+            <a:xfrm>
+              <a:off x="5486400" y="21220795"/>
+              <a:ext cx="8915400" cy="4131391"/>
+            </a:xfrm>
+            <a:prstGeom prst="rect">
+              <a:avLst/>
+            </a:prstGeom>
+            <a:ln>
+              <a:solidFill>
+                <a:schemeClr val="tx2"/>
+              </a:solidFill>
+            </a:ln>
+          </p:spPr>
+        </p:pic>
+        <p:sp>
+          <p:nvSpPr>
+            <p:cNvPr id="5" name="Alternate Process 4">
+              <a:extLst>
+                <a:ext uri="{FF2B5EF4-FFF2-40B4-BE49-F238E27FC236}">
+                  <a16:creationId xmlns:a16="http://schemas.microsoft.com/office/drawing/2014/main" id="{E826C2D4-C0A7-4B0D-9741-1A46B7BBFA6B}"/>
+                </a:ext>
+              </a:extLst>
+            </p:cNvPr>
+            <p:cNvSpPr/>
+            <p:nvPr/>
+          </p:nvSpPr>
+          <p:spPr>
+            <a:xfrm>
+              <a:off x="685800" y="21259798"/>
+              <a:ext cx="4572000" cy="3657600"/>
+            </a:xfrm>
+            <a:prstGeom prst="flowChartAlternateProcess">
+              <a:avLst/>
+            </a:prstGeom>
+          </p:spPr>
+          <p:style>
+            <a:lnRef idx="3">
+              <a:schemeClr val="lt1"/>
+            </a:lnRef>
+            <a:fillRef idx="1">
+              <a:schemeClr val="accent4"/>
+            </a:fillRef>
+            <a:effectRef idx="1">
+              <a:schemeClr val="accent4"/>
+            </a:effectRef>
+            <a:fontRef idx="minor">
+              <a:schemeClr val="lt1"/>
+            </a:fontRef>
+          </p:style>
+          <p:txBody>
+            <a:bodyPr rtlCol="0" anchor="ctr"/>
+            <a:lstStyle/>
+            <a:p>
+              <a:pPr algn="ctr"/>
+              <a:r>
+                <a:rPr lang="en-US" sz="3200" dirty="0">
+                  <a:latin typeface="Open Sans" panose="020B0606030504020204" pitchFamily="34" charset="0"/>
+                  <a:ea typeface="Open Sans" panose="020B0606030504020204" pitchFamily="34" charset="0"/>
+                  <a:cs typeface="Open Sans" panose="020B0606030504020204" pitchFamily="34" charset="0"/>
+                </a:rPr>
+                <a:t>Data from four populations of </a:t>
+              </a:r>
+              <a:r>
+                <a:rPr lang="en-US" sz="3200" i="1" dirty="0">
+                  <a:latin typeface="Open Sans" panose="020B0606030504020204" pitchFamily="34" charset="0"/>
+                  <a:ea typeface="Open Sans" panose="020B0606030504020204" pitchFamily="34" charset="0"/>
+                  <a:cs typeface="Open Sans" panose="020B0606030504020204" pitchFamily="34" charset="0"/>
+                </a:rPr>
+                <a:t>Mus musculus </a:t>
+              </a:r>
+              <a:r>
+                <a:rPr lang="en-US" sz="3200" i="1" dirty="0" err="1">
+                  <a:latin typeface="Open Sans" panose="020B0606030504020204" pitchFamily="34" charset="0"/>
+                  <a:ea typeface="Open Sans" panose="020B0606030504020204" pitchFamily="34" charset="0"/>
+                  <a:cs typeface="Open Sans" panose="020B0606030504020204" pitchFamily="34" charset="0"/>
+                </a:rPr>
+                <a:t>domesticus</a:t>
+              </a:r>
+              <a:r>
+                <a:rPr lang="en-US" sz="3200" dirty="0">
+                  <a:latin typeface="Open Sans" panose="020B0606030504020204" pitchFamily="34" charset="0"/>
+                  <a:ea typeface="Open Sans" panose="020B0606030504020204" pitchFamily="34" charset="0"/>
+                  <a:cs typeface="Open Sans" panose="020B0606030504020204" pitchFamily="34" charset="0"/>
+                </a:rPr>
+                <a:t>:</a:t>
+              </a:r>
+            </a:p>
+            <a:p>
+              <a:pPr marL="342900" indent="-342900" algn="ctr">
+                <a:buAutoNum type="arabicPeriod"/>
+              </a:pPr>
+              <a:r>
+                <a:rPr lang="en-US" sz="3200" dirty="0">
+                  <a:latin typeface="Open Sans" panose="020B0606030504020204" pitchFamily="34" charset="0"/>
+                  <a:ea typeface="Open Sans" panose="020B0606030504020204" pitchFamily="34" charset="0"/>
+                  <a:cs typeface="Open Sans" panose="020B0606030504020204" pitchFamily="34" charset="0"/>
+                </a:rPr>
+                <a:t>France</a:t>
+              </a:r>
+            </a:p>
+            <a:p>
+              <a:pPr marL="342900" indent="-342900" algn="ctr">
+                <a:buAutoNum type="arabicPeriod"/>
+              </a:pPr>
+              <a:r>
+                <a:rPr lang="en-US" sz="3200" dirty="0">
+                  <a:latin typeface="Open Sans" panose="020B0606030504020204" pitchFamily="34" charset="0"/>
+                  <a:ea typeface="Open Sans" panose="020B0606030504020204" pitchFamily="34" charset="0"/>
+                  <a:cs typeface="Open Sans" panose="020B0606030504020204" pitchFamily="34" charset="0"/>
+                </a:rPr>
+                <a:t>Germany</a:t>
+              </a:r>
+            </a:p>
+            <a:p>
+              <a:pPr marL="342900" indent="-342900" algn="ctr">
+                <a:buAutoNum type="arabicPeriod"/>
+              </a:pPr>
+              <a:r>
+                <a:rPr lang="en-US" sz="3200" dirty="0">
+                  <a:latin typeface="Open Sans" panose="020B0606030504020204" pitchFamily="34" charset="0"/>
+                  <a:ea typeface="Open Sans" panose="020B0606030504020204" pitchFamily="34" charset="0"/>
+                  <a:cs typeface="Open Sans" panose="020B0606030504020204" pitchFamily="34" charset="0"/>
+                </a:rPr>
+                <a:t>Heligoland</a:t>
+              </a:r>
+            </a:p>
+            <a:p>
+              <a:pPr marL="342900" indent="-342900" algn="ctr">
+                <a:buAutoNum type="arabicPeriod"/>
+              </a:pPr>
+              <a:r>
+                <a:rPr lang="en-US" sz="3200" dirty="0">
+                  <a:latin typeface="Open Sans" panose="020B0606030504020204" pitchFamily="34" charset="0"/>
+                  <a:ea typeface="Open Sans" panose="020B0606030504020204" pitchFamily="34" charset="0"/>
+                  <a:cs typeface="Open Sans" panose="020B0606030504020204" pitchFamily="34" charset="0"/>
+                </a:rPr>
+                <a:t>Iran</a:t>
+              </a:r>
+            </a:p>
+          </p:txBody>
+        </p:sp>
+        <p:sp>
+          <p:nvSpPr>
+            <p:cNvPr id="11" name="Alternate Process 10">
+              <a:extLst>
+                <a:ext uri="{FF2B5EF4-FFF2-40B4-BE49-F238E27FC236}">
+                  <a16:creationId xmlns:a16="http://schemas.microsoft.com/office/drawing/2014/main" id="{53F3C9B3-6032-9827-B43A-A286D988FAB0}"/>
+                </a:ext>
+              </a:extLst>
+            </p:cNvPr>
+            <p:cNvSpPr/>
+            <p:nvPr/>
+          </p:nvSpPr>
+          <p:spPr>
+            <a:xfrm>
+              <a:off x="685800" y="26746200"/>
+              <a:ext cx="4572000" cy="2057400"/>
+            </a:xfrm>
+            <a:prstGeom prst="flowChartAlternateProcess">
+              <a:avLst/>
+            </a:prstGeom>
+          </p:spPr>
+          <p:style>
+            <a:lnRef idx="3">
+              <a:schemeClr val="lt1"/>
+            </a:lnRef>
+            <a:fillRef idx="1">
+              <a:schemeClr val="accent4"/>
+            </a:fillRef>
+            <a:effectRef idx="1">
+              <a:schemeClr val="accent4"/>
+            </a:effectRef>
+            <a:fontRef idx="minor">
+              <a:schemeClr val="lt1"/>
+            </a:fontRef>
+          </p:style>
+          <p:txBody>
+            <a:bodyPr rtlCol="0" anchor="ctr"/>
+            <a:lstStyle/>
+            <a:p>
+              <a:pPr algn="ctr"/>
+              <a:r>
+                <a:rPr lang="en-US" sz="3200" dirty="0">
+                  <a:latin typeface="Open Sans" panose="020B0606030504020204" pitchFamily="34" charset="0"/>
+                  <a:ea typeface="Open Sans" panose="020B0606030504020204" pitchFamily="34" charset="0"/>
+                  <a:cs typeface="Open Sans" panose="020B0606030504020204" pitchFamily="34" charset="0"/>
+                </a:rPr>
+                <a:t>Ancestral allele inferred using </a:t>
+              </a:r>
+              <a:r>
+                <a:rPr lang="en-US" sz="3200" i="1" dirty="0">
+                  <a:latin typeface="Open Sans" panose="020B0606030504020204" pitchFamily="34" charset="0"/>
+                  <a:ea typeface="Open Sans" panose="020B0606030504020204" pitchFamily="34" charset="0"/>
+                  <a:cs typeface="Open Sans" panose="020B0606030504020204" pitchFamily="34" charset="0"/>
+                </a:rPr>
+                <a:t>Mus </a:t>
+              </a:r>
+              <a:r>
+                <a:rPr lang="en-US" sz="3200" i="1" dirty="0" err="1">
+                  <a:latin typeface="Open Sans" panose="020B0606030504020204" pitchFamily="34" charset="0"/>
+                  <a:ea typeface="Open Sans" panose="020B0606030504020204" pitchFamily="34" charset="0"/>
+                  <a:cs typeface="Open Sans" panose="020B0606030504020204" pitchFamily="34" charset="0"/>
+                </a:rPr>
+                <a:t>Spretus</a:t>
+              </a:r>
+              <a:r>
+                <a:rPr lang="en-US" sz="3200" dirty="0">
+                  <a:latin typeface="Open Sans" panose="020B0606030504020204" pitchFamily="34" charset="0"/>
+                  <a:ea typeface="Open Sans" panose="020B0606030504020204" pitchFamily="34" charset="0"/>
+                  <a:cs typeface="Open Sans" panose="020B0606030504020204" pitchFamily="34" charset="0"/>
+                </a:rPr>
+                <a:t> as an outgroup (4).</a:t>
+              </a:r>
+            </a:p>
+          </p:txBody>
+        </p:sp>
+        <p:sp>
+          <p:nvSpPr>
+            <p:cNvPr id="13" name="Alternate Process 12">
+              <a:extLst>
+                <a:ext uri="{FF2B5EF4-FFF2-40B4-BE49-F238E27FC236}">
+                  <a16:creationId xmlns:a16="http://schemas.microsoft.com/office/drawing/2014/main" id="{4DCF7B69-52E8-4A7D-AFAD-450DB7483C77}"/>
+                </a:ext>
+              </a:extLst>
+            </p:cNvPr>
+            <p:cNvSpPr/>
+            <p:nvPr/>
+          </p:nvSpPr>
+          <p:spPr>
+            <a:xfrm>
+              <a:off x="8001000" y="26746200"/>
+              <a:ext cx="6400800" cy="2057400"/>
+            </a:xfrm>
+            <a:prstGeom prst="flowChartAlternateProcess">
+              <a:avLst/>
+            </a:prstGeom>
+          </p:spPr>
+          <p:style>
+            <a:lnRef idx="3">
+              <a:schemeClr val="lt1"/>
+            </a:lnRef>
+            <a:fillRef idx="1">
+              <a:schemeClr val="accent4"/>
+            </a:fillRef>
+            <a:effectRef idx="1">
+              <a:schemeClr val="accent4"/>
+            </a:effectRef>
+            <a:fontRef idx="minor">
+              <a:schemeClr val="lt1"/>
+            </a:fontRef>
+          </p:style>
+          <p:txBody>
+            <a:bodyPr rtlCol="0" anchor="ctr"/>
+            <a:lstStyle/>
+            <a:p>
+              <a:pPr algn="ctr"/>
+              <a:r>
+                <a:rPr lang="en-US" sz="3200" dirty="0">
+                  <a:latin typeface="Open Sans" panose="020B0606030504020204" pitchFamily="34" charset="0"/>
+                  <a:ea typeface="Open Sans" panose="020B0606030504020204" pitchFamily="34" charset="0"/>
+                  <a:cs typeface="Open Sans" panose="020B0606030504020204" pitchFamily="34" charset="0"/>
+                </a:rPr>
+                <a:t>Sites marked as synonymous or non-synonymous single nucleotide polymorphisms (SNPs) using </a:t>
+              </a:r>
+              <a:r>
+                <a:rPr lang="en-US" sz="3200" i="1" dirty="0" err="1">
+                  <a:latin typeface="Open Sans" panose="020B0606030504020204" pitchFamily="34" charset="0"/>
+                  <a:ea typeface="Open Sans" panose="020B0606030504020204" pitchFamily="34" charset="0"/>
+                  <a:cs typeface="Open Sans" panose="020B0606030504020204" pitchFamily="34" charset="0"/>
+                </a:rPr>
+                <a:t>Annovar</a:t>
+              </a:r>
+              <a:r>
+                <a:rPr lang="en-US" sz="3200" dirty="0">
+                  <a:latin typeface="Open Sans" panose="020B0606030504020204" pitchFamily="34" charset="0"/>
+                  <a:ea typeface="Open Sans" panose="020B0606030504020204" pitchFamily="34" charset="0"/>
+                  <a:cs typeface="Open Sans" panose="020B0606030504020204" pitchFamily="34" charset="0"/>
+                </a:rPr>
+                <a:t> (5).</a:t>
+              </a:r>
+            </a:p>
+          </p:txBody>
+        </p:sp>
+        <p:sp>
+          <p:nvSpPr>
+            <p:cNvPr id="15" name="Alternate Process 14">
+              <a:extLst>
+                <a:ext uri="{FF2B5EF4-FFF2-40B4-BE49-F238E27FC236}">
+                  <a16:creationId xmlns:a16="http://schemas.microsoft.com/office/drawing/2014/main" id="{81E19005-5F7A-0A5D-B78B-BC519608BF02}"/>
+                </a:ext>
+              </a:extLst>
+            </p:cNvPr>
+            <p:cNvSpPr/>
+            <p:nvPr/>
+          </p:nvSpPr>
+          <p:spPr>
+            <a:xfrm>
+              <a:off x="685800" y="30632400"/>
+              <a:ext cx="4571999" cy="2057400"/>
+            </a:xfrm>
+            <a:prstGeom prst="flowChartAlternateProcess">
+              <a:avLst/>
+            </a:prstGeom>
+          </p:spPr>
+          <p:style>
+            <a:lnRef idx="3">
+              <a:schemeClr val="lt1"/>
+            </a:lnRef>
+            <a:fillRef idx="1">
+              <a:schemeClr val="accent4"/>
+            </a:fillRef>
+            <a:effectRef idx="1">
+              <a:schemeClr val="accent4"/>
+            </a:effectRef>
+            <a:fontRef idx="minor">
+              <a:schemeClr val="lt1"/>
+            </a:fontRef>
+          </p:style>
+          <p:txBody>
+            <a:bodyPr rtlCol="0" anchor="ctr"/>
+            <a:lstStyle/>
+            <a:p>
+              <a:pPr algn="ctr"/>
+              <a:r>
+                <a:rPr lang="en-US" sz="3200" dirty="0">
+                  <a:latin typeface="Open Sans" panose="020B0606030504020204" pitchFamily="34" charset="0"/>
+                  <a:ea typeface="Open Sans" panose="020B0606030504020204" pitchFamily="34" charset="0"/>
+                  <a:cs typeface="Open Sans" panose="020B0606030504020204" pitchFamily="34" charset="0"/>
+                </a:rPr>
+                <a:t>Demographic inference for population pairs with </a:t>
+              </a:r>
+              <a:r>
+                <a:rPr lang="en-US" sz="3200" i="1" dirty="0" err="1">
+                  <a:latin typeface="Open Sans" panose="020B0606030504020204" pitchFamily="34" charset="0"/>
+                  <a:ea typeface="Open Sans" panose="020B0606030504020204" pitchFamily="34" charset="0"/>
+                  <a:cs typeface="Open Sans" panose="020B0606030504020204" pitchFamily="34" charset="0"/>
+                </a:rPr>
+                <a:t>dadi</a:t>
+              </a:r>
+              <a:r>
+                <a:rPr lang="en-US" sz="3200" i="1" dirty="0">
+                  <a:latin typeface="Open Sans" panose="020B0606030504020204" pitchFamily="34" charset="0"/>
+                  <a:ea typeface="Open Sans" panose="020B0606030504020204" pitchFamily="34" charset="0"/>
+                  <a:cs typeface="Open Sans" panose="020B0606030504020204" pitchFamily="34" charset="0"/>
+                </a:rPr>
+                <a:t> </a:t>
+              </a:r>
+              <a:r>
+                <a:rPr lang="en-US" sz="3200" dirty="0">
+                  <a:latin typeface="Open Sans" panose="020B0606030504020204" pitchFamily="34" charset="0"/>
+                  <a:ea typeface="Open Sans" panose="020B0606030504020204" pitchFamily="34" charset="0"/>
+                  <a:cs typeface="Open Sans" panose="020B0606030504020204" pitchFamily="34" charset="0"/>
+                </a:rPr>
+                <a:t>(1).</a:t>
+              </a:r>
+            </a:p>
+          </p:txBody>
+        </p:sp>
+        <p:sp>
+          <p:nvSpPr>
+            <p:cNvPr id="16" name="Alternate Process 15">
+              <a:extLst>
+                <a:ext uri="{FF2B5EF4-FFF2-40B4-BE49-F238E27FC236}">
+                  <a16:creationId xmlns:a16="http://schemas.microsoft.com/office/drawing/2014/main" id="{D45BA62B-89A7-A0A1-98D5-2EE375D60501}"/>
+                </a:ext>
+              </a:extLst>
+            </p:cNvPr>
+            <p:cNvSpPr/>
+            <p:nvPr/>
+          </p:nvSpPr>
+          <p:spPr>
+            <a:xfrm>
+              <a:off x="685800" y="34518598"/>
+              <a:ext cx="6400800" cy="2057400"/>
+            </a:xfrm>
+            <a:prstGeom prst="flowChartAlternateProcess">
+              <a:avLst/>
+            </a:prstGeom>
+          </p:spPr>
+          <p:style>
+            <a:lnRef idx="3">
+              <a:schemeClr val="lt1"/>
+            </a:lnRef>
+            <a:fillRef idx="1">
+              <a:schemeClr val="accent4"/>
+            </a:fillRef>
+            <a:effectRef idx="1">
+              <a:schemeClr val="accent4"/>
+            </a:effectRef>
+            <a:fontRef idx="minor">
+              <a:schemeClr val="lt1"/>
+            </a:fontRef>
+          </p:style>
+          <p:txBody>
+            <a:bodyPr rtlCol="0" anchor="ctr"/>
+            <a:lstStyle/>
+            <a:p>
+              <a:pPr algn="ctr"/>
+              <a:r>
+                <a:rPr lang="en-US" sz="3200" dirty="0">
+                  <a:latin typeface="Open Sans" panose="020B0606030504020204" pitchFamily="34" charset="0"/>
+                  <a:ea typeface="Open Sans" panose="020B0606030504020204" pitchFamily="34" charset="0"/>
+                  <a:cs typeface="Open Sans" panose="020B0606030504020204" pitchFamily="34" charset="0"/>
+                </a:rPr>
+                <a:t>Parameters used to create a cache of SFS for non-synonymous sites under a range of selection coefficients.</a:t>
+              </a:r>
+            </a:p>
+          </p:txBody>
+        </p:sp>
+        <p:sp>
+          <p:nvSpPr>
+            <p:cNvPr id="22" name="Alternate Process 21">
+              <a:extLst>
+                <a:ext uri="{FF2B5EF4-FFF2-40B4-BE49-F238E27FC236}">
+                  <a16:creationId xmlns:a16="http://schemas.microsoft.com/office/drawing/2014/main" id="{B6B81EFA-2F40-D6AB-C934-47B398D7A133}"/>
+                </a:ext>
+              </a:extLst>
+            </p:cNvPr>
+            <p:cNvSpPr/>
+            <p:nvPr/>
+          </p:nvSpPr>
+          <p:spPr>
+            <a:xfrm>
+              <a:off x="9829800" y="34518600"/>
+              <a:ext cx="4572000" cy="2057400"/>
+            </a:xfrm>
+            <a:prstGeom prst="flowChartAlternateProcess">
+              <a:avLst/>
+            </a:prstGeom>
+          </p:spPr>
+          <p:style>
+            <a:lnRef idx="3">
+              <a:schemeClr val="lt1"/>
+            </a:lnRef>
+            <a:fillRef idx="1">
+              <a:schemeClr val="accent4"/>
+            </a:fillRef>
+            <a:effectRef idx="1">
+              <a:schemeClr val="accent4"/>
+            </a:effectRef>
+            <a:fontRef idx="minor">
+              <a:schemeClr val="lt1"/>
+            </a:fontRef>
+          </p:style>
+          <p:txBody>
+            <a:bodyPr rtlCol="0" anchor="ctr"/>
+            <a:lstStyle/>
+            <a:p>
+              <a:pPr algn="ctr"/>
+              <a:r>
+                <a:rPr lang="en-US" sz="3200" dirty="0">
+                  <a:latin typeface="Open Sans" panose="020B0606030504020204" pitchFamily="34" charset="0"/>
+                  <a:ea typeface="Open Sans" panose="020B0606030504020204" pitchFamily="34" charset="0"/>
+                  <a:cs typeface="Open Sans" panose="020B0606030504020204" pitchFamily="34" charset="0"/>
+                </a:rPr>
+                <a:t>Joint DFE inference for population pairs with </a:t>
+              </a:r>
+              <a:r>
+                <a:rPr lang="en-US" sz="3200" i="1" dirty="0" err="1">
+                  <a:latin typeface="Open Sans" panose="020B0606030504020204" pitchFamily="34" charset="0"/>
+                  <a:ea typeface="Open Sans" panose="020B0606030504020204" pitchFamily="34" charset="0"/>
+                  <a:cs typeface="Open Sans" panose="020B0606030504020204" pitchFamily="34" charset="0"/>
+                </a:rPr>
+                <a:t>dadi</a:t>
+              </a:r>
+              <a:r>
+                <a:rPr lang="en-US" sz="3200" i="1" dirty="0">
+                  <a:latin typeface="Open Sans" panose="020B0606030504020204" pitchFamily="34" charset="0"/>
+                  <a:ea typeface="Open Sans" panose="020B0606030504020204" pitchFamily="34" charset="0"/>
+                  <a:cs typeface="Open Sans" panose="020B0606030504020204" pitchFamily="34" charset="0"/>
+                </a:rPr>
+                <a:t>-cli </a:t>
+              </a:r>
+              <a:r>
+                <a:rPr lang="en-US" sz="3200" dirty="0">
+                  <a:latin typeface="Open Sans" panose="020B0606030504020204" pitchFamily="34" charset="0"/>
+                  <a:ea typeface="Open Sans" panose="020B0606030504020204" pitchFamily="34" charset="0"/>
+                  <a:cs typeface="Open Sans" panose="020B0606030504020204" pitchFamily="34" charset="0"/>
+                </a:rPr>
+                <a:t>(6).</a:t>
+              </a:r>
+            </a:p>
+          </p:txBody>
+        </p:sp>
+        <p:sp>
+          <p:nvSpPr>
+            <p:cNvPr id="224" name="Down Arrow 223">
+              <a:extLst>
+                <a:ext uri="{FF2B5EF4-FFF2-40B4-BE49-F238E27FC236}">
+                  <a16:creationId xmlns:a16="http://schemas.microsoft.com/office/drawing/2014/main" id="{2FE7E4E9-782B-AE49-6160-43541323B4E7}"/>
+                </a:ext>
+              </a:extLst>
+            </p:cNvPr>
+            <p:cNvSpPr/>
+            <p:nvPr/>
+          </p:nvSpPr>
+          <p:spPr>
+            <a:xfrm rot="16200000">
+              <a:off x="5943600" y="26860500"/>
+              <a:ext cx="1371600" cy="1828800"/>
+            </a:xfrm>
+            <a:prstGeom prst="downArrow">
+              <a:avLst/>
+            </a:prstGeom>
+            <a:ln>
+              <a:solidFill>
+                <a:schemeClr val="tx2"/>
+              </a:solidFill>
+            </a:ln>
+          </p:spPr>
+          <p:style>
+            <a:lnRef idx="2">
+              <a:schemeClr val="accent6">
+                <a:shade val="15000"/>
+              </a:schemeClr>
+            </a:lnRef>
+            <a:fillRef idx="1">
+              <a:schemeClr val="accent6"/>
+            </a:fillRef>
+            <a:effectRef idx="0">
+              <a:schemeClr val="accent6"/>
+            </a:effectRef>
+            <a:fontRef idx="minor">
+              <a:schemeClr val="lt1"/>
+            </a:fontRef>
+          </p:style>
+          <p:txBody>
+            <a:bodyPr rtlCol="0" anchor="ctr"/>
+            <a:lstStyle/>
+            <a:p>
+              <a:pPr algn="ctr"/>
+              <a:endParaRPr lang="en-US"/>
+            </a:p>
+          </p:txBody>
+        </p:sp>
+        <p:sp>
+          <p:nvSpPr>
+            <p:cNvPr id="225" name="Down Arrow 224">
+              <a:extLst>
+                <a:ext uri="{FF2B5EF4-FFF2-40B4-BE49-F238E27FC236}">
+                  <a16:creationId xmlns:a16="http://schemas.microsoft.com/office/drawing/2014/main" id="{4A6FDFC9-9AB7-5725-49A8-D24E745EDBF9}"/>
+                </a:ext>
+              </a:extLst>
+            </p:cNvPr>
+            <p:cNvSpPr/>
+            <p:nvPr/>
+          </p:nvSpPr>
+          <p:spPr>
+            <a:xfrm>
+              <a:off x="2057400" y="25146000"/>
+              <a:ext cx="1371600" cy="1371600"/>
+            </a:xfrm>
+            <a:prstGeom prst="downArrow">
+              <a:avLst/>
+            </a:prstGeom>
+            <a:ln>
+              <a:solidFill>
+                <a:schemeClr val="tx2"/>
+              </a:solidFill>
+            </a:ln>
+          </p:spPr>
+          <p:style>
+            <a:lnRef idx="2">
+              <a:schemeClr val="accent6">
+                <a:shade val="15000"/>
+              </a:schemeClr>
+            </a:lnRef>
+            <a:fillRef idx="1">
+              <a:schemeClr val="accent6"/>
+            </a:fillRef>
+            <a:effectRef idx="0">
+              <a:schemeClr val="accent6"/>
+            </a:effectRef>
+            <a:fontRef idx="minor">
+              <a:schemeClr val="lt1"/>
+            </a:fontRef>
+          </p:style>
+          <p:txBody>
+            <a:bodyPr rtlCol="0" anchor="ctr"/>
+            <a:lstStyle/>
+            <a:p>
+              <a:pPr algn="ctr"/>
+              <a:endParaRPr lang="en-US"/>
+            </a:p>
+          </p:txBody>
+        </p:sp>
+        <p:sp>
+          <p:nvSpPr>
+            <p:cNvPr id="226" name="Down Arrow 225">
+              <a:extLst>
+                <a:ext uri="{FF2B5EF4-FFF2-40B4-BE49-F238E27FC236}">
+                  <a16:creationId xmlns:a16="http://schemas.microsoft.com/office/drawing/2014/main" id="{D854C70B-46D5-655F-3D54-011A47554FCB}"/>
+                </a:ext>
+              </a:extLst>
+            </p:cNvPr>
+            <p:cNvSpPr/>
+            <p:nvPr/>
+          </p:nvSpPr>
+          <p:spPr>
+            <a:xfrm>
+              <a:off x="11430000" y="29032200"/>
+              <a:ext cx="1371600" cy="1371600"/>
+            </a:xfrm>
+            <a:prstGeom prst="downArrow">
+              <a:avLst/>
+            </a:prstGeom>
+            <a:ln>
+              <a:solidFill>
+                <a:schemeClr val="tx2"/>
+              </a:solidFill>
+            </a:ln>
+          </p:spPr>
+          <p:style>
+            <a:lnRef idx="2">
+              <a:schemeClr val="accent6">
+                <a:shade val="15000"/>
+              </a:schemeClr>
+            </a:lnRef>
+            <a:fillRef idx="1">
+              <a:schemeClr val="accent6"/>
+            </a:fillRef>
+            <a:effectRef idx="0">
+              <a:schemeClr val="accent6"/>
+            </a:effectRef>
+            <a:fontRef idx="minor">
+              <a:schemeClr val="lt1"/>
+            </a:fontRef>
+          </p:style>
+          <p:txBody>
+            <a:bodyPr rtlCol="0" anchor="ctr"/>
+            <a:lstStyle/>
+            <a:p>
+              <a:pPr algn="ctr"/>
+              <a:endParaRPr lang="en-US"/>
+            </a:p>
+          </p:txBody>
+        </p:sp>
+        <p:sp>
+          <p:nvSpPr>
+            <p:cNvPr id="227" name="Down Arrow 226">
+              <a:extLst>
+                <a:ext uri="{FF2B5EF4-FFF2-40B4-BE49-F238E27FC236}">
+                  <a16:creationId xmlns:a16="http://schemas.microsoft.com/office/drawing/2014/main" id="{749B9593-3216-F17A-562F-DB06F7F0F66C}"/>
+                </a:ext>
+              </a:extLst>
+            </p:cNvPr>
+            <p:cNvSpPr/>
+            <p:nvPr/>
+          </p:nvSpPr>
+          <p:spPr>
+            <a:xfrm rot="5400000">
+              <a:off x="5943600" y="30746035"/>
+              <a:ext cx="1371600" cy="1828800"/>
+            </a:xfrm>
+            <a:prstGeom prst="downArrow">
+              <a:avLst/>
+            </a:prstGeom>
+            <a:ln>
+              <a:solidFill>
+                <a:schemeClr val="tx2"/>
+              </a:solidFill>
+            </a:ln>
+          </p:spPr>
+          <p:style>
+            <a:lnRef idx="2">
+              <a:schemeClr val="accent6">
+                <a:shade val="15000"/>
+              </a:schemeClr>
+            </a:lnRef>
+            <a:fillRef idx="1">
+              <a:schemeClr val="accent6"/>
+            </a:fillRef>
+            <a:effectRef idx="0">
+              <a:schemeClr val="accent6"/>
+            </a:effectRef>
+            <a:fontRef idx="minor">
+              <a:schemeClr val="lt1"/>
+            </a:fontRef>
+          </p:style>
+          <p:txBody>
+            <a:bodyPr rtlCol="0" anchor="ctr"/>
+            <a:lstStyle/>
+            <a:p>
+              <a:pPr algn="ctr"/>
+              <a:endParaRPr lang="en-US"/>
+            </a:p>
+          </p:txBody>
+        </p:sp>
+        <p:sp>
+          <p:nvSpPr>
+            <p:cNvPr id="228" name="Down Arrow 227">
+              <a:extLst>
+                <a:ext uri="{FF2B5EF4-FFF2-40B4-BE49-F238E27FC236}">
+                  <a16:creationId xmlns:a16="http://schemas.microsoft.com/office/drawing/2014/main" id="{1BB2F069-6424-7E06-5FCB-6E7D247C1711}"/>
+                </a:ext>
+              </a:extLst>
+            </p:cNvPr>
+            <p:cNvSpPr/>
+            <p:nvPr/>
+          </p:nvSpPr>
+          <p:spPr>
+            <a:xfrm>
+              <a:off x="2286000" y="32918400"/>
+              <a:ext cx="1371600" cy="1371600"/>
+            </a:xfrm>
+            <a:prstGeom prst="downArrow">
+              <a:avLst/>
+            </a:prstGeom>
+            <a:ln>
+              <a:solidFill>
+                <a:schemeClr val="tx2"/>
+              </a:solidFill>
+            </a:ln>
+          </p:spPr>
+          <p:style>
+            <a:lnRef idx="2">
+              <a:schemeClr val="accent6">
+                <a:shade val="15000"/>
+              </a:schemeClr>
+            </a:lnRef>
+            <a:fillRef idx="1">
+              <a:schemeClr val="accent6"/>
+            </a:fillRef>
+            <a:effectRef idx="0">
+              <a:schemeClr val="accent6"/>
+            </a:effectRef>
+            <a:fontRef idx="minor">
+              <a:schemeClr val="lt1"/>
+            </a:fontRef>
+          </p:style>
+          <p:txBody>
+            <a:bodyPr rtlCol="0" anchor="ctr"/>
+            <a:lstStyle/>
+            <a:p>
+              <a:pPr algn="ctr"/>
+              <a:endParaRPr lang="en-US"/>
+            </a:p>
+          </p:txBody>
+        </p:sp>
+      </p:grpSp>
+      <p:sp>
+        <p:nvSpPr>
+          <p:cNvPr id="240" name="Alternate Process 239">
+            <a:extLst>
+              <a:ext uri="{FF2B5EF4-FFF2-40B4-BE49-F238E27FC236}">
+                <a16:creationId xmlns:a16="http://schemas.microsoft.com/office/drawing/2014/main" id="{7BCAB2D4-1FDB-9937-CC3A-6B11B06A5EFF}"/>
+              </a:ext>
+            </a:extLst>
+          </p:cNvPr>
+          <p:cNvSpPr/>
+          <p:nvPr/>
+        </p:nvSpPr>
+        <p:spPr>
+          <a:xfrm>
+            <a:off x="22402800" y="16916400"/>
+            <a:ext cx="6400800" cy="2057400"/>
+          </a:xfrm>
+          <a:prstGeom prst="flowChartAlternateProcess">
+            <a:avLst/>
+          </a:prstGeom>
+        </p:spPr>
+        <p:style>
+          <a:lnRef idx="3">
+            <a:schemeClr val="lt1"/>
+          </a:lnRef>
+          <a:fillRef idx="1">
+            <a:schemeClr val="accent4"/>
+          </a:fillRef>
+          <a:effectRef idx="1">
+            <a:schemeClr val="accent4"/>
+          </a:effectRef>
+          <a:fontRef idx="minor">
+            <a:schemeClr val="lt1"/>
+          </a:fontRef>
+        </p:style>
+        <p:txBody>
+          <a:bodyPr rtlCol="0" anchor="ctr"/>
+          <a:lstStyle/>
+          <a:p>
+            <a:pPr algn="ctr"/>
+            <a:r>
+              <a:rPr lang="en-US" sz="3200" dirty="0">
+                <a:latin typeface="Open Sans" panose="020B0606030504020204" pitchFamily="34" charset="0"/>
+                <a:ea typeface="Open Sans" panose="020B0606030504020204" pitchFamily="34" charset="0"/>
+                <a:cs typeface="Open Sans" panose="020B0606030504020204" pitchFamily="34" charset="0"/>
+              </a:rPr>
+              <a:t>Generate two-dimensional site frequency spectra (SFS) of synonymous sites for each population pair.</a:t>
+            </a:r>
+          </a:p>
+        </p:txBody>
+      </p:sp>
+      <p:sp>
+        <p:nvSpPr>
+          <p:cNvPr id="242" name="Down Arrow 241">
+            <a:extLst>
+              <a:ext uri="{FF2B5EF4-FFF2-40B4-BE49-F238E27FC236}">
+                <a16:creationId xmlns:a16="http://schemas.microsoft.com/office/drawing/2014/main" id="{7597CC19-9A5B-F59A-B78E-05569787DA3D}"/>
+              </a:ext>
+            </a:extLst>
+          </p:cNvPr>
+          <p:cNvSpPr/>
+          <p:nvPr/>
+        </p:nvSpPr>
+        <p:spPr>
+          <a:xfrm rot="16200000">
+            <a:off x="22174200" y="20916900"/>
+            <a:ext cx="1371600" cy="1828800"/>
+          </a:xfrm>
+          <a:prstGeom prst="downArrow">
+            <a:avLst/>
+          </a:prstGeom>
+          <a:ln>
+            <a:solidFill>
+              <a:schemeClr val="tx2"/>
+            </a:solidFill>
+          </a:ln>
+        </p:spPr>
+        <p:style>
+          <a:lnRef idx="2">
+            <a:schemeClr val="accent6">
+              <a:shade val="15000"/>
+            </a:schemeClr>
+          </a:lnRef>
+          <a:fillRef idx="1">
+            <a:schemeClr val="accent6"/>
+          </a:fillRef>
+          <a:effectRef idx="0">
+            <a:schemeClr val="accent6"/>
+          </a:effectRef>
+          <a:fontRef idx="minor">
+            <a:schemeClr val="lt1"/>
+          </a:fontRef>
+        </p:style>
+        <p:txBody>
+          <a:bodyPr rtlCol="0" anchor="ctr"/>
+          <a:lstStyle/>
+          <a:p>
+            <a:pPr algn="ctr"/>
+            <a:endParaRPr lang="en-US"/>
+          </a:p>
+        </p:txBody>
+      </p:sp>
+      <p:sp>
+        <p:nvSpPr>
+          <p:cNvPr id="249" name="Rectangle 248">
+            <a:extLst>
+              <a:ext uri="{FF2B5EF4-FFF2-40B4-BE49-F238E27FC236}">
+                <a16:creationId xmlns:a16="http://schemas.microsoft.com/office/drawing/2014/main" id="{B194A679-CA07-DC50-33D5-97FF20D90F88}"/>
+              </a:ext>
+            </a:extLst>
+          </p:cNvPr>
+          <p:cNvSpPr/>
+          <p:nvPr/>
+        </p:nvSpPr>
+        <p:spPr>
+          <a:xfrm>
+            <a:off x="23774400" y="24687445"/>
+            <a:ext cx="5029200" cy="10661984"/>
+          </a:xfrm>
+          <a:prstGeom prst="rect">
+            <a:avLst/>
+          </a:prstGeom>
+          <a:solidFill>
+            <a:schemeClr val="bg1"/>
+          </a:solidFill>
+          <a:ln>
+            <a:noFill/>
+          </a:ln>
+        </p:spPr>
+        <p:style>
+          <a:lnRef idx="2">
+            <a:schemeClr val="accent3">
+              <a:shade val="15000"/>
+            </a:schemeClr>
+          </a:lnRef>
+          <a:fillRef idx="1">
+            <a:schemeClr val="accent3"/>
+          </a:fillRef>
+          <a:effectRef idx="0">
+            <a:schemeClr val="accent3"/>
+          </a:effectRef>
+          <a:fontRef idx="minor">
+            <a:schemeClr val="lt1"/>
+          </a:fontRef>
+        </p:style>
+        <p:txBody>
+          <a:bodyPr rtlCol="0" anchor="ctr"/>
+          <a:lstStyle/>
+          <a:p>
+            <a:r>
+              <a:rPr lang="en-US" sz="3200" dirty="0">
+                <a:solidFill>
+                  <a:schemeClr val="tx1"/>
+                </a:solidFill>
+                <a:latin typeface="Open Sans" panose="020B0606030504020204" pitchFamily="34" charset="0"/>
+                <a:ea typeface="Open Sans" panose="020B0606030504020204" pitchFamily="34" charset="0"/>
+                <a:cs typeface="Open Sans" panose="020B0606030504020204" pitchFamily="34" charset="0"/>
+              </a:rPr>
+              <a:t>For all three population pairs, the best-fitting demographic model is the </a:t>
+            </a:r>
+            <a:r>
+              <a:rPr lang="en-US" sz="3200" b="1" dirty="0">
+                <a:solidFill>
+                  <a:schemeClr val="tx1"/>
+                </a:solidFill>
+                <a:latin typeface="Open Sans" panose="020B0606030504020204" pitchFamily="34" charset="0"/>
+                <a:ea typeface="Open Sans" panose="020B0606030504020204" pitchFamily="34" charset="0"/>
+                <a:cs typeface="Open Sans" panose="020B0606030504020204" pitchFamily="34" charset="0"/>
+              </a:rPr>
+              <a:t>isolation-migration-pre model </a:t>
+            </a:r>
+            <a:r>
+              <a:rPr lang="en-US" sz="3200" dirty="0">
+                <a:solidFill>
+                  <a:schemeClr val="tx1"/>
+                </a:solidFill>
+                <a:latin typeface="Open Sans" panose="020B0606030504020204" pitchFamily="34" charset="0"/>
+                <a:ea typeface="Open Sans" panose="020B0606030504020204" pitchFamily="34" charset="0"/>
+                <a:cs typeface="Open Sans" panose="020B0606030504020204" pitchFamily="34" charset="0"/>
+              </a:rPr>
+              <a:t>with inbreeding. </a:t>
+            </a:r>
+          </a:p>
+          <a:p>
+            <a:endParaRPr lang="en-US" sz="3200" dirty="0">
+              <a:solidFill>
+                <a:schemeClr val="tx1"/>
+              </a:solidFill>
+              <a:latin typeface="Open Sans" panose="020B0606030504020204" pitchFamily="34" charset="0"/>
+              <a:ea typeface="Open Sans" panose="020B0606030504020204" pitchFamily="34" charset="0"/>
+              <a:cs typeface="Open Sans" panose="020B0606030504020204" pitchFamily="34" charset="0"/>
+            </a:endParaRPr>
+          </a:p>
+          <a:p>
+            <a:r>
+              <a:rPr lang="en-US" sz="3200" dirty="0">
+                <a:solidFill>
+                  <a:schemeClr val="tx1"/>
+                </a:solidFill>
+                <a:latin typeface="Open Sans" panose="020B0606030504020204" pitchFamily="34" charset="0"/>
+                <a:ea typeface="Open Sans" panose="020B0606030504020204" pitchFamily="34" charset="0"/>
+                <a:cs typeface="Open Sans" panose="020B0606030504020204" pitchFamily="34" charset="0"/>
+              </a:rPr>
+              <a:t>Inferences for all three population pairs estimated an ancestral population size of 60-100 thousand individuals.</a:t>
+            </a:r>
+          </a:p>
+          <a:p>
+            <a:endParaRPr lang="en-US" sz="3200" dirty="0">
+              <a:solidFill>
+                <a:schemeClr val="tx1"/>
+              </a:solidFill>
+              <a:latin typeface="Open Sans" panose="020B0606030504020204" pitchFamily="34" charset="0"/>
+              <a:ea typeface="Open Sans" panose="020B0606030504020204" pitchFamily="34" charset="0"/>
+              <a:cs typeface="Open Sans" panose="020B0606030504020204" pitchFamily="34" charset="0"/>
+            </a:endParaRPr>
+          </a:p>
+          <a:p>
+            <a:r>
+              <a:rPr lang="en-US" sz="3200" dirty="0">
+                <a:solidFill>
+                  <a:schemeClr val="tx1"/>
+                </a:solidFill>
+                <a:latin typeface="Open Sans" panose="020B0606030504020204" pitchFamily="34" charset="0"/>
+                <a:ea typeface="Open Sans" panose="020B0606030504020204" pitchFamily="34" charset="0"/>
+                <a:cs typeface="Open Sans" panose="020B0606030504020204" pitchFamily="34" charset="0"/>
+              </a:rPr>
+              <a:t>According to these models, the populations from Iran and Heligoland have grown since their split from the ancestral population, whereas the German and French populations have shrunk. </a:t>
+            </a:r>
+          </a:p>
+        </p:txBody>
+      </p:sp>
+      <p:pic>
+        <p:nvPicPr>
+          <p:cNvPr id="252" name="Picture 251" descr="A diagram of different colored rectangular shapes&#10;&#10;Description automatically generated">
+            <a:extLst>
+              <a:ext uri="{FF2B5EF4-FFF2-40B4-BE49-F238E27FC236}">
+                <a16:creationId xmlns:a16="http://schemas.microsoft.com/office/drawing/2014/main" id="{623DC378-B204-4AFE-9107-7AA63C7FBECC}"/>
+              </a:ext>
+            </a:extLst>
+          </p:cNvPr>
+          <p:cNvPicPr>
+            <a:picLocks noChangeAspect="1"/>
+          </p:cNvPicPr>
+          <p:nvPr/>
+        </p:nvPicPr>
+        <p:blipFill>
+          <a:blip r:embed="rId8">
+            <a:extLst>
+              <a:ext uri="{28A0092B-C50C-407E-A947-70E740481C1C}">
+                <a14:useLocalDpi xmlns:a14="http://schemas.microsoft.com/office/drawing/2010/main" val="0"/>
+              </a:ext>
+            </a:extLst>
+          </a:blip>
+          <a:stretch>
+            <a:fillRect/>
+          </a:stretch>
+        </p:blipFill>
+        <p:spPr>
+          <a:xfrm>
+            <a:off x="15087600" y="29493629"/>
+            <a:ext cx="8123583" cy="4572000"/>
+          </a:xfrm>
+          <a:prstGeom prst="rect">
+            <a:avLst/>
+          </a:prstGeom>
+          <a:ln>
+            <a:solidFill>
+              <a:schemeClr val="tx2"/>
+            </a:solidFill>
+          </a:ln>
+        </p:spPr>
+      </p:pic>
+      <p:pic>
+        <p:nvPicPr>
+          <p:cNvPr id="254" name="Picture 253" descr="A diagram of different colored shapes&#10;&#10;Description automatically generated">
+            <a:extLst>
+              <a:ext uri="{FF2B5EF4-FFF2-40B4-BE49-F238E27FC236}">
+                <a16:creationId xmlns:a16="http://schemas.microsoft.com/office/drawing/2014/main" id="{0E98F8A4-2313-A586-3453-49F57E425959}"/>
+              </a:ext>
+            </a:extLst>
+          </p:cNvPr>
+          <p:cNvPicPr>
+            <a:picLocks noChangeAspect="1"/>
+          </p:cNvPicPr>
+          <p:nvPr/>
+        </p:nvPicPr>
+        <p:blipFill>
+          <a:blip r:embed="rId9">
+            <a:extLst>
+              <a:ext uri="{28A0092B-C50C-407E-A947-70E740481C1C}">
+                <a14:useLocalDpi xmlns:a14="http://schemas.microsoft.com/office/drawing/2010/main" val="0"/>
+              </a:ext>
+            </a:extLst>
+          </a:blip>
+          <a:stretch>
+            <a:fillRect/>
+          </a:stretch>
+        </p:blipFill>
+        <p:spPr>
+          <a:xfrm>
+            <a:off x="15087599" y="34290000"/>
+            <a:ext cx="8123583" cy="4572000"/>
+          </a:xfrm>
+          <a:prstGeom prst="rect">
+            <a:avLst/>
+          </a:prstGeom>
+          <a:ln>
+            <a:solidFill>
+              <a:schemeClr val="tx2"/>
+            </a:solidFill>
+          </a:ln>
+        </p:spPr>
+      </p:pic>
+      <p:pic>
+        <p:nvPicPr>
+          <p:cNvPr id="2048" name="Picture 2047" descr="A green and green cone with a red stripe&#10;&#10;Description automatically generated with medium confidence">
+            <a:extLst>
+              <a:ext uri="{FF2B5EF4-FFF2-40B4-BE49-F238E27FC236}">
+                <a16:creationId xmlns:a16="http://schemas.microsoft.com/office/drawing/2014/main" id="{A66555E2-FDA0-B685-E1DD-50B4066329DC}"/>
+              </a:ext>
+            </a:extLst>
+          </p:cNvPr>
+          <p:cNvPicPr>
+            <a:picLocks noChangeAspect="1"/>
+          </p:cNvPicPr>
+          <p:nvPr/>
+        </p:nvPicPr>
+        <p:blipFill>
+          <a:blip r:embed="rId10">
+            <a:extLst>
+              <a:ext uri="{28A0092B-C50C-407E-A947-70E740481C1C}">
+                <a14:useLocalDpi xmlns:a14="http://schemas.microsoft.com/office/drawing/2010/main" val="0"/>
+              </a:ext>
+            </a:extLst>
+          </a:blip>
+          <a:stretch>
+            <a:fillRect/>
+          </a:stretch>
+        </p:blipFill>
+        <p:spPr>
+          <a:xfrm>
+            <a:off x="15087600" y="24689273"/>
+            <a:ext cx="8123584" cy="4572000"/>
+          </a:xfrm>
+          <a:prstGeom prst="rect">
+            <a:avLst/>
+          </a:prstGeom>
+          <a:ln>
+            <a:solidFill>
+              <a:schemeClr val="tx2"/>
+            </a:solidFill>
+          </a:ln>
+        </p:spPr>
+      </p:pic>
+      <p:graphicFrame>
+        <p:nvGraphicFramePr>
+          <p:cNvPr id="2049" name="Table 2048">
+            <a:extLst>
+              <a:ext uri="{FF2B5EF4-FFF2-40B4-BE49-F238E27FC236}">
+                <a16:creationId xmlns:a16="http://schemas.microsoft.com/office/drawing/2014/main" id="{753A67AA-D6DA-10E4-AABE-F3DCBBE15EFC}"/>
+              </a:ext>
+            </a:extLst>
+          </p:cNvPr>
+          <p:cNvGraphicFramePr>
+            <a:graphicFrameLocks noGrp="1"/>
+          </p:cNvGraphicFramePr>
+          <p:nvPr>
+            <p:extLst>
+              <p:ext uri="{D42A27DB-BD31-4B8C-83A1-F6EECF244321}">
+                <p14:modId xmlns:p14="http://schemas.microsoft.com/office/powerpoint/2010/main" val="1317270493"/>
+              </p:ext>
+            </p:extLst>
+          </p:nvPr>
+        </p:nvGraphicFramePr>
+        <p:xfrm>
+          <a:off x="23497955" y="36101346"/>
+          <a:ext cx="5029200" cy="2514600"/>
+        </p:xfrm>
+        <a:graphic>
+          <a:graphicData uri="http://schemas.openxmlformats.org/drawingml/2006/table">
+            <a:tbl>
+              <a:tblPr bandRow="1">
+                <a:tableStyleId>{D7AC3CCA-C797-4891-BE02-D94E43425B78}</a:tableStyleId>
+              </a:tblPr>
+              <a:tblGrid>
+                <a:gridCol w="914400">
+                  <a:extLst>
+                    <a:ext uri="{9D8B030D-6E8A-4147-A177-3AD203B41FA5}">
+                      <a16:colId xmlns:a16="http://schemas.microsoft.com/office/drawing/2014/main" val="2270481473"/>
+                    </a:ext>
+                  </a:extLst>
+                </a:gridCol>
+                <a:gridCol w="2563465">
+                  <a:extLst>
+                    <a:ext uri="{9D8B030D-6E8A-4147-A177-3AD203B41FA5}">
+                      <a16:colId xmlns:a16="http://schemas.microsoft.com/office/drawing/2014/main" val="3248307897"/>
+                    </a:ext>
+                  </a:extLst>
+                </a:gridCol>
+                <a:gridCol w="1551335">
+                  <a:extLst>
+                    <a:ext uri="{9D8B030D-6E8A-4147-A177-3AD203B41FA5}">
+                      <a16:colId xmlns:a16="http://schemas.microsoft.com/office/drawing/2014/main" val="4057647617"/>
+                    </a:ext>
+                  </a:extLst>
+                </a:gridCol>
+              </a:tblGrid>
+              <a:tr h="628650">
+                <a:tc>
+                  <a:txBody>
+                    <a:bodyPr/>
+                    <a:lstStyle/>
+                    <a:p>
+                      <a:endParaRPr lang="en-US" sz="3200" dirty="0">
+                        <a:latin typeface="Open Sans" panose="020B0606030504020204" pitchFamily="34" charset="0"/>
+                        <a:ea typeface="Open Sans" panose="020B0606030504020204" pitchFamily="34" charset="0"/>
+                        <a:cs typeface="Open Sans" panose="020B0606030504020204" pitchFamily="34" charset="0"/>
+                      </a:endParaRPr>
+                    </a:p>
+                  </a:txBody>
+                  <a:tcPr>
+                    <a:lnL w="12700" cmpd="sng">
+                      <a:noFill/>
+                    </a:lnL>
+                    <a:lnR w="12700" cap="flat" cmpd="sng" algn="ctr">
+                      <a:solidFill>
+                        <a:schemeClr val="tx1"/>
+                      </a:solidFill>
+                      <a:prstDash val="solid"/>
+                      <a:round/>
+                      <a:headEnd type="none" w="med" len="med"/>
+                      <a:tailEnd type="none" w="med" len="med"/>
+                    </a:lnR>
+                    <a:lnT w="12700" cmpd="sng">
+                      <a:noFill/>
+                    </a:lnT>
+                    <a:lnB w="12700" cmpd="sng">
+                      <a:noFill/>
+                    </a:lnB>
+                    <a:lnTlToBr w="12700" cmpd="sng">
+                      <a:noFill/>
+                      <a:prstDash val="solid"/>
+                    </a:lnTlToBr>
+                    <a:lnBlToTr w="12700" cmpd="sng">
+                      <a:noFill/>
+                      <a:prstDash val="solid"/>
+                    </a:lnBlToTr>
+                    <a:solidFill>
+                      <a:schemeClr val="bg1"/>
+                    </a:solidFill>
+                  </a:tcPr>
+                </a:tc>
+                <a:tc>
+                  <a:txBody>
+                    <a:bodyPr/>
+                    <a:lstStyle/>
+                    <a:p>
+                      <a:r>
+                        <a:rPr lang="en-US" sz="3200" b="0" dirty="0">
+                          <a:latin typeface="Open Sans" panose="020B0606030504020204" pitchFamily="34" charset="0"/>
+                          <a:ea typeface="Open Sans" panose="020B0606030504020204" pitchFamily="34" charset="0"/>
+                          <a:cs typeface="Open Sans" panose="020B0606030504020204" pitchFamily="34" charset="0"/>
+                        </a:rPr>
+                        <a:t>Iran</a:t>
+                      </a:r>
+                    </a:p>
+                  </a:txBody>
+                  <a:tcPr>
+                    <a:lnL w="12700" cap="flat" cmpd="sng" algn="ctr">
+                      <a:solidFill>
+                        <a:schemeClr val="tx1"/>
+                      </a:solidFill>
+                      <a:prstDash val="solid"/>
+                      <a:round/>
+                      <a:headEnd type="none" w="med" len="med"/>
+                      <a:tailEnd type="none" w="med" len="med"/>
+                    </a:lnL>
+                    <a:lnR w="12700" cap="flat" cmpd="sng" algn="ctr">
+                      <a:solidFill>
+                        <a:schemeClr val="tx1"/>
+                      </a:solidFill>
+                      <a:prstDash val="solid"/>
+                      <a:round/>
+                      <a:headEnd type="none" w="med" len="med"/>
+                      <a:tailEnd type="none" w="med" len="med"/>
+                    </a:lnR>
+                    <a:lnT w="12700" cap="flat" cmpd="sng" algn="ctr">
+                      <a:solidFill>
+                        <a:schemeClr val="tx1"/>
+                      </a:solidFill>
+                      <a:prstDash val="solid"/>
+                      <a:round/>
+                      <a:headEnd type="none" w="med" len="med"/>
+                      <a:tailEnd type="none" w="med" len="med"/>
+                    </a:lnT>
+                    <a:lnB w="12700" cap="flat" cmpd="sng" algn="ctr">
+                      <a:solidFill>
+                        <a:schemeClr val="tx1"/>
+                      </a:solidFill>
+                      <a:prstDash val="solid"/>
+                      <a:round/>
+                      <a:headEnd type="none" w="med" len="med"/>
+                      <a:tailEnd type="none" w="med" len="med"/>
+                    </a:lnB>
+                    <a:lnTlToBr w="12700" cmpd="sng">
+                      <a:noFill/>
+                      <a:prstDash val="solid"/>
+                    </a:lnTlToBr>
+                    <a:lnBlToTr w="12700" cmpd="sng">
+                      <a:noFill/>
+                      <a:prstDash val="solid"/>
+                    </a:lnBlToTr>
+                    <a:solidFill>
+                      <a:schemeClr val="bg1"/>
+                    </a:solidFill>
+                  </a:tcPr>
+                </a:tc>
+                <a:tc>
+                  <a:txBody>
+                    <a:bodyPr/>
+                    <a:lstStyle/>
+                    <a:p>
+                      <a:r>
+                        <a:rPr lang="en-US" sz="3200" b="0" dirty="0">
+                          <a:latin typeface="Open Sans" panose="020B0606030504020204" pitchFamily="34" charset="0"/>
+                          <a:ea typeface="Open Sans" panose="020B0606030504020204" pitchFamily="34" charset="0"/>
+                          <a:cs typeface="Open Sans" panose="020B0606030504020204" pitchFamily="34" charset="0"/>
+                        </a:rPr>
+                        <a:t>0.07</a:t>
+                      </a:r>
+                    </a:p>
+                  </a:txBody>
+                  <a:tcPr>
+                    <a:lnL w="12700" cap="flat" cmpd="sng" algn="ctr">
+                      <a:solidFill>
+                        <a:schemeClr val="tx1"/>
+                      </a:solidFill>
+                      <a:prstDash val="solid"/>
+                      <a:round/>
+                      <a:headEnd type="none" w="med" len="med"/>
+                      <a:tailEnd type="none" w="med" len="med"/>
+                    </a:lnL>
+                    <a:lnR w="12700" cap="flat" cmpd="sng" algn="ctr">
+                      <a:solidFill>
+                        <a:schemeClr val="tx1"/>
+                      </a:solidFill>
+                      <a:prstDash val="solid"/>
+                      <a:round/>
+                      <a:headEnd type="none" w="med" len="med"/>
+                      <a:tailEnd type="none" w="med" len="med"/>
+                    </a:lnR>
+                    <a:lnT w="12700" cap="flat" cmpd="sng" algn="ctr">
+                      <a:solidFill>
+                        <a:schemeClr val="tx1"/>
+                      </a:solidFill>
+                      <a:prstDash val="solid"/>
+                      <a:round/>
+                      <a:headEnd type="none" w="med" len="med"/>
+                      <a:tailEnd type="none" w="med" len="med"/>
+                    </a:lnT>
+                    <a:lnB w="12700" cap="flat" cmpd="sng" algn="ctr">
+                      <a:solidFill>
+                        <a:schemeClr val="tx1"/>
+                      </a:solidFill>
+                      <a:prstDash val="solid"/>
+                      <a:round/>
+                      <a:headEnd type="none" w="med" len="med"/>
+                      <a:tailEnd type="none" w="med" len="med"/>
+                    </a:lnB>
+                    <a:lnTlToBr w="12700" cmpd="sng">
+                      <a:noFill/>
+                      <a:prstDash val="solid"/>
+                    </a:lnTlToBr>
+                    <a:lnBlToTr w="12700" cmpd="sng">
+                      <a:noFill/>
+                      <a:prstDash val="solid"/>
+                    </a:lnBlToTr>
+                    <a:solidFill>
+                      <a:schemeClr val="bg1"/>
+                    </a:solidFill>
+                  </a:tcPr>
+                </a:tc>
+                <a:extLst>
+                  <a:ext uri="{0D108BD9-81ED-4DB2-BD59-A6C34878D82A}">
+                    <a16:rowId xmlns:a16="http://schemas.microsoft.com/office/drawing/2014/main" val="2608611714"/>
+                  </a:ext>
+                </a:extLst>
+              </a:tr>
+              <a:tr h="628650">
+                <a:tc>
+                  <a:txBody>
+                    <a:bodyPr/>
+                    <a:lstStyle/>
+                    <a:p>
+                      <a:endParaRPr lang="en-US" sz="3200" dirty="0">
+                        <a:latin typeface="Open Sans" panose="020B0606030504020204" pitchFamily="34" charset="0"/>
+                        <a:ea typeface="Open Sans" panose="020B0606030504020204" pitchFamily="34" charset="0"/>
+                        <a:cs typeface="Open Sans" panose="020B0606030504020204" pitchFamily="34" charset="0"/>
+                      </a:endParaRPr>
+                    </a:p>
+                  </a:txBody>
+                  <a:tcPr>
+                    <a:lnL w="12700" cmpd="sng">
+                      <a:noFill/>
+                    </a:lnL>
+                    <a:lnR w="12700" cap="flat" cmpd="sng" algn="ctr">
+                      <a:solidFill>
+                        <a:schemeClr val="tx1"/>
+                      </a:solidFill>
+                      <a:prstDash val="solid"/>
+                      <a:round/>
+                      <a:headEnd type="none" w="med" len="med"/>
+                      <a:tailEnd type="none" w="med" len="med"/>
+                    </a:lnR>
+                    <a:lnT w="12700" cmpd="sng">
+                      <a:noFill/>
+                    </a:lnT>
+                    <a:lnB w="12700" cmpd="sng">
+                      <a:noFill/>
+                    </a:lnB>
+                    <a:lnTlToBr w="12700" cmpd="sng">
+                      <a:noFill/>
+                      <a:prstDash val="solid"/>
+                    </a:lnTlToBr>
+                    <a:lnBlToTr w="12700" cmpd="sng">
+                      <a:noFill/>
+                      <a:prstDash val="solid"/>
+                    </a:lnBlToTr>
+                    <a:solidFill>
+                      <a:schemeClr val="bg1"/>
+                    </a:solidFill>
+                  </a:tcPr>
+                </a:tc>
+                <a:tc>
+                  <a:txBody>
+                    <a:bodyPr/>
+                    <a:lstStyle/>
+                    <a:p>
+                      <a:r>
+                        <a:rPr lang="en-US" sz="3200" dirty="0">
+                          <a:latin typeface="Open Sans" panose="020B0606030504020204" pitchFamily="34" charset="0"/>
+                          <a:ea typeface="Open Sans" panose="020B0606030504020204" pitchFamily="34" charset="0"/>
+                          <a:cs typeface="Open Sans" panose="020B0606030504020204" pitchFamily="34" charset="0"/>
+                        </a:rPr>
+                        <a:t>France</a:t>
+                      </a:r>
+                    </a:p>
+                  </a:txBody>
+                  <a:tcPr>
+                    <a:lnL w="12700" cap="flat" cmpd="sng" algn="ctr">
+                      <a:solidFill>
+                        <a:schemeClr val="tx1"/>
+                      </a:solidFill>
+                      <a:prstDash val="solid"/>
+                      <a:round/>
+                      <a:headEnd type="none" w="med" len="med"/>
+                      <a:tailEnd type="none" w="med" len="med"/>
+                    </a:lnL>
+                    <a:lnR w="12700" cap="flat" cmpd="sng" algn="ctr">
+                      <a:solidFill>
+                        <a:schemeClr val="tx1"/>
+                      </a:solidFill>
+                      <a:prstDash val="solid"/>
+                      <a:round/>
+                      <a:headEnd type="none" w="med" len="med"/>
+                      <a:tailEnd type="none" w="med" len="med"/>
+                    </a:lnR>
+                    <a:lnT w="12700" cap="flat" cmpd="sng" algn="ctr">
+                      <a:solidFill>
+                        <a:schemeClr val="tx1"/>
+                      </a:solidFill>
+                      <a:prstDash val="solid"/>
+                      <a:round/>
+                      <a:headEnd type="none" w="med" len="med"/>
+                      <a:tailEnd type="none" w="med" len="med"/>
+                    </a:lnT>
+                    <a:lnB w="12700" cap="flat" cmpd="sng" algn="ctr">
+                      <a:solidFill>
+                        <a:schemeClr val="tx1"/>
+                      </a:solidFill>
+                      <a:prstDash val="solid"/>
+                      <a:round/>
+                      <a:headEnd type="none" w="med" len="med"/>
+                      <a:tailEnd type="none" w="med" len="med"/>
+                    </a:lnB>
+                    <a:lnTlToBr w="12700" cmpd="sng">
+                      <a:noFill/>
+                      <a:prstDash val="solid"/>
+                    </a:lnTlToBr>
+                    <a:lnBlToTr w="12700" cmpd="sng">
+                      <a:noFill/>
+                      <a:prstDash val="solid"/>
+                    </a:lnBlToTr>
+                    <a:solidFill>
+                      <a:schemeClr val="bg1"/>
+                    </a:solidFill>
+                  </a:tcPr>
+                </a:tc>
+                <a:tc>
+                  <a:txBody>
+                    <a:bodyPr/>
+                    <a:lstStyle/>
+                    <a:p>
+                      <a:r>
+                        <a:rPr lang="en-US" sz="3200" dirty="0">
+                          <a:latin typeface="Open Sans" panose="020B0606030504020204" pitchFamily="34" charset="0"/>
+                          <a:ea typeface="Open Sans" panose="020B0606030504020204" pitchFamily="34" charset="0"/>
+                          <a:cs typeface="Open Sans" panose="020B0606030504020204" pitchFamily="34" charset="0"/>
+                        </a:rPr>
+                        <a:t>0.227</a:t>
+                      </a:r>
+                    </a:p>
+                  </a:txBody>
+                  <a:tcPr>
+                    <a:lnL w="12700" cap="flat" cmpd="sng" algn="ctr">
+                      <a:solidFill>
+                        <a:schemeClr val="tx1"/>
+                      </a:solidFill>
+                      <a:prstDash val="solid"/>
+                      <a:round/>
+                      <a:headEnd type="none" w="med" len="med"/>
+                      <a:tailEnd type="none" w="med" len="med"/>
+                    </a:lnL>
+                    <a:lnR w="12700" cap="flat" cmpd="sng" algn="ctr">
+                      <a:solidFill>
+                        <a:schemeClr val="tx1"/>
+                      </a:solidFill>
+                      <a:prstDash val="solid"/>
+                      <a:round/>
+                      <a:headEnd type="none" w="med" len="med"/>
+                      <a:tailEnd type="none" w="med" len="med"/>
+                    </a:lnR>
+                    <a:lnT w="12700" cap="flat" cmpd="sng" algn="ctr">
+                      <a:solidFill>
+                        <a:schemeClr val="tx1"/>
+                      </a:solidFill>
+                      <a:prstDash val="solid"/>
+                      <a:round/>
+                      <a:headEnd type="none" w="med" len="med"/>
+                      <a:tailEnd type="none" w="med" len="med"/>
+                    </a:lnT>
+                    <a:lnB w="12700" cap="flat" cmpd="sng" algn="ctr">
+                      <a:solidFill>
+                        <a:schemeClr val="tx1"/>
+                      </a:solidFill>
+                      <a:prstDash val="solid"/>
+                      <a:round/>
+                      <a:headEnd type="none" w="med" len="med"/>
+                      <a:tailEnd type="none" w="med" len="med"/>
+                    </a:lnB>
+                    <a:lnTlToBr w="12700" cmpd="sng">
+                      <a:noFill/>
+                      <a:prstDash val="solid"/>
+                    </a:lnTlToBr>
+                    <a:lnBlToTr w="12700" cmpd="sng">
+                      <a:noFill/>
+                      <a:prstDash val="solid"/>
+                    </a:lnBlToTr>
+                    <a:solidFill>
+                      <a:schemeClr val="bg1"/>
+                    </a:solidFill>
+                  </a:tcPr>
+                </a:tc>
+                <a:extLst>
+                  <a:ext uri="{0D108BD9-81ED-4DB2-BD59-A6C34878D82A}">
+                    <a16:rowId xmlns:a16="http://schemas.microsoft.com/office/drawing/2014/main" val="919741235"/>
+                  </a:ext>
+                </a:extLst>
+              </a:tr>
+              <a:tr h="628650">
+                <a:tc>
+                  <a:txBody>
+                    <a:bodyPr/>
+                    <a:lstStyle/>
+                    <a:p>
+                      <a:endParaRPr lang="en-US" sz="3200" dirty="0">
+                        <a:latin typeface="Open Sans" panose="020B0606030504020204" pitchFamily="34" charset="0"/>
+                        <a:ea typeface="Open Sans" panose="020B0606030504020204" pitchFamily="34" charset="0"/>
+                        <a:cs typeface="Open Sans" panose="020B0606030504020204" pitchFamily="34" charset="0"/>
+                      </a:endParaRPr>
+                    </a:p>
+                  </a:txBody>
+                  <a:tcPr>
+                    <a:lnL w="12700" cmpd="sng">
+                      <a:noFill/>
+                    </a:lnL>
+                    <a:lnR w="12700" cap="flat" cmpd="sng" algn="ctr">
+                      <a:solidFill>
+                        <a:schemeClr val="tx1"/>
+                      </a:solidFill>
+                      <a:prstDash val="solid"/>
+                      <a:round/>
+                      <a:headEnd type="none" w="med" len="med"/>
+                      <a:tailEnd type="none" w="med" len="med"/>
+                    </a:lnR>
+                    <a:lnT w="12700" cmpd="sng">
+                      <a:noFill/>
+                    </a:lnT>
+                    <a:lnB w="12700" cmpd="sng">
+                      <a:noFill/>
+                    </a:lnB>
+                    <a:lnTlToBr w="12700" cmpd="sng">
+                      <a:noFill/>
+                      <a:prstDash val="solid"/>
+                    </a:lnTlToBr>
+                    <a:lnBlToTr w="12700" cmpd="sng">
+                      <a:noFill/>
+                      <a:prstDash val="solid"/>
+                    </a:lnBlToTr>
+                    <a:solidFill>
+                      <a:schemeClr val="bg1"/>
+                    </a:solidFill>
+                  </a:tcPr>
+                </a:tc>
+                <a:tc>
+                  <a:txBody>
+                    <a:bodyPr/>
+                    <a:lstStyle/>
+                    <a:p>
+                      <a:r>
+                        <a:rPr lang="en-US" sz="3200" dirty="0">
+                          <a:latin typeface="Open Sans" panose="020B0606030504020204" pitchFamily="34" charset="0"/>
+                          <a:ea typeface="Open Sans" panose="020B0606030504020204" pitchFamily="34" charset="0"/>
+                          <a:cs typeface="Open Sans" panose="020B0606030504020204" pitchFamily="34" charset="0"/>
+                        </a:rPr>
+                        <a:t>Germany</a:t>
+                      </a:r>
+                    </a:p>
+                  </a:txBody>
+                  <a:tcPr>
+                    <a:lnL w="12700" cap="flat" cmpd="sng" algn="ctr">
+                      <a:solidFill>
+                        <a:schemeClr val="tx1"/>
+                      </a:solidFill>
+                      <a:prstDash val="solid"/>
+                      <a:round/>
+                      <a:headEnd type="none" w="med" len="med"/>
+                      <a:tailEnd type="none" w="med" len="med"/>
+                    </a:lnL>
+                    <a:lnR w="12700" cap="flat" cmpd="sng" algn="ctr">
+                      <a:solidFill>
+                        <a:schemeClr val="tx1"/>
+                      </a:solidFill>
+                      <a:prstDash val="solid"/>
+                      <a:round/>
+                      <a:headEnd type="none" w="med" len="med"/>
+                      <a:tailEnd type="none" w="med" len="med"/>
+                    </a:lnR>
+                    <a:lnT w="12700" cap="flat" cmpd="sng" algn="ctr">
+                      <a:solidFill>
+                        <a:schemeClr val="tx1"/>
+                      </a:solidFill>
+                      <a:prstDash val="solid"/>
+                      <a:round/>
+                      <a:headEnd type="none" w="med" len="med"/>
+                      <a:tailEnd type="none" w="med" len="med"/>
+                    </a:lnT>
+                    <a:lnB w="12700" cap="flat" cmpd="sng" algn="ctr">
+                      <a:solidFill>
+                        <a:schemeClr val="tx1"/>
+                      </a:solidFill>
+                      <a:prstDash val="solid"/>
+                      <a:round/>
+                      <a:headEnd type="none" w="med" len="med"/>
+                      <a:tailEnd type="none" w="med" len="med"/>
+                    </a:lnB>
+                    <a:lnTlToBr w="12700" cmpd="sng">
+                      <a:noFill/>
+                      <a:prstDash val="solid"/>
+                    </a:lnTlToBr>
+                    <a:lnBlToTr w="12700" cmpd="sng">
+                      <a:noFill/>
+                      <a:prstDash val="solid"/>
+                    </a:lnBlToTr>
+                    <a:solidFill>
+                      <a:schemeClr val="bg1"/>
+                    </a:solidFill>
+                  </a:tcPr>
+                </a:tc>
+                <a:tc>
+                  <a:txBody>
+                    <a:bodyPr/>
+                    <a:lstStyle/>
+                    <a:p>
+                      <a:r>
+                        <a:rPr lang="en-US" sz="3200" dirty="0">
+                          <a:latin typeface="Open Sans" panose="020B0606030504020204" pitchFamily="34" charset="0"/>
+                          <a:ea typeface="Open Sans" panose="020B0606030504020204" pitchFamily="34" charset="0"/>
+                          <a:cs typeface="Open Sans" panose="020B0606030504020204" pitchFamily="34" charset="0"/>
+                        </a:rPr>
+                        <a:t>0.045</a:t>
+                      </a:r>
+                    </a:p>
+                  </a:txBody>
+                  <a:tcPr>
+                    <a:lnL w="12700" cap="flat" cmpd="sng" algn="ctr">
+                      <a:solidFill>
+                        <a:schemeClr val="tx1"/>
+                      </a:solidFill>
+                      <a:prstDash val="solid"/>
+                      <a:round/>
+                      <a:headEnd type="none" w="med" len="med"/>
+                      <a:tailEnd type="none" w="med" len="med"/>
+                    </a:lnL>
+                    <a:lnR w="12700" cap="flat" cmpd="sng" algn="ctr">
+                      <a:solidFill>
+                        <a:schemeClr val="tx1"/>
+                      </a:solidFill>
+                      <a:prstDash val="solid"/>
+                      <a:round/>
+                      <a:headEnd type="none" w="med" len="med"/>
+                      <a:tailEnd type="none" w="med" len="med"/>
+                    </a:lnR>
+                    <a:lnT w="12700" cap="flat" cmpd="sng" algn="ctr">
+                      <a:solidFill>
+                        <a:schemeClr val="tx1"/>
+                      </a:solidFill>
+                      <a:prstDash val="solid"/>
+                      <a:round/>
+                      <a:headEnd type="none" w="med" len="med"/>
+                      <a:tailEnd type="none" w="med" len="med"/>
+                    </a:lnT>
+                    <a:lnB w="12700" cap="flat" cmpd="sng" algn="ctr">
+                      <a:solidFill>
+                        <a:schemeClr val="tx1"/>
+                      </a:solidFill>
+                      <a:prstDash val="solid"/>
+                      <a:round/>
+                      <a:headEnd type="none" w="med" len="med"/>
+                      <a:tailEnd type="none" w="med" len="med"/>
+                    </a:lnB>
+                    <a:lnTlToBr w="12700" cmpd="sng">
+                      <a:noFill/>
+                      <a:prstDash val="solid"/>
+                    </a:lnTlToBr>
+                    <a:lnBlToTr w="12700" cmpd="sng">
+                      <a:noFill/>
+                      <a:prstDash val="solid"/>
+                    </a:lnBlToTr>
+                    <a:solidFill>
+                      <a:schemeClr val="bg1"/>
+                    </a:solidFill>
+                  </a:tcPr>
+                </a:tc>
+                <a:extLst>
+                  <a:ext uri="{0D108BD9-81ED-4DB2-BD59-A6C34878D82A}">
+                    <a16:rowId xmlns:a16="http://schemas.microsoft.com/office/drawing/2014/main" val="518741467"/>
+                  </a:ext>
+                </a:extLst>
+              </a:tr>
+              <a:tr h="628650">
+                <a:tc>
+                  <a:txBody>
+                    <a:bodyPr/>
+                    <a:lstStyle/>
+                    <a:p>
+                      <a:endParaRPr lang="en-US" sz="3200" dirty="0">
+                        <a:latin typeface="Open Sans" panose="020B0606030504020204" pitchFamily="34" charset="0"/>
+                        <a:ea typeface="Open Sans" panose="020B0606030504020204" pitchFamily="34" charset="0"/>
+                        <a:cs typeface="Open Sans" panose="020B0606030504020204" pitchFamily="34" charset="0"/>
+                      </a:endParaRPr>
+                    </a:p>
+                  </a:txBody>
+                  <a:tcPr>
+                    <a:lnL w="12700" cmpd="sng">
+                      <a:noFill/>
+                    </a:lnL>
+                    <a:lnR w="12700" cap="flat" cmpd="sng" algn="ctr">
+                      <a:solidFill>
+                        <a:schemeClr val="tx1"/>
+                      </a:solidFill>
+                      <a:prstDash val="solid"/>
+                      <a:round/>
+                      <a:headEnd type="none" w="med" len="med"/>
+                      <a:tailEnd type="none" w="med" len="med"/>
+                    </a:lnR>
+                    <a:lnT w="12700" cmpd="sng">
+                      <a:noFill/>
+                    </a:lnT>
+                    <a:lnB w="12700" cmpd="sng">
+                      <a:noFill/>
+                    </a:lnB>
+                    <a:lnTlToBr w="12700" cmpd="sng">
+                      <a:noFill/>
+                      <a:prstDash val="solid"/>
+                    </a:lnTlToBr>
+                    <a:lnBlToTr w="12700" cmpd="sng">
+                      <a:noFill/>
+                      <a:prstDash val="solid"/>
+                    </a:lnBlToTr>
+                    <a:solidFill>
+                      <a:schemeClr val="bg1"/>
+                    </a:solidFill>
+                  </a:tcPr>
+                </a:tc>
+                <a:tc>
+                  <a:txBody>
+                    <a:bodyPr/>
+                    <a:lstStyle/>
+                    <a:p>
+                      <a:r>
+                        <a:rPr lang="en-US" sz="3200" dirty="0">
+                          <a:latin typeface="Open Sans" panose="020B0606030504020204" pitchFamily="34" charset="0"/>
+                          <a:ea typeface="Open Sans" panose="020B0606030504020204" pitchFamily="34" charset="0"/>
+                          <a:cs typeface="Open Sans" panose="020B0606030504020204" pitchFamily="34" charset="0"/>
+                        </a:rPr>
+                        <a:t>Heligoland</a:t>
+                      </a:r>
+                    </a:p>
+                  </a:txBody>
+                  <a:tcPr>
+                    <a:lnL w="12700" cap="flat" cmpd="sng" algn="ctr">
+                      <a:solidFill>
+                        <a:schemeClr val="tx1"/>
+                      </a:solidFill>
+                      <a:prstDash val="solid"/>
+                      <a:round/>
+                      <a:headEnd type="none" w="med" len="med"/>
+                      <a:tailEnd type="none" w="med" len="med"/>
+                    </a:lnL>
+                    <a:lnR w="12700" cap="flat" cmpd="sng" algn="ctr">
+                      <a:solidFill>
+                        <a:schemeClr val="tx1"/>
+                      </a:solidFill>
+                      <a:prstDash val="solid"/>
+                      <a:round/>
+                      <a:headEnd type="none" w="med" len="med"/>
+                      <a:tailEnd type="none" w="med" len="med"/>
+                    </a:lnR>
+                    <a:lnT w="12700" cap="flat" cmpd="sng" algn="ctr">
+                      <a:solidFill>
+                        <a:schemeClr val="tx1"/>
+                      </a:solidFill>
+                      <a:prstDash val="solid"/>
+                      <a:round/>
+                      <a:headEnd type="none" w="med" len="med"/>
+                      <a:tailEnd type="none" w="med" len="med"/>
+                    </a:lnT>
+                    <a:lnB w="12700" cap="flat" cmpd="sng" algn="ctr">
+                      <a:solidFill>
+                        <a:schemeClr val="tx1"/>
+                      </a:solidFill>
+                      <a:prstDash val="solid"/>
+                      <a:round/>
+                      <a:headEnd type="none" w="med" len="med"/>
+                      <a:tailEnd type="none" w="med" len="med"/>
+                    </a:lnB>
+                    <a:lnTlToBr w="12700" cmpd="sng">
+                      <a:noFill/>
+                      <a:prstDash val="solid"/>
+                    </a:lnTlToBr>
+                    <a:lnBlToTr w="12700" cmpd="sng">
+                      <a:noFill/>
+                      <a:prstDash val="solid"/>
+                    </a:lnBlToTr>
+                    <a:solidFill>
+                      <a:schemeClr val="bg1"/>
+                    </a:solidFill>
+                  </a:tcPr>
+                </a:tc>
+                <a:tc>
+                  <a:txBody>
+                    <a:bodyPr/>
+                    <a:lstStyle/>
+                    <a:p>
+                      <a:r>
+                        <a:rPr lang="en-US" sz="3200" dirty="0">
+                          <a:latin typeface="Open Sans" panose="020B0606030504020204" pitchFamily="34" charset="0"/>
+                          <a:ea typeface="Open Sans" panose="020B0606030504020204" pitchFamily="34" charset="0"/>
+                          <a:cs typeface="Open Sans" panose="020B0606030504020204" pitchFamily="34" charset="0"/>
+                        </a:rPr>
+                        <a:t>0.11</a:t>
+                      </a:r>
+                    </a:p>
+                  </a:txBody>
+                  <a:tcPr>
+                    <a:lnL w="12700" cap="flat" cmpd="sng" algn="ctr">
+                      <a:solidFill>
+                        <a:schemeClr val="tx1"/>
+                      </a:solidFill>
+                      <a:prstDash val="solid"/>
+                      <a:round/>
+                      <a:headEnd type="none" w="med" len="med"/>
+                      <a:tailEnd type="none" w="med" len="med"/>
+                    </a:lnL>
+                    <a:lnR w="12700" cap="flat" cmpd="sng" algn="ctr">
+                      <a:solidFill>
+                        <a:schemeClr val="tx1"/>
+                      </a:solidFill>
+                      <a:prstDash val="solid"/>
+                      <a:round/>
+                      <a:headEnd type="none" w="med" len="med"/>
+                      <a:tailEnd type="none" w="med" len="med"/>
+                    </a:lnR>
+                    <a:lnT w="12700" cap="flat" cmpd="sng" algn="ctr">
+                      <a:solidFill>
+                        <a:schemeClr val="tx1"/>
+                      </a:solidFill>
+                      <a:prstDash val="solid"/>
+                      <a:round/>
+                      <a:headEnd type="none" w="med" len="med"/>
+                      <a:tailEnd type="none" w="med" len="med"/>
+                    </a:lnT>
+                    <a:lnB w="12700" cap="flat" cmpd="sng" algn="ctr">
+                      <a:solidFill>
+                        <a:schemeClr val="tx1"/>
+                      </a:solidFill>
+                      <a:prstDash val="solid"/>
+                      <a:round/>
+                      <a:headEnd type="none" w="med" len="med"/>
+                      <a:tailEnd type="none" w="med" len="med"/>
+                    </a:lnB>
+                    <a:lnTlToBr w="12700" cmpd="sng">
+                      <a:noFill/>
+                      <a:prstDash val="solid"/>
+                    </a:lnTlToBr>
+                    <a:lnBlToTr w="12700" cmpd="sng">
+                      <a:noFill/>
+                      <a:prstDash val="solid"/>
+                    </a:lnBlToTr>
+                    <a:solidFill>
+                      <a:schemeClr val="bg1"/>
+                    </a:solidFill>
+                  </a:tcPr>
+                </a:tc>
+                <a:extLst>
+                  <a:ext uri="{0D108BD9-81ED-4DB2-BD59-A6C34878D82A}">
+                    <a16:rowId xmlns:a16="http://schemas.microsoft.com/office/drawing/2014/main" val="1656111046"/>
+                  </a:ext>
+                </a:extLst>
+              </a:tr>
+            </a:tbl>
+          </a:graphicData>
+        </a:graphic>
+      </p:graphicFrame>
+      <p:sp>
+        <p:nvSpPr>
+          <p:cNvPr id="2058" name="Oval 2057">
+            <a:extLst>
+              <a:ext uri="{FF2B5EF4-FFF2-40B4-BE49-F238E27FC236}">
+                <a16:creationId xmlns:a16="http://schemas.microsoft.com/office/drawing/2014/main" id="{946A67A5-57FA-D21E-E70D-5E57C470F1E5}"/>
+              </a:ext>
+            </a:extLst>
+          </p:cNvPr>
+          <p:cNvSpPr/>
+          <p:nvPr/>
+        </p:nvSpPr>
+        <p:spPr>
+          <a:xfrm>
+            <a:off x="23726555" y="36183642"/>
+            <a:ext cx="457200" cy="457200"/>
+          </a:xfrm>
+          <a:prstGeom prst="ellipse">
+            <a:avLst/>
+          </a:prstGeom>
+          <a:solidFill>
+            <a:srgbClr val="98E598"/>
+          </a:solidFill>
+        </p:spPr>
+        <p:style>
+          <a:lnRef idx="2">
+            <a:schemeClr val="accent1">
+              <a:shade val="15000"/>
+            </a:schemeClr>
+          </a:lnRef>
+          <a:fillRef idx="1">
+            <a:schemeClr val="accent1"/>
+          </a:fillRef>
+          <a:effectRef idx="0">
+            <a:schemeClr val="accent1"/>
+          </a:effectRef>
+          <a:fontRef idx="minor">
+            <a:schemeClr val="lt1"/>
+          </a:fontRef>
+        </p:style>
+        <p:txBody>
+          <a:bodyPr rtlCol="0" anchor="ctr"/>
+          <a:lstStyle/>
+          <a:p>
+            <a:pPr algn="ctr"/>
+            <a:endParaRPr lang="en-US"/>
+          </a:p>
+        </p:txBody>
+      </p:sp>
+      <p:sp>
+        <p:nvSpPr>
+          <p:cNvPr id="2059" name="Oval 2058">
+            <a:extLst>
+              <a:ext uri="{FF2B5EF4-FFF2-40B4-BE49-F238E27FC236}">
+                <a16:creationId xmlns:a16="http://schemas.microsoft.com/office/drawing/2014/main" id="{92A6489B-364B-2648-CEED-3323C3CC21D7}"/>
+              </a:ext>
+            </a:extLst>
+          </p:cNvPr>
+          <p:cNvSpPr/>
+          <p:nvPr/>
+        </p:nvSpPr>
+        <p:spPr>
+          <a:xfrm>
+            <a:off x="23726555" y="36814578"/>
+            <a:ext cx="457200" cy="457200"/>
+          </a:xfrm>
+          <a:prstGeom prst="ellipse">
+            <a:avLst/>
+          </a:prstGeom>
+          <a:solidFill>
+            <a:srgbClr val="8EC7FF"/>
+          </a:solidFill>
+        </p:spPr>
+        <p:style>
+          <a:lnRef idx="2">
+            <a:schemeClr val="accent1">
+              <a:shade val="15000"/>
+            </a:schemeClr>
+          </a:lnRef>
+          <a:fillRef idx="1">
+            <a:schemeClr val="accent1"/>
+          </a:fillRef>
+          <a:effectRef idx="0">
+            <a:schemeClr val="accent1"/>
+          </a:effectRef>
+          <a:fontRef idx="minor">
+            <a:schemeClr val="lt1"/>
+          </a:fontRef>
+        </p:style>
+        <p:txBody>
+          <a:bodyPr rtlCol="0" anchor="ctr"/>
+          <a:lstStyle/>
+          <a:p>
+            <a:pPr algn="ctr"/>
+            <a:endParaRPr lang="en-US"/>
+          </a:p>
+        </p:txBody>
+      </p:sp>
+      <p:sp>
+        <p:nvSpPr>
+          <p:cNvPr id="2060" name="Oval 2059">
+            <a:extLst>
+              <a:ext uri="{FF2B5EF4-FFF2-40B4-BE49-F238E27FC236}">
+                <a16:creationId xmlns:a16="http://schemas.microsoft.com/office/drawing/2014/main" id="{C5D3A7FB-AE61-7628-024E-ACD9C23EF5FB}"/>
+              </a:ext>
+            </a:extLst>
+          </p:cNvPr>
+          <p:cNvSpPr/>
+          <p:nvPr/>
+        </p:nvSpPr>
+        <p:spPr>
+          <a:xfrm>
+            <a:off x="23726555" y="37445514"/>
+            <a:ext cx="457200" cy="457200"/>
+          </a:xfrm>
+          <a:prstGeom prst="ellipse">
+            <a:avLst/>
+          </a:prstGeom>
+          <a:solidFill>
+            <a:srgbClr val="FFC57F"/>
+          </a:solidFill>
+        </p:spPr>
+        <p:style>
+          <a:lnRef idx="2">
+            <a:schemeClr val="accent1">
+              <a:shade val="15000"/>
+            </a:schemeClr>
+          </a:lnRef>
+          <a:fillRef idx="1">
+            <a:schemeClr val="accent1"/>
+          </a:fillRef>
+          <a:effectRef idx="0">
+            <a:schemeClr val="accent1"/>
+          </a:effectRef>
+          <a:fontRef idx="minor">
+            <a:schemeClr val="lt1"/>
+          </a:fontRef>
+        </p:style>
+        <p:txBody>
+          <a:bodyPr rtlCol="0" anchor="ctr"/>
+          <a:lstStyle/>
+          <a:p>
+            <a:pPr algn="ctr"/>
+            <a:endParaRPr lang="en-US"/>
+          </a:p>
+        </p:txBody>
+      </p:sp>
+      <p:sp>
+        <p:nvSpPr>
+          <p:cNvPr id="2061" name="Oval 2060">
+            <a:extLst>
+              <a:ext uri="{FF2B5EF4-FFF2-40B4-BE49-F238E27FC236}">
+                <a16:creationId xmlns:a16="http://schemas.microsoft.com/office/drawing/2014/main" id="{23F56D6D-3F5A-947C-57CF-166147CFA9C4}"/>
+              </a:ext>
+            </a:extLst>
+          </p:cNvPr>
+          <p:cNvSpPr/>
+          <p:nvPr/>
+        </p:nvSpPr>
+        <p:spPr>
+          <a:xfrm>
+            <a:off x="23726555" y="38076450"/>
+            <a:ext cx="457200" cy="457200"/>
+          </a:xfrm>
+          <a:prstGeom prst="ellipse">
+            <a:avLst/>
+          </a:prstGeom>
+          <a:solidFill>
+            <a:srgbClr val="BF7FC0"/>
+          </a:solidFill>
+        </p:spPr>
+        <p:style>
+          <a:lnRef idx="2">
+            <a:schemeClr val="accent1">
+              <a:shade val="15000"/>
+            </a:schemeClr>
+          </a:lnRef>
+          <a:fillRef idx="1">
+            <a:schemeClr val="accent1"/>
+          </a:fillRef>
+          <a:effectRef idx="0">
+            <a:schemeClr val="accent1"/>
+          </a:effectRef>
+          <a:fontRef idx="minor">
+            <a:schemeClr val="lt1"/>
+          </a:fontRef>
+        </p:style>
+        <p:txBody>
+          <a:bodyPr rtlCol="0" anchor="ctr"/>
+          <a:lstStyle/>
+          <a:p>
+            <a:pPr algn="ctr"/>
+            <a:endParaRPr lang="en-US"/>
+          </a:p>
+        </p:txBody>
+      </p:sp>
+      <p:pic>
+        <p:nvPicPr>
+          <p:cNvPr id="2075" name="Picture 2074" descr="A chart of a graph&#10;&#10;Description automatically generated with medium confidence">
+            <a:extLst>
+              <a:ext uri="{FF2B5EF4-FFF2-40B4-BE49-F238E27FC236}">
+                <a16:creationId xmlns:a16="http://schemas.microsoft.com/office/drawing/2014/main" id="{D42DE8BC-52FC-0821-1F04-B46BEC9E1713}"/>
+              </a:ext>
+            </a:extLst>
+          </p:cNvPr>
+          <p:cNvPicPr>
+            <a:picLocks noChangeAspect="1"/>
+          </p:cNvPicPr>
+          <p:nvPr/>
+        </p:nvPicPr>
+        <p:blipFill>
+          <a:blip r:embed="rId11">
+            <a:extLst>
+              <a:ext uri="{28A0092B-C50C-407E-A947-70E740481C1C}">
+                <a14:useLocalDpi xmlns:a14="http://schemas.microsoft.com/office/drawing/2010/main" val="0"/>
+              </a:ext>
+            </a:extLst>
+          </a:blip>
+          <a:stretch>
+            <a:fillRect/>
+          </a:stretch>
+        </p:blipFill>
+        <p:spPr>
+          <a:xfrm>
+            <a:off x="29489400" y="7739743"/>
+            <a:ext cx="8036151" cy="6143442"/>
+          </a:xfrm>
+          <a:prstGeom prst="rect">
+            <a:avLst/>
+          </a:prstGeom>
+        </p:spPr>
+      </p:pic>
+      <p:pic>
+        <p:nvPicPr>
+          <p:cNvPr id="2076" name="Picture 2075" descr="A chart of different colors&#10;&#10;Description automatically generated with medium confidence">
+            <a:extLst>
+              <a:ext uri="{FF2B5EF4-FFF2-40B4-BE49-F238E27FC236}">
+                <a16:creationId xmlns:a16="http://schemas.microsoft.com/office/drawing/2014/main" id="{C8B721AD-DB83-9694-D4E7-C955984CF600}"/>
+              </a:ext>
+            </a:extLst>
+          </p:cNvPr>
+          <p:cNvPicPr>
+            <a:picLocks noChangeAspect="1"/>
+          </p:cNvPicPr>
+          <p:nvPr/>
+        </p:nvPicPr>
+        <p:blipFill rotWithShape="1">
+          <a:blip r:embed="rId12">
+            <a:extLst>
+              <a:ext uri="{28A0092B-C50C-407E-A947-70E740481C1C}">
+                <a14:useLocalDpi xmlns:a14="http://schemas.microsoft.com/office/drawing/2010/main" val="0"/>
+              </a:ext>
+            </a:extLst>
+          </a:blip>
+          <a:srcRect l="10247" t="-1709"/>
+          <a:stretch/>
+        </p:blipFill>
+        <p:spPr>
+          <a:xfrm>
+            <a:off x="29672169" y="13685131"/>
+            <a:ext cx="7623157" cy="5941811"/>
+          </a:xfrm>
+          <a:prstGeom prst="rect">
+            <a:avLst/>
+          </a:prstGeom>
+        </p:spPr>
+      </p:pic>
+      <p:pic>
+        <p:nvPicPr>
+          <p:cNvPr id="2077" name="Picture 2076" descr="A graph of different colors&#10;&#10;Description automatically generated">
+            <a:extLst>
+              <a:ext uri="{FF2B5EF4-FFF2-40B4-BE49-F238E27FC236}">
+                <a16:creationId xmlns:a16="http://schemas.microsoft.com/office/drawing/2014/main" id="{ABC2DF02-1F97-5A10-A3B7-7496A724D5F0}"/>
+              </a:ext>
+            </a:extLst>
+          </p:cNvPr>
+          <p:cNvPicPr>
+            <a:picLocks noChangeAspect="1"/>
+          </p:cNvPicPr>
+          <p:nvPr/>
+        </p:nvPicPr>
+        <p:blipFill rotWithShape="1">
+          <a:blip r:embed="rId13">
+            <a:extLst>
+              <a:ext uri="{28A0092B-C50C-407E-A947-70E740481C1C}">
+                <a14:useLocalDpi xmlns:a14="http://schemas.microsoft.com/office/drawing/2010/main" val="0"/>
+              </a:ext>
+            </a:extLst>
+          </a:blip>
+          <a:srcRect l="26923" t="-4252" b="-1"/>
+          <a:stretch/>
+        </p:blipFill>
+        <p:spPr>
+          <a:xfrm>
+            <a:off x="29688933" y="19409516"/>
+            <a:ext cx="7201128" cy="6226795"/>
+          </a:xfrm>
+          <a:prstGeom prst="rect">
+            <a:avLst/>
+          </a:prstGeom>
+        </p:spPr>
+      </p:pic>
+      <p:sp>
+        <p:nvSpPr>
+          <p:cNvPr id="2065" name="Rectangle 167">
+            <a:extLst>
+              <a:ext uri="{FF2B5EF4-FFF2-40B4-BE49-F238E27FC236}">
+                <a16:creationId xmlns:a16="http://schemas.microsoft.com/office/drawing/2014/main" id="{191575E9-9656-4AFB-D952-20F5CCB155FB}"/>
+              </a:ext>
+            </a:extLst>
+          </p:cNvPr>
+          <p:cNvSpPr>
+            <a:spLocks noChangeArrowheads="1"/>
+          </p:cNvSpPr>
+          <p:nvPr/>
+        </p:nvSpPr>
+        <p:spPr bwMode="auto">
+          <a:xfrm>
+            <a:off x="29489400" y="25407711"/>
+            <a:ext cx="13716000" cy="1371600"/>
+          </a:xfrm>
+          <a:prstGeom prst="roundRect">
+            <a:avLst/>
+          </a:prstGeom>
+          <a:solidFill>
+            <a:srgbClr val="AB0520"/>
+          </a:solidFill>
+          <a:ln w="9525">
+            <a:noFill/>
+            <a:miter lim="800000"/>
+          </a:ln>
+        </p:spPr>
+        <p:txBody>
+          <a:bodyPr wrap="none" lIns="137160" tIns="68580" rIns="137160" bIns="68580" anchor="ctr"/>
+          <a:lstStyle>
+            <a:defPPr>
+              <a:defRPr lang="en-US"/>
+            </a:defPPr>
+            <a:lvl1pPr algn="ctr" rtl="0" fontAlgn="base">
+              <a:spcBef>
+                <a:spcPct val="0"/>
+              </a:spcBef>
+              <a:spcAft>
+                <a:spcPct val="0"/>
+              </a:spcAft>
+              <a:defRPr sz="5733" b="1" kern="1200">
+                <a:solidFill>
+                  <a:srgbClr val="FF9900"/>
+                </a:solidFill>
+                <a:latin typeface="Arial"/>
+                <a:ea typeface="+mn-ea"/>
+                <a:cs typeface="+mn-cs"/>
+              </a:defRPr>
+            </a:lvl1pPr>
+            <a:lvl2pPr marL="609585" algn="ctr" rtl="0" fontAlgn="base">
+              <a:spcBef>
+                <a:spcPct val="0"/>
+              </a:spcBef>
+              <a:spcAft>
+                <a:spcPct val="0"/>
+              </a:spcAft>
+              <a:defRPr sz="5733" b="1" kern="1200">
+                <a:solidFill>
+                  <a:srgbClr val="FF9900"/>
+                </a:solidFill>
+                <a:latin typeface="Arial"/>
+                <a:ea typeface="+mn-ea"/>
+                <a:cs typeface="+mn-cs"/>
+              </a:defRPr>
+            </a:lvl2pPr>
+            <a:lvl3pPr marL="1219170" algn="ctr" rtl="0" fontAlgn="base">
+              <a:spcBef>
+                <a:spcPct val="0"/>
+              </a:spcBef>
+              <a:spcAft>
+                <a:spcPct val="0"/>
+              </a:spcAft>
+              <a:defRPr sz="5733" b="1" kern="1200">
+                <a:solidFill>
+                  <a:srgbClr val="FF9900"/>
+                </a:solidFill>
+                <a:latin typeface="Arial"/>
+                <a:ea typeface="+mn-ea"/>
+                <a:cs typeface="+mn-cs"/>
+              </a:defRPr>
+            </a:lvl3pPr>
+            <a:lvl4pPr marL="1828754" algn="ctr" rtl="0" fontAlgn="base">
+              <a:spcBef>
+                <a:spcPct val="0"/>
+              </a:spcBef>
+              <a:spcAft>
+                <a:spcPct val="0"/>
+              </a:spcAft>
+              <a:defRPr sz="5733" b="1" kern="1200">
+                <a:solidFill>
+                  <a:srgbClr val="FF9900"/>
+                </a:solidFill>
+                <a:latin typeface="Arial"/>
+                <a:ea typeface="+mn-ea"/>
+                <a:cs typeface="+mn-cs"/>
+              </a:defRPr>
+            </a:lvl4pPr>
+            <a:lvl5pPr marL="2438339" algn="ctr" rtl="0" fontAlgn="base">
+              <a:spcBef>
+                <a:spcPct val="0"/>
+              </a:spcBef>
+              <a:spcAft>
+                <a:spcPct val="0"/>
+              </a:spcAft>
+              <a:defRPr sz="5733" b="1" kern="1200">
+                <a:solidFill>
+                  <a:srgbClr val="FF9900"/>
+                </a:solidFill>
+                <a:latin typeface="Arial"/>
+                <a:ea typeface="+mn-ea"/>
+                <a:cs typeface="+mn-cs"/>
+              </a:defRPr>
+            </a:lvl5pPr>
+            <a:lvl6pPr marL="3047924" algn="l" defTabSz="1219170" rtl="0" eaLnBrk="1" latinLnBrk="0" hangingPunct="1">
+              <a:defRPr sz="5733" b="1" kern="1200">
+                <a:solidFill>
+                  <a:srgbClr val="FF9900"/>
+                </a:solidFill>
+                <a:latin typeface="Arial"/>
+                <a:ea typeface="+mn-ea"/>
+                <a:cs typeface="+mn-cs"/>
+              </a:defRPr>
+            </a:lvl6pPr>
+            <a:lvl7pPr marL="3657509" algn="l" defTabSz="1219170" rtl="0" eaLnBrk="1" latinLnBrk="0" hangingPunct="1">
+              <a:defRPr sz="5733" b="1" kern="1200">
+                <a:solidFill>
+                  <a:srgbClr val="FF9900"/>
+                </a:solidFill>
+                <a:latin typeface="Arial"/>
+                <a:ea typeface="+mn-ea"/>
+                <a:cs typeface="+mn-cs"/>
+              </a:defRPr>
+            </a:lvl7pPr>
+            <a:lvl8pPr marL="4267093" algn="l" defTabSz="1219170" rtl="0" eaLnBrk="1" latinLnBrk="0" hangingPunct="1">
+              <a:defRPr sz="5733" b="1" kern="1200">
+                <a:solidFill>
+                  <a:srgbClr val="FF9900"/>
+                </a:solidFill>
+                <a:latin typeface="Arial"/>
+                <a:ea typeface="+mn-ea"/>
+                <a:cs typeface="+mn-cs"/>
+              </a:defRPr>
+            </a:lvl8pPr>
+            <a:lvl9pPr marL="4876678" algn="l" defTabSz="1219170" rtl="0" eaLnBrk="1" latinLnBrk="0" hangingPunct="1">
+              <a:defRPr sz="5733" b="1" kern="1200">
+                <a:solidFill>
+                  <a:srgbClr val="FF9900"/>
+                </a:solidFill>
+                <a:latin typeface="Arial"/>
+                <a:ea typeface="+mn-ea"/>
+                <a:cs typeface="+mn-cs"/>
+              </a:defRPr>
+            </a:lvl9pPr>
+          </a:lstStyle>
+          <a:p>
+            <a:pPr defTabSz="3762187"/>
+            <a:r>
+              <a:rPr lang="en-US" sz="4800" dirty="0">
+                <a:solidFill>
+                  <a:schemeClr val="bg1"/>
+                </a:solidFill>
+                <a:latin typeface="Nunito" panose="00000500000000000000" pitchFamily="2" charset="0"/>
+              </a:rPr>
+              <a:t>Discussion</a:t>
+            </a:r>
+          </a:p>
+        </p:txBody>
+      </p:sp>
+      <p:sp>
+        <p:nvSpPr>
+          <p:cNvPr id="2078" name="Alternate Process 2077">
+            <a:extLst>
+              <a:ext uri="{FF2B5EF4-FFF2-40B4-BE49-F238E27FC236}">
+                <a16:creationId xmlns:a16="http://schemas.microsoft.com/office/drawing/2014/main" id="{042BF01F-7BEE-5ED5-0CCE-DB4058F4C2AA}"/>
+              </a:ext>
+            </a:extLst>
+          </p:cNvPr>
+          <p:cNvSpPr/>
+          <p:nvPr/>
+        </p:nvSpPr>
+        <p:spPr>
+          <a:xfrm>
+            <a:off x="37719000" y="7739742"/>
+            <a:ext cx="5486400" cy="914400"/>
+          </a:xfrm>
+          <a:prstGeom prst="flowChartAlternateProcess">
+            <a:avLst/>
+          </a:prstGeom>
+          <a:ln>
+            <a:noFill/>
+          </a:ln>
+        </p:spPr>
+        <p:style>
+          <a:lnRef idx="2">
+            <a:schemeClr val="accent1">
+              <a:shade val="15000"/>
+            </a:schemeClr>
+          </a:lnRef>
+          <a:fillRef idx="1">
+            <a:schemeClr val="accent1"/>
+          </a:fillRef>
+          <a:effectRef idx="0">
+            <a:schemeClr val="accent1"/>
+          </a:effectRef>
+          <a:fontRef idx="minor">
+            <a:schemeClr val="lt1"/>
+          </a:fontRef>
+        </p:style>
+        <p:txBody>
+          <a:bodyPr rtlCol="0" anchor="ctr"/>
+          <a:lstStyle/>
+          <a:p>
+            <a:pPr algn="ctr"/>
+            <a:r>
+              <a:rPr lang="en-US" sz="3200" b="1" dirty="0">
+                <a:latin typeface="Open Sans" panose="020B0606030504020204" pitchFamily="34" charset="0"/>
+                <a:ea typeface="Open Sans" panose="020B0606030504020204" pitchFamily="34" charset="0"/>
+                <a:cs typeface="Open Sans" panose="020B0606030504020204" pitchFamily="34" charset="0"/>
+              </a:rPr>
+              <a:t>Iran and France</a:t>
+            </a:r>
+          </a:p>
+        </p:txBody>
+      </p:sp>
+      <p:sp>
+        <p:nvSpPr>
+          <p:cNvPr id="2079" name="Alternate Process 2078">
+            <a:extLst>
+              <a:ext uri="{FF2B5EF4-FFF2-40B4-BE49-F238E27FC236}">
+                <a16:creationId xmlns:a16="http://schemas.microsoft.com/office/drawing/2014/main" id="{057F078D-8372-D397-B70D-51D09DA00A81}"/>
+              </a:ext>
+            </a:extLst>
+          </p:cNvPr>
+          <p:cNvSpPr/>
+          <p:nvPr/>
+        </p:nvSpPr>
+        <p:spPr>
+          <a:xfrm>
+            <a:off x="37719000" y="13835743"/>
+            <a:ext cx="5486400" cy="914400"/>
+          </a:xfrm>
+          <a:prstGeom prst="flowChartAlternateProcess">
+            <a:avLst/>
+          </a:prstGeom>
+          <a:ln>
+            <a:noFill/>
+          </a:ln>
+        </p:spPr>
+        <p:style>
+          <a:lnRef idx="2">
+            <a:schemeClr val="accent1">
+              <a:shade val="15000"/>
+            </a:schemeClr>
+          </a:lnRef>
+          <a:fillRef idx="1">
+            <a:schemeClr val="accent1"/>
+          </a:fillRef>
+          <a:effectRef idx="0">
+            <a:schemeClr val="accent1"/>
+          </a:effectRef>
+          <a:fontRef idx="minor">
+            <a:schemeClr val="lt1"/>
+          </a:fontRef>
+        </p:style>
+        <p:txBody>
+          <a:bodyPr rtlCol="0" anchor="ctr"/>
+          <a:lstStyle/>
+          <a:p>
+            <a:pPr algn="ctr"/>
+            <a:r>
+              <a:rPr lang="en-US" sz="3200" b="1" dirty="0">
+                <a:latin typeface="Open Sans" panose="020B0606030504020204" pitchFamily="34" charset="0"/>
+                <a:ea typeface="Open Sans" panose="020B0606030504020204" pitchFamily="34" charset="0"/>
+                <a:cs typeface="Open Sans" panose="020B0606030504020204" pitchFamily="34" charset="0"/>
+              </a:rPr>
+              <a:t>Germany and France</a:t>
+            </a:r>
+          </a:p>
+        </p:txBody>
+      </p:sp>
+      <p:sp>
+        <p:nvSpPr>
+          <p:cNvPr id="2080" name="Alternate Process 2079">
+            <a:extLst>
+              <a:ext uri="{FF2B5EF4-FFF2-40B4-BE49-F238E27FC236}">
+                <a16:creationId xmlns:a16="http://schemas.microsoft.com/office/drawing/2014/main" id="{66EF97C7-7B6E-BF26-C0AD-CC45A4D0F5E8}"/>
+              </a:ext>
+            </a:extLst>
+          </p:cNvPr>
+          <p:cNvSpPr/>
+          <p:nvPr/>
+        </p:nvSpPr>
+        <p:spPr>
+          <a:xfrm>
+            <a:off x="37715157" y="19672663"/>
+            <a:ext cx="5486400" cy="914400"/>
+          </a:xfrm>
+          <a:prstGeom prst="flowChartAlternateProcess">
+            <a:avLst/>
+          </a:prstGeom>
+          <a:ln>
+            <a:noFill/>
+          </a:ln>
+        </p:spPr>
+        <p:style>
+          <a:lnRef idx="2">
+            <a:schemeClr val="accent1">
+              <a:shade val="15000"/>
+            </a:schemeClr>
+          </a:lnRef>
+          <a:fillRef idx="1">
+            <a:schemeClr val="accent1"/>
+          </a:fillRef>
+          <a:effectRef idx="0">
+            <a:schemeClr val="accent1"/>
+          </a:effectRef>
+          <a:fontRef idx="minor">
+            <a:schemeClr val="lt1"/>
+          </a:fontRef>
+        </p:style>
+        <p:txBody>
+          <a:bodyPr rtlCol="0" anchor="ctr"/>
+          <a:lstStyle/>
+          <a:p>
+            <a:pPr algn="ctr"/>
+            <a:r>
+              <a:rPr lang="en-US" sz="3200" b="1" dirty="0">
+                <a:latin typeface="Open Sans" panose="020B0606030504020204" pitchFamily="34" charset="0"/>
+                <a:ea typeface="Open Sans" panose="020B0606030504020204" pitchFamily="34" charset="0"/>
+                <a:cs typeface="Open Sans" panose="020B0606030504020204" pitchFamily="34" charset="0"/>
+              </a:rPr>
+              <a:t>Heligoland and Germany</a:t>
+            </a:r>
+          </a:p>
+        </p:txBody>
+      </p:sp>
+      <p:sp>
+        <p:nvSpPr>
+          <p:cNvPr id="2081" name="TextBox 2080">
+            <a:extLst>
+              <a:ext uri="{FF2B5EF4-FFF2-40B4-BE49-F238E27FC236}">
+                <a16:creationId xmlns:a16="http://schemas.microsoft.com/office/drawing/2014/main" id="{48223E41-8E62-9A27-031C-08D0390B2F52}"/>
+              </a:ext>
+            </a:extLst>
+          </p:cNvPr>
+          <p:cNvSpPr txBox="1"/>
+          <p:nvPr/>
+        </p:nvSpPr>
+        <p:spPr>
+          <a:xfrm>
+            <a:off x="37719000" y="8686800"/>
+            <a:ext cx="5486400" cy="4524315"/>
+          </a:xfrm>
+          <a:prstGeom prst="rect">
+            <a:avLst/>
+          </a:prstGeom>
+          <a:solidFill>
+            <a:schemeClr val="bg1"/>
+          </a:solidFill>
+          <a:ln>
+            <a:noFill/>
+          </a:ln>
+        </p:spPr>
+        <p:txBody>
+          <a:bodyPr wrap="square" rtlCol="0">
+            <a:spAutoFit/>
+          </a:bodyPr>
+          <a:lstStyle>
+            <a:defPPr>
+              <a:defRPr lang="en-US"/>
+            </a:defPPr>
+            <a:lvl1pPr algn="ctr" rtl="0" fontAlgn="base">
+              <a:spcBef>
+                <a:spcPct val="0"/>
+              </a:spcBef>
+              <a:spcAft>
+                <a:spcPct val="0"/>
+              </a:spcAft>
+              <a:defRPr sz="5733" b="1" kern="1200">
+                <a:solidFill>
+                  <a:srgbClr val="FF9900"/>
+                </a:solidFill>
+                <a:latin typeface="Arial"/>
+                <a:ea typeface="+mn-ea"/>
+                <a:cs typeface="+mn-cs"/>
+              </a:defRPr>
+            </a:lvl1pPr>
+            <a:lvl2pPr marL="609585" algn="ctr" rtl="0" fontAlgn="base">
+              <a:spcBef>
+                <a:spcPct val="0"/>
+              </a:spcBef>
+              <a:spcAft>
+                <a:spcPct val="0"/>
+              </a:spcAft>
+              <a:defRPr sz="5733" b="1" kern="1200">
+                <a:solidFill>
+                  <a:srgbClr val="FF9900"/>
+                </a:solidFill>
+                <a:latin typeface="Arial"/>
+                <a:ea typeface="+mn-ea"/>
+                <a:cs typeface="+mn-cs"/>
+              </a:defRPr>
+            </a:lvl2pPr>
+            <a:lvl3pPr marL="1219170" algn="ctr" rtl="0" fontAlgn="base">
+              <a:spcBef>
+                <a:spcPct val="0"/>
+              </a:spcBef>
+              <a:spcAft>
+                <a:spcPct val="0"/>
+              </a:spcAft>
+              <a:defRPr sz="5733" b="1" kern="1200">
+                <a:solidFill>
+                  <a:srgbClr val="FF9900"/>
+                </a:solidFill>
+                <a:latin typeface="Arial"/>
+                <a:ea typeface="+mn-ea"/>
+                <a:cs typeface="+mn-cs"/>
+              </a:defRPr>
+            </a:lvl3pPr>
+            <a:lvl4pPr marL="1828754" algn="ctr" rtl="0" fontAlgn="base">
+              <a:spcBef>
+                <a:spcPct val="0"/>
+              </a:spcBef>
+              <a:spcAft>
+                <a:spcPct val="0"/>
+              </a:spcAft>
+              <a:defRPr sz="5733" b="1" kern="1200">
+                <a:solidFill>
+                  <a:srgbClr val="FF9900"/>
+                </a:solidFill>
+                <a:latin typeface="Arial"/>
+                <a:ea typeface="+mn-ea"/>
+                <a:cs typeface="+mn-cs"/>
+              </a:defRPr>
+            </a:lvl4pPr>
+            <a:lvl5pPr marL="2438339" algn="ctr" rtl="0" fontAlgn="base">
+              <a:spcBef>
+                <a:spcPct val="0"/>
+              </a:spcBef>
+              <a:spcAft>
+                <a:spcPct val="0"/>
+              </a:spcAft>
+              <a:defRPr sz="5733" b="1" kern="1200">
+                <a:solidFill>
+                  <a:srgbClr val="FF9900"/>
+                </a:solidFill>
+                <a:latin typeface="Arial"/>
+                <a:ea typeface="+mn-ea"/>
+                <a:cs typeface="+mn-cs"/>
+              </a:defRPr>
+            </a:lvl5pPr>
+            <a:lvl6pPr marL="3047924" algn="l" defTabSz="1219170" rtl="0" eaLnBrk="1" latinLnBrk="0" hangingPunct="1">
+              <a:defRPr sz="5733" b="1" kern="1200">
+                <a:solidFill>
+                  <a:srgbClr val="FF9900"/>
+                </a:solidFill>
+                <a:latin typeface="Arial"/>
+                <a:ea typeface="+mn-ea"/>
+                <a:cs typeface="+mn-cs"/>
+              </a:defRPr>
+            </a:lvl6pPr>
+            <a:lvl7pPr marL="3657509" algn="l" defTabSz="1219170" rtl="0" eaLnBrk="1" latinLnBrk="0" hangingPunct="1">
+              <a:defRPr sz="5733" b="1" kern="1200">
+                <a:solidFill>
+                  <a:srgbClr val="FF9900"/>
+                </a:solidFill>
+                <a:latin typeface="Arial"/>
+                <a:ea typeface="+mn-ea"/>
+                <a:cs typeface="+mn-cs"/>
+              </a:defRPr>
+            </a:lvl7pPr>
+            <a:lvl8pPr marL="4267093" algn="l" defTabSz="1219170" rtl="0" eaLnBrk="1" latinLnBrk="0" hangingPunct="1">
+              <a:defRPr sz="5733" b="1" kern="1200">
+                <a:solidFill>
+                  <a:srgbClr val="FF9900"/>
+                </a:solidFill>
+                <a:latin typeface="Arial"/>
+                <a:ea typeface="+mn-ea"/>
+                <a:cs typeface="+mn-cs"/>
+              </a:defRPr>
+            </a:lvl8pPr>
+            <a:lvl9pPr marL="4876678" algn="l" defTabSz="1219170" rtl="0" eaLnBrk="1" latinLnBrk="0" hangingPunct="1">
+              <a:defRPr sz="5733" b="1" kern="1200">
+                <a:solidFill>
+                  <a:srgbClr val="FF9900"/>
+                </a:solidFill>
+                <a:latin typeface="Arial"/>
+                <a:ea typeface="+mn-ea"/>
+                <a:cs typeface="+mn-cs"/>
+              </a:defRPr>
+            </a:lvl9pPr>
+          </a:lstStyle>
+          <a:p>
+            <a:pPr algn="l"/>
+            <a:r>
+              <a:rPr lang="en-US" sz="3200" b="0" dirty="0">
+                <a:solidFill>
+                  <a:schemeClr val="tx1"/>
+                </a:solidFill>
+                <a:latin typeface="Open Sans" panose="020B0606030504020204" pitchFamily="34" charset="0"/>
+                <a:ea typeface="Open Sans" panose="020B0606030504020204" pitchFamily="34" charset="0"/>
+                <a:cs typeface="Open Sans" panose="020B0606030504020204" pitchFamily="34" charset="0"/>
+              </a:rPr>
+              <a:t>The best-fitting DFE for the Iranian and French populations has a correlation coefficient (rho) of 0.97. In this model, the mean and standard deviation of the distribution for each population are not equal.</a:t>
+            </a:r>
+          </a:p>
+        </p:txBody>
+      </p:sp>
+      <p:sp>
+        <p:nvSpPr>
+          <p:cNvPr id="2082" name="TextBox 2081">
+            <a:extLst>
+              <a:ext uri="{FF2B5EF4-FFF2-40B4-BE49-F238E27FC236}">
+                <a16:creationId xmlns:a16="http://schemas.microsoft.com/office/drawing/2014/main" id="{F8FE3D08-EDB2-B6EE-0F3A-3979ACC61A74}"/>
+              </a:ext>
+            </a:extLst>
+          </p:cNvPr>
+          <p:cNvSpPr txBox="1"/>
+          <p:nvPr/>
+        </p:nvSpPr>
+        <p:spPr>
+          <a:xfrm>
+            <a:off x="37715157" y="14785848"/>
+            <a:ext cx="5486400" cy="4524315"/>
+          </a:xfrm>
+          <a:prstGeom prst="rect">
+            <a:avLst/>
+          </a:prstGeom>
+          <a:solidFill>
+            <a:schemeClr val="bg1"/>
+          </a:solidFill>
+          <a:ln>
+            <a:noFill/>
+          </a:ln>
+        </p:spPr>
+        <p:txBody>
+          <a:bodyPr wrap="square" rtlCol="0">
+            <a:spAutoFit/>
+          </a:bodyPr>
+          <a:lstStyle>
+            <a:defPPr>
+              <a:defRPr lang="en-US"/>
+            </a:defPPr>
+            <a:lvl1pPr algn="ctr" rtl="0" fontAlgn="base">
+              <a:spcBef>
+                <a:spcPct val="0"/>
+              </a:spcBef>
+              <a:spcAft>
+                <a:spcPct val="0"/>
+              </a:spcAft>
+              <a:defRPr sz="5733" b="1" kern="1200">
+                <a:solidFill>
+                  <a:srgbClr val="FF9900"/>
+                </a:solidFill>
+                <a:latin typeface="Arial"/>
+                <a:ea typeface="+mn-ea"/>
+                <a:cs typeface="+mn-cs"/>
+              </a:defRPr>
+            </a:lvl1pPr>
+            <a:lvl2pPr marL="609585" algn="ctr" rtl="0" fontAlgn="base">
+              <a:spcBef>
+                <a:spcPct val="0"/>
+              </a:spcBef>
+              <a:spcAft>
+                <a:spcPct val="0"/>
+              </a:spcAft>
+              <a:defRPr sz="5733" b="1" kern="1200">
+                <a:solidFill>
+                  <a:srgbClr val="FF9900"/>
+                </a:solidFill>
+                <a:latin typeface="Arial"/>
+                <a:ea typeface="+mn-ea"/>
+                <a:cs typeface="+mn-cs"/>
+              </a:defRPr>
+            </a:lvl2pPr>
+            <a:lvl3pPr marL="1219170" algn="ctr" rtl="0" fontAlgn="base">
+              <a:spcBef>
+                <a:spcPct val="0"/>
+              </a:spcBef>
+              <a:spcAft>
+                <a:spcPct val="0"/>
+              </a:spcAft>
+              <a:defRPr sz="5733" b="1" kern="1200">
+                <a:solidFill>
+                  <a:srgbClr val="FF9900"/>
+                </a:solidFill>
+                <a:latin typeface="Arial"/>
+                <a:ea typeface="+mn-ea"/>
+                <a:cs typeface="+mn-cs"/>
+              </a:defRPr>
+            </a:lvl3pPr>
+            <a:lvl4pPr marL="1828754" algn="ctr" rtl="0" fontAlgn="base">
+              <a:spcBef>
+                <a:spcPct val="0"/>
+              </a:spcBef>
+              <a:spcAft>
+                <a:spcPct val="0"/>
+              </a:spcAft>
+              <a:defRPr sz="5733" b="1" kern="1200">
+                <a:solidFill>
+                  <a:srgbClr val="FF9900"/>
+                </a:solidFill>
+                <a:latin typeface="Arial"/>
+                <a:ea typeface="+mn-ea"/>
+                <a:cs typeface="+mn-cs"/>
+              </a:defRPr>
+            </a:lvl4pPr>
+            <a:lvl5pPr marL="2438339" algn="ctr" rtl="0" fontAlgn="base">
+              <a:spcBef>
+                <a:spcPct val="0"/>
+              </a:spcBef>
+              <a:spcAft>
+                <a:spcPct val="0"/>
+              </a:spcAft>
+              <a:defRPr sz="5733" b="1" kern="1200">
+                <a:solidFill>
+                  <a:srgbClr val="FF9900"/>
+                </a:solidFill>
+                <a:latin typeface="Arial"/>
+                <a:ea typeface="+mn-ea"/>
+                <a:cs typeface="+mn-cs"/>
+              </a:defRPr>
+            </a:lvl5pPr>
+            <a:lvl6pPr marL="3047924" algn="l" defTabSz="1219170" rtl="0" eaLnBrk="1" latinLnBrk="0" hangingPunct="1">
+              <a:defRPr sz="5733" b="1" kern="1200">
+                <a:solidFill>
+                  <a:srgbClr val="FF9900"/>
+                </a:solidFill>
+                <a:latin typeface="Arial"/>
+                <a:ea typeface="+mn-ea"/>
+                <a:cs typeface="+mn-cs"/>
+              </a:defRPr>
+            </a:lvl6pPr>
+            <a:lvl7pPr marL="3657509" algn="l" defTabSz="1219170" rtl="0" eaLnBrk="1" latinLnBrk="0" hangingPunct="1">
+              <a:defRPr sz="5733" b="1" kern="1200">
+                <a:solidFill>
+                  <a:srgbClr val="FF9900"/>
+                </a:solidFill>
+                <a:latin typeface="Arial"/>
+                <a:ea typeface="+mn-ea"/>
+                <a:cs typeface="+mn-cs"/>
+              </a:defRPr>
+            </a:lvl7pPr>
+            <a:lvl8pPr marL="4267093" algn="l" defTabSz="1219170" rtl="0" eaLnBrk="1" latinLnBrk="0" hangingPunct="1">
+              <a:defRPr sz="5733" b="1" kern="1200">
+                <a:solidFill>
+                  <a:srgbClr val="FF9900"/>
+                </a:solidFill>
+                <a:latin typeface="Arial"/>
+                <a:ea typeface="+mn-ea"/>
+                <a:cs typeface="+mn-cs"/>
+              </a:defRPr>
+            </a:lvl8pPr>
+            <a:lvl9pPr marL="4876678" algn="l" defTabSz="1219170" rtl="0" eaLnBrk="1" latinLnBrk="0" hangingPunct="1">
+              <a:defRPr sz="5733" b="1" kern="1200">
+                <a:solidFill>
+                  <a:srgbClr val="FF9900"/>
+                </a:solidFill>
+                <a:latin typeface="Arial"/>
+                <a:ea typeface="+mn-ea"/>
+                <a:cs typeface="+mn-cs"/>
+              </a:defRPr>
+            </a:lvl9pPr>
+          </a:lstStyle>
+          <a:p>
+            <a:pPr algn="l"/>
+            <a:r>
+              <a:rPr lang="en-US" sz="3200" b="0" dirty="0">
+                <a:solidFill>
+                  <a:schemeClr val="tx1"/>
+                </a:solidFill>
+                <a:latin typeface="Open Sans" panose="020B0606030504020204" pitchFamily="34" charset="0"/>
+                <a:ea typeface="Open Sans" panose="020B0606030504020204" pitchFamily="34" charset="0"/>
+                <a:cs typeface="Open Sans" panose="020B0606030504020204" pitchFamily="34" charset="0"/>
+              </a:rPr>
+              <a:t>The best-fitting DFE for the German and French populations has perfect correlation between fitness effects in the two populations. The mean and standard deviation of the distribution for each population are equal.</a:t>
+            </a:r>
+          </a:p>
+        </p:txBody>
+      </p:sp>
+      <p:sp>
+        <p:nvSpPr>
+          <p:cNvPr id="2083" name="TextBox 2082">
+            <a:extLst>
+              <a:ext uri="{FF2B5EF4-FFF2-40B4-BE49-F238E27FC236}">
+                <a16:creationId xmlns:a16="http://schemas.microsoft.com/office/drawing/2014/main" id="{10277FFA-A196-4D1F-F368-E8CD6C6121AE}"/>
+              </a:ext>
+            </a:extLst>
+          </p:cNvPr>
+          <p:cNvSpPr txBox="1"/>
+          <p:nvPr/>
+        </p:nvSpPr>
+        <p:spPr>
+          <a:xfrm>
+            <a:off x="37719000" y="20621684"/>
+            <a:ext cx="5486400" cy="4524315"/>
+          </a:xfrm>
+          <a:prstGeom prst="rect">
+            <a:avLst/>
+          </a:prstGeom>
+          <a:solidFill>
+            <a:schemeClr val="bg1"/>
+          </a:solidFill>
+          <a:ln>
+            <a:noFill/>
+          </a:ln>
+        </p:spPr>
+        <p:txBody>
+          <a:bodyPr wrap="square" rtlCol="0">
+            <a:spAutoFit/>
+          </a:bodyPr>
+          <a:lstStyle>
+            <a:defPPr>
+              <a:defRPr lang="en-US"/>
+            </a:defPPr>
+            <a:lvl1pPr algn="ctr" rtl="0" fontAlgn="base">
+              <a:spcBef>
+                <a:spcPct val="0"/>
+              </a:spcBef>
+              <a:spcAft>
+                <a:spcPct val="0"/>
+              </a:spcAft>
+              <a:defRPr sz="5733" b="1" kern="1200">
+                <a:solidFill>
+                  <a:srgbClr val="FF9900"/>
+                </a:solidFill>
+                <a:latin typeface="Arial"/>
+                <a:ea typeface="+mn-ea"/>
+                <a:cs typeface="+mn-cs"/>
+              </a:defRPr>
+            </a:lvl1pPr>
+            <a:lvl2pPr marL="609585" algn="ctr" rtl="0" fontAlgn="base">
+              <a:spcBef>
+                <a:spcPct val="0"/>
+              </a:spcBef>
+              <a:spcAft>
+                <a:spcPct val="0"/>
+              </a:spcAft>
+              <a:defRPr sz="5733" b="1" kern="1200">
+                <a:solidFill>
+                  <a:srgbClr val="FF9900"/>
+                </a:solidFill>
+                <a:latin typeface="Arial"/>
+                <a:ea typeface="+mn-ea"/>
+                <a:cs typeface="+mn-cs"/>
+              </a:defRPr>
+            </a:lvl2pPr>
+            <a:lvl3pPr marL="1219170" algn="ctr" rtl="0" fontAlgn="base">
+              <a:spcBef>
+                <a:spcPct val="0"/>
+              </a:spcBef>
+              <a:spcAft>
+                <a:spcPct val="0"/>
+              </a:spcAft>
+              <a:defRPr sz="5733" b="1" kern="1200">
+                <a:solidFill>
+                  <a:srgbClr val="FF9900"/>
+                </a:solidFill>
+                <a:latin typeface="Arial"/>
+                <a:ea typeface="+mn-ea"/>
+                <a:cs typeface="+mn-cs"/>
+              </a:defRPr>
+            </a:lvl3pPr>
+            <a:lvl4pPr marL="1828754" algn="ctr" rtl="0" fontAlgn="base">
+              <a:spcBef>
+                <a:spcPct val="0"/>
+              </a:spcBef>
+              <a:spcAft>
+                <a:spcPct val="0"/>
+              </a:spcAft>
+              <a:defRPr sz="5733" b="1" kern="1200">
+                <a:solidFill>
+                  <a:srgbClr val="FF9900"/>
+                </a:solidFill>
+                <a:latin typeface="Arial"/>
+                <a:ea typeface="+mn-ea"/>
+                <a:cs typeface="+mn-cs"/>
+              </a:defRPr>
+            </a:lvl4pPr>
+            <a:lvl5pPr marL="2438339" algn="ctr" rtl="0" fontAlgn="base">
+              <a:spcBef>
+                <a:spcPct val="0"/>
+              </a:spcBef>
+              <a:spcAft>
+                <a:spcPct val="0"/>
+              </a:spcAft>
+              <a:defRPr sz="5733" b="1" kern="1200">
+                <a:solidFill>
+                  <a:srgbClr val="FF9900"/>
+                </a:solidFill>
+                <a:latin typeface="Arial"/>
+                <a:ea typeface="+mn-ea"/>
+                <a:cs typeface="+mn-cs"/>
+              </a:defRPr>
+            </a:lvl5pPr>
+            <a:lvl6pPr marL="3047924" algn="l" defTabSz="1219170" rtl="0" eaLnBrk="1" latinLnBrk="0" hangingPunct="1">
+              <a:defRPr sz="5733" b="1" kern="1200">
+                <a:solidFill>
+                  <a:srgbClr val="FF9900"/>
+                </a:solidFill>
+                <a:latin typeface="Arial"/>
+                <a:ea typeface="+mn-ea"/>
+                <a:cs typeface="+mn-cs"/>
+              </a:defRPr>
+            </a:lvl6pPr>
+            <a:lvl7pPr marL="3657509" algn="l" defTabSz="1219170" rtl="0" eaLnBrk="1" latinLnBrk="0" hangingPunct="1">
+              <a:defRPr sz="5733" b="1" kern="1200">
+                <a:solidFill>
+                  <a:srgbClr val="FF9900"/>
+                </a:solidFill>
+                <a:latin typeface="Arial"/>
+                <a:ea typeface="+mn-ea"/>
+                <a:cs typeface="+mn-cs"/>
+              </a:defRPr>
+            </a:lvl7pPr>
+            <a:lvl8pPr marL="4267093" algn="l" defTabSz="1219170" rtl="0" eaLnBrk="1" latinLnBrk="0" hangingPunct="1">
+              <a:defRPr sz="5733" b="1" kern="1200">
+                <a:solidFill>
+                  <a:srgbClr val="FF9900"/>
+                </a:solidFill>
+                <a:latin typeface="Arial"/>
+                <a:ea typeface="+mn-ea"/>
+                <a:cs typeface="+mn-cs"/>
+              </a:defRPr>
+            </a:lvl8pPr>
+            <a:lvl9pPr marL="4876678" algn="l" defTabSz="1219170" rtl="0" eaLnBrk="1" latinLnBrk="0" hangingPunct="1">
+              <a:defRPr sz="5733" b="1" kern="1200">
+                <a:solidFill>
+                  <a:srgbClr val="FF9900"/>
+                </a:solidFill>
+                <a:latin typeface="Arial"/>
+                <a:ea typeface="+mn-ea"/>
+                <a:cs typeface="+mn-cs"/>
+              </a:defRPr>
+            </a:lvl9pPr>
+          </a:lstStyle>
+          <a:p>
+            <a:pPr algn="l"/>
+            <a:r>
+              <a:rPr lang="en-US" sz="3200" b="0" dirty="0">
+                <a:solidFill>
+                  <a:schemeClr val="tx1"/>
+                </a:solidFill>
+                <a:latin typeface="Open Sans" panose="020B0606030504020204" pitchFamily="34" charset="0"/>
+                <a:ea typeface="Open Sans" panose="020B0606030504020204" pitchFamily="34" charset="0"/>
+                <a:cs typeface="Open Sans" panose="020B0606030504020204" pitchFamily="34" charset="0"/>
+              </a:rPr>
+              <a:t>The best-fitting DFE for the populations from Germany and Heligoland has a correlation coefficient (rho) of 0.98. In this model, the mean and standard deviation of the distribution for each population are equal.</a:t>
+            </a:r>
+          </a:p>
+        </p:txBody>
+      </p:sp>
+      <p:sp>
+        <p:nvSpPr>
+          <p:cNvPr id="2085" name="TextBox 2084">
+            <a:extLst>
+              <a:ext uri="{FF2B5EF4-FFF2-40B4-BE49-F238E27FC236}">
+                <a16:creationId xmlns:a16="http://schemas.microsoft.com/office/drawing/2014/main" id="{92699C4A-DA33-FCDE-4AD1-F1AB9A1A4577}"/>
+              </a:ext>
+            </a:extLst>
+          </p:cNvPr>
+          <p:cNvSpPr txBox="1"/>
+          <p:nvPr/>
+        </p:nvSpPr>
+        <p:spPr>
+          <a:xfrm>
+            <a:off x="24351954" y="35433000"/>
+            <a:ext cx="4191965" cy="584775"/>
+          </a:xfrm>
+          <a:prstGeom prst="rect">
+            <a:avLst/>
+          </a:prstGeom>
+          <a:noFill/>
+        </p:spPr>
+        <p:txBody>
+          <a:bodyPr wrap="square">
+            <a:spAutoFit/>
+          </a:bodyPr>
+          <a:lstStyle/>
+          <a:p>
+            <a:pPr algn="ctr"/>
+            <a:r>
+              <a:rPr lang="en-US" sz="3200" u="sng" dirty="0">
+                <a:solidFill>
+                  <a:schemeClr val="tx1"/>
+                </a:solidFill>
+                <a:latin typeface="Open Sans" panose="020B0606030504020204" pitchFamily="34" charset="0"/>
+                <a:ea typeface="Open Sans" panose="020B0606030504020204" pitchFamily="34" charset="0"/>
+                <a:cs typeface="Open Sans" panose="020B0606030504020204" pitchFamily="34" charset="0"/>
+              </a:rPr>
+              <a:t>Inbreeding Estimates</a:t>
+            </a:r>
+            <a:endParaRPr lang="en-US" sz="3200" dirty="0"/>
+          </a:p>
+        </p:txBody>
+      </p:sp>
+      <p:sp>
+        <p:nvSpPr>
+          <p:cNvPr id="2093" name="Rectangle 167">
+            <a:extLst>
+              <a:ext uri="{FF2B5EF4-FFF2-40B4-BE49-F238E27FC236}">
+                <a16:creationId xmlns:a16="http://schemas.microsoft.com/office/drawing/2014/main" id="{910D5AC7-0C84-41D0-0D2A-DE81CA27917E}"/>
+              </a:ext>
+            </a:extLst>
+          </p:cNvPr>
+          <p:cNvSpPr>
+            <a:spLocks noChangeArrowheads="1"/>
+          </p:cNvSpPr>
+          <p:nvPr/>
+        </p:nvSpPr>
+        <p:spPr bwMode="auto">
+          <a:xfrm>
+            <a:off x="29489400" y="36915983"/>
+            <a:ext cx="13716000" cy="1371600"/>
+          </a:xfrm>
+          <a:prstGeom prst="roundRect">
+            <a:avLst/>
+          </a:prstGeom>
+          <a:solidFill>
+            <a:srgbClr val="AB0520"/>
+          </a:solidFill>
+          <a:ln w="9525">
+            <a:noFill/>
+            <a:miter lim="800000"/>
+          </a:ln>
+        </p:spPr>
+        <p:txBody>
+          <a:bodyPr wrap="none" lIns="137160" tIns="68580" rIns="137160" bIns="68580" anchor="ctr"/>
+          <a:lstStyle>
+            <a:defPPr>
+              <a:defRPr lang="en-US"/>
+            </a:defPPr>
+            <a:lvl1pPr algn="ctr" rtl="0" fontAlgn="base">
+              <a:spcBef>
+                <a:spcPct val="0"/>
+              </a:spcBef>
+              <a:spcAft>
+                <a:spcPct val="0"/>
+              </a:spcAft>
+              <a:defRPr sz="5733" b="1" kern="1200">
+                <a:solidFill>
+                  <a:srgbClr val="FF9900"/>
+                </a:solidFill>
+                <a:latin typeface="Arial"/>
+                <a:ea typeface="+mn-ea"/>
+                <a:cs typeface="+mn-cs"/>
+              </a:defRPr>
+            </a:lvl1pPr>
+            <a:lvl2pPr marL="609585" algn="ctr" rtl="0" fontAlgn="base">
+              <a:spcBef>
+                <a:spcPct val="0"/>
+              </a:spcBef>
+              <a:spcAft>
+                <a:spcPct val="0"/>
+              </a:spcAft>
+              <a:defRPr sz="5733" b="1" kern="1200">
+                <a:solidFill>
+                  <a:srgbClr val="FF9900"/>
+                </a:solidFill>
+                <a:latin typeface="Arial"/>
+                <a:ea typeface="+mn-ea"/>
+                <a:cs typeface="+mn-cs"/>
+              </a:defRPr>
+            </a:lvl2pPr>
+            <a:lvl3pPr marL="1219170" algn="ctr" rtl="0" fontAlgn="base">
+              <a:spcBef>
+                <a:spcPct val="0"/>
+              </a:spcBef>
+              <a:spcAft>
+                <a:spcPct val="0"/>
+              </a:spcAft>
+              <a:defRPr sz="5733" b="1" kern="1200">
+                <a:solidFill>
+                  <a:srgbClr val="FF9900"/>
+                </a:solidFill>
+                <a:latin typeface="Arial"/>
+                <a:ea typeface="+mn-ea"/>
+                <a:cs typeface="+mn-cs"/>
+              </a:defRPr>
+            </a:lvl3pPr>
+            <a:lvl4pPr marL="1828754" algn="ctr" rtl="0" fontAlgn="base">
+              <a:spcBef>
+                <a:spcPct val="0"/>
+              </a:spcBef>
+              <a:spcAft>
+                <a:spcPct val="0"/>
+              </a:spcAft>
+              <a:defRPr sz="5733" b="1" kern="1200">
+                <a:solidFill>
+                  <a:srgbClr val="FF9900"/>
+                </a:solidFill>
+                <a:latin typeface="Arial"/>
+                <a:ea typeface="+mn-ea"/>
+                <a:cs typeface="+mn-cs"/>
+              </a:defRPr>
+            </a:lvl4pPr>
+            <a:lvl5pPr marL="2438339" algn="ctr" rtl="0" fontAlgn="base">
+              <a:spcBef>
+                <a:spcPct val="0"/>
+              </a:spcBef>
+              <a:spcAft>
+                <a:spcPct val="0"/>
+              </a:spcAft>
+              <a:defRPr sz="5733" b="1" kern="1200">
+                <a:solidFill>
+                  <a:srgbClr val="FF9900"/>
+                </a:solidFill>
+                <a:latin typeface="Arial"/>
+                <a:ea typeface="+mn-ea"/>
+                <a:cs typeface="+mn-cs"/>
+              </a:defRPr>
+            </a:lvl5pPr>
+            <a:lvl6pPr marL="3047924" algn="l" defTabSz="1219170" rtl="0" eaLnBrk="1" latinLnBrk="0" hangingPunct="1">
+              <a:defRPr sz="5733" b="1" kern="1200">
+                <a:solidFill>
+                  <a:srgbClr val="FF9900"/>
+                </a:solidFill>
+                <a:latin typeface="Arial"/>
+                <a:ea typeface="+mn-ea"/>
+                <a:cs typeface="+mn-cs"/>
+              </a:defRPr>
+            </a:lvl6pPr>
+            <a:lvl7pPr marL="3657509" algn="l" defTabSz="1219170" rtl="0" eaLnBrk="1" latinLnBrk="0" hangingPunct="1">
+              <a:defRPr sz="5733" b="1" kern="1200">
+                <a:solidFill>
+                  <a:srgbClr val="FF9900"/>
+                </a:solidFill>
+                <a:latin typeface="Arial"/>
+                <a:ea typeface="+mn-ea"/>
+                <a:cs typeface="+mn-cs"/>
+              </a:defRPr>
+            </a:lvl7pPr>
+            <a:lvl8pPr marL="4267093" algn="l" defTabSz="1219170" rtl="0" eaLnBrk="1" latinLnBrk="0" hangingPunct="1">
+              <a:defRPr sz="5733" b="1" kern="1200">
+                <a:solidFill>
+                  <a:srgbClr val="FF9900"/>
+                </a:solidFill>
+                <a:latin typeface="Arial"/>
+                <a:ea typeface="+mn-ea"/>
+                <a:cs typeface="+mn-cs"/>
+              </a:defRPr>
+            </a:lvl8pPr>
+            <a:lvl9pPr marL="4876678" algn="l" defTabSz="1219170" rtl="0" eaLnBrk="1" latinLnBrk="0" hangingPunct="1">
+              <a:defRPr sz="5733" b="1" kern="1200">
+                <a:solidFill>
+                  <a:srgbClr val="FF9900"/>
+                </a:solidFill>
+                <a:latin typeface="Arial"/>
+                <a:ea typeface="+mn-ea"/>
+                <a:cs typeface="+mn-cs"/>
+              </a:defRPr>
+            </a:lvl9pPr>
+          </a:lstStyle>
+          <a:p>
+            <a:pPr defTabSz="3762187"/>
+            <a:r>
+              <a:rPr lang="en-US" sz="4800" dirty="0">
+                <a:solidFill>
+                  <a:schemeClr val="bg1"/>
+                </a:solidFill>
+                <a:latin typeface="Nunito" panose="00000500000000000000" pitchFamily="2" charset="0"/>
+              </a:rPr>
+              <a:t>References</a:t>
+            </a:r>
+          </a:p>
+        </p:txBody>
+      </p:sp>
+      <p:sp>
+        <p:nvSpPr>
+          <p:cNvPr id="2094" name="Alternate Process 2093">
+            <a:extLst>
+              <a:ext uri="{FF2B5EF4-FFF2-40B4-BE49-F238E27FC236}">
+                <a16:creationId xmlns:a16="http://schemas.microsoft.com/office/drawing/2014/main" id="{1F626E50-8B63-3114-3F15-7F03D9D6A325}"/>
+              </a:ext>
+            </a:extLst>
+          </p:cNvPr>
+          <p:cNvSpPr/>
+          <p:nvPr/>
+        </p:nvSpPr>
+        <p:spPr>
+          <a:xfrm>
+            <a:off x="20986047" y="11759215"/>
+            <a:ext cx="7495955" cy="685800"/>
+          </a:xfrm>
+          <a:prstGeom prst="flowChartAlternateProcess">
+            <a:avLst/>
+          </a:prstGeom>
+          <a:solidFill>
+            <a:schemeClr val="bg1"/>
+          </a:solidFill>
+          <a:ln>
+            <a:noFill/>
+          </a:ln>
+        </p:spPr>
+        <p:style>
+          <a:lnRef idx="2">
+            <a:schemeClr val="accent1">
+              <a:shade val="15000"/>
+            </a:schemeClr>
+          </a:lnRef>
+          <a:fillRef idx="1">
+            <a:schemeClr val="accent1"/>
+          </a:fillRef>
+          <a:effectRef idx="0">
+            <a:schemeClr val="accent1"/>
+          </a:effectRef>
+          <a:fontRef idx="minor">
+            <a:schemeClr val="lt1"/>
+          </a:fontRef>
+        </p:style>
+        <p:txBody>
+          <a:bodyPr rtlCol="0" anchor="ctr"/>
+          <a:lstStyle/>
+          <a:p>
+            <a:pPr algn="ctr"/>
+            <a:r>
+              <a:rPr lang="en-US" sz="2400" dirty="0">
+                <a:solidFill>
+                  <a:schemeClr val="tx1"/>
+                </a:solidFill>
+                <a:latin typeface="Open Sans" panose="020B0606030504020204" pitchFamily="34" charset="0"/>
+                <a:ea typeface="Open Sans" panose="020B0606030504020204" pitchFamily="34" charset="0"/>
+                <a:cs typeface="Open Sans" panose="020B0606030504020204" pitchFamily="34" charset="0"/>
+              </a:rPr>
+              <a:t>Image modified from Harr et al. 2016</a:t>
+            </a:r>
+          </a:p>
+        </p:txBody>
+      </p:sp>
+      <p:graphicFrame>
+        <p:nvGraphicFramePr>
+          <p:cNvPr id="2095" name="Table 2094">
+            <a:extLst>
+              <a:ext uri="{FF2B5EF4-FFF2-40B4-BE49-F238E27FC236}">
+                <a16:creationId xmlns:a16="http://schemas.microsoft.com/office/drawing/2014/main" id="{0DB532B1-8151-7C93-FB46-96E9C57903BB}"/>
+              </a:ext>
+            </a:extLst>
+          </p:cNvPr>
+          <p:cNvGraphicFramePr>
+            <a:graphicFrameLocks noGrp="1"/>
+          </p:cNvGraphicFramePr>
+          <p:nvPr>
+            <p:extLst>
+              <p:ext uri="{D42A27DB-BD31-4B8C-83A1-F6EECF244321}">
+                <p14:modId xmlns:p14="http://schemas.microsoft.com/office/powerpoint/2010/main" val="205941613"/>
+              </p:ext>
+            </p:extLst>
+          </p:nvPr>
+        </p:nvGraphicFramePr>
+        <p:xfrm>
+          <a:off x="29476644" y="38305037"/>
+          <a:ext cx="13703244" cy="4297680"/>
+        </p:xfrm>
+        <a:graphic>
+          <a:graphicData uri="http://schemas.openxmlformats.org/drawingml/2006/table">
+            <a:tbl>
+              <a:tblPr firstRow="1" bandRow="1">
+                <a:tableStyleId>{5C22544A-7EE6-4342-B048-85BDC9FD1C3A}</a:tableStyleId>
+              </a:tblPr>
+              <a:tblGrid>
+                <a:gridCol w="6851622">
+                  <a:extLst>
+                    <a:ext uri="{9D8B030D-6E8A-4147-A177-3AD203B41FA5}">
+                      <a16:colId xmlns:a16="http://schemas.microsoft.com/office/drawing/2014/main" val="2098887085"/>
+                    </a:ext>
+                  </a:extLst>
+                </a:gridCol>
+                <a:gridCol w="6851622">
+                  <a:extLst>
+                    <a:ext uri="{9D8B030D-6E8A-4147-A177-3AD203B41FA5}">
+                      <a16:colId xmlns:a16="http://schemas.microsoft.com/office/drawing/2014/main" val="2549916440"/>
+                    </a:ext>
+                  </a:extLst>
+                </a:gridCol>
+              </a:tblGrid>
+              <a:tr h="457200">
+                <a:tc>
+                  <a:txBody>
+                    <a:bodyPr/>
+                    <a:lstStyle/>
+                    <a:p>
+                      <a:pPr marL="0" marR="0" lvl="0" indent="0" algn="l" defTabSz="914400" rtl="0" eaLnBrk="1" fontAlgn="auto" latinLnBrk="0" hangingPunct="1">
+                        <a:lnSpc>
+                          <a:spcPct val="100000"/>
+                        </a:lnSpc>
+                        <a:spcBef>
+                          <a:spcPts val="0"/>
+                        </a:spcBef>
+                        <a:spcAft>
+                          <a:spcPts val="0"/>
+                        </a:spcAft>
+                        <a:buClrTx/>
+                        <a:buSzTx/>
+                        <a:buFontTx/>
+                        <a:buNone/>
+                        <a:tabLst/>
+                        <a:defRPr/>
+                      </a:pPr>
+                      <a:r>
+                        <a:rPr lang="en-US" sz="2800" b="0" kern="1200" dirty="0">
+                          <a:solidFill>
+                            <a:schemeClr val="tx1"/>
+                          </a:solidFill>
+                          <a:effectLst/>
+                          <a:latin typeface="Open Sans" panose="020B0606030504020204" pitchFamily="34" charset="0"/>
+                          <a:ea typeface="Open Sans" panose="020B0606030504020204" pitchFamily="34" charset="0"/>
+                          <a:cs typeface="Open Sans" panose="020B0606030504020204" pitchFamily="34" charset="0"/>
+                        </a:rPr>
+                        <a:t>1. </a:t>
+                      </a:r>
+                      <a:r>
+                        <a:rPr lang="en-US" sz="2800" b="0" kern="1200" dirty="0" err="1">
+                          <a:solidFill>
+                            <a:schemeClr val="tx1"/>
+                          </a:solidFill>
+                          <a:effectLst/>
+                          <a:latin typeface="Open Sans" panose="020B0606030504020204" pitchFamily="34" charset="0"/>
+                          <a:ea typeface="Open Sans" panose="020B0606030504020204" pitchFamily="34" charset="0"/>
+                          <a:cs typeface="Open Sans" panose="020B0606030504020204" pitchFamily="34" charset="0"/>
+                        </a:rPr>
+                        <a:t>Gutenkunst</a:t>
+                      </a:r>
+                      <a:r>
+                        <a:rPr lang="en-US" sz="2800" b="0" kern="1200" dirty="0">
+                          <a:solidFill>
+                            <a:schemeClr val="tx1"/>
+                          </a:solidFill>
+                          <a:effectLst/>
+                          <a:latin typeface="Open Sans" panose="020B0606030504020204" pitchFamily="34" charset="0"/>
+                          <a:ea typeface="Open Sans" panose="020B0606030504020204" pitchFamily="34" charset="0"/>
+                          <a:cs typeface="Open Sans" panose="020B0606030504020204" pitchFamily="34" charset="0"/>
+                        </a:rPr>
+                        <a:t> et al. (2009) PLOS Genet:1000695. </a:t>
+                      </a:r>
+                    </a:p>
+                  </a:txBody>
+                  <a:tcPr>
+                    <a:lnL w="12700" cap="flat" cmpd="sng" algn="ctr">
+                      <a:noFill/>
+                      <a:prstDash val="solid"/>
+                      <a:round/>
+                      <a:headEnd type="none" w="med" len="med"/>
+                      <a:tailEnd type="none" w="med" len="med"/>
+                    </a:lnL>
+                    <a:lnR w="12700" cap="flat" cmpd="sng" algn="ctr">
+                      <a:noFill/>
+                      <a:prstDash val="solid"/>
+                      <a:round/>
+                      <a:headEnd type="none" w="med" len="med"/>
+                      <a:tailEnd type="none" w="med" len="med"/>
+                    </a:lnR>
+                    <a:lnT w="12700" cap="flat" cmpd="sng" algn="ctr">
+                      <a:noFill/>
+                      <a:prstDash val="solid"/>
+                      <a:round/>
+                      <a:headEnd type="none" w="med" len="med"/>
+                      <a:tailEnd type="none" w="med" len="med"/>
+                    </a:lnT>
+                    <a:lnB w="12700" cap="flat" cmpd="sng" algn="ctr">
+                      <a:noFill/>
+                      <a:prstDash val="solid"/>
+                      <a:round/>
+                      <a:headEnd type="none" w="med" len="med"/>
+                      <a:tailEnd type="none" w="med" len="med"/>
+                    </a:lnB>
+                    <a:lnTlToBr w="12700" cmpd="sng">
+                      <a:noFill/>
+                      <a:prstDash val="solid"/>
+                    </a:lnTlToBr>
+                    <a:lnBlToTr w="12700" cmpd="sng">
+                      <a:noFill/>
+                      <a:prstDash val="solid"/>
+                    </a:lnBlToTr>
+                    <a:noFill/>
+                  </a:tcPr>
+                </a:tc>
+                <a:tc>
+                  <a:txBody>
+                    <a:bodyPr/>
+                    <a:lstStyle/>
+                    <a:p>
+                      <a:pPr marL="0" marR="0" lvl="0" indent="0" algn="l" defTabSz="914400" rtl="0" eaLnBrk="1" fontAlgn="auto" latinLnBrk="0" hangingPunct="1">
+                        <a:lnSpc>
+                          <a:spcPct val="100000"/>
+                        </a:lnSpc>
+                        <a:spcBef>
+                          <a:spcPts val="0"/>
+                        </a:spcBef>
+                        <a:spcAft>
+                          <a:spcPts val="0"/>
+                        </a:spcAft>
+                        <a:buClrTx/>
+                        <a:buSzTx/>
+                        <a:buFontTx/>
+                        <a:buNone/>
+                        <a:tabLst/>
+                        <a:defRPr/>
+                      </a:pPr>
+                      <a:r>
+                        <a:rPr lang="en-US" sz="2800" b="0" dirty="0">
+                          <a:solidFill>
+                            <a:schemeClr val="tx1"/>
+                          </a:solidFill>
+                          <a:latin typeface="Open Sans" panose="020B0606030504020204" pitchFamily="34" charset="0"/>
+                          <a:ea typeface="Open Sans" panose="020B0606030504020204" pitchFamily="34" charset="0"/>
+                          <a:cs typeface="Open Sans" panose="020B0606030504020204" pitchFamily="34" charset="0"/>
+                        </a:rPr>
+                        <a:t>6. </a:t>
+                      </a:r>
+                      <a:r>
+                        <a:rPr lang="en-US" sz="2800" b="0" kern="1200" dirty="0">
+                          <a:solidFill>
+                            <a:schemeClr val="tx1"/>
+                          </a:solidFill>
+                          <a:effectLst/>
+                          <a:latin typeface="Open Sans" panose="020B0606030504020204" pitchFamily="34" charset="0"/>
+                          <a:ea typeface="Open Sans" panose="020B0606030504020204" pitchFamily="34" charset="0"/>
+                          <a:cs typeface="Open Sans" panose="020B0606030504020204" pitchFamily="34" charset="0"/>
+                        </a:rPr>
+                        <a:t>Huang et al. (2023) </a:t>
+                      </a:r>
+                      <a:r>
+                        <a:rPr lang="en-US" sz="2800" b="0" kern="1200" dirty="0" err="1">
+                          <a:solidFill>
+                            <a:schemeClr val="tx1"/>
+                          </a:solidFill>
+                          <a:effectLst/>
+                          <a:latin typeface="Open Sans" panose="020B0606030504020204" pitchFamily="34" charset="0"/>
+                          <a:ea typeface="Open Sans" panose="020B0606030504020204" pitchFamily="34" charset="0"/>
+                          <a:cs typeface="Open Sans" panose="020B0606030504020204" pitchFamily="34" charset="0"/>
+                        </a:rPr>
+                        <a:t>bioRxiv:p</a:t>
+                      </a:r>
+                      <a:r>
+                        <a:rPr lang="en-US" sz="2800" b="0" kern="1200" dirty="0">
+                          <a:solidFill>
+                            <a:schemeClr val="tx1"/>
+                          </a:solidFill>
+                          <a:effectLst/>
+                          <a:latin typeface="Open Sans" panose="020B0606030504020204" pitchFamily="34" charset="0"/>
+                          <a:ea typeface="Open Sans" panose="020B0606030504020204" pitchFamily="34" charset="0"/>
+                          <a:cs typeface="Open Sans" panose="020B0606030504020204" pitchFamily="34" charset="0"/>
+                        </a:rPr>
+                        <a:t>. 2023.06.15.545182. </a:t>
+                      </a:r>
+                    </a:p>
+                  </a:txBody>
+                  <a:tcPr>
+                    <a:lnL w="12700" cap="flat" cmpd="sng" algn="ctr">
+                      <a:noFill/>
+                      <a:prstDash val="solid"/>
+                      <a:round/>
+                      <a:headEnd type="none" w="med" len="med"/>
+                      <a:tailEnd type="none" w="med" len="med"/>
+                    </a:lnL>
+                    <a:lnR w="12700" cap="flat" cmpd="sng" algn="ctr">
+                      <a:noFill/>
+                      <a:prstDash val="solid"/>
+                      <a:round/>
+                      <a:headEnd type="none" w="med" len="med"/>
+                      <a:tailEnd type="none" w="med" len="med"/>
+                    </a:lnR>
+                    <a:lnT w="12700" cap="flat" cmpd="sng" algn="ctr">
+                      <a:noFill/>
+                      <a:prstDash val="solid"/>
+                      <a:round/>
+                      <a:headEnd type="none" w="med" len="med"/>
+                      <a:tailEnd type="none" w="med" len="med"/>
+                    </a:lnT>
+                    <a:lnB w="12700" cap="flat" cmpd="sng" algn="ctr">
+                      <a:noFill/>
+                      <a:prstDash val="solid"/>
+                      <a:round/>
+                      <a:headEnd type="none" w="med" len="med"/>
+                      <a:tailEnd type="none" w="med" len="med"/>
+                    </a:lnB>
+                    <a:lnTlToBr w="12700" cmpd="sng">
+                      <a:noFill/>
+                      <a:prstDash val="solid"/>
+                    </a:lnTlToBr>
+                    <a:lnBlToTr w="12700" cmpd="sng">
+                      <a:noFill/>
+                      <a:prstDash val="solid"/>
+                    </a:lnBlToTr>
+                    <a:noFill/>
+                  </a:tcPr>
+                </a:tc>
+                <a:extLst>
+                  <a:ext uri="{0D108BD9-81ED-4DB2-BD59-A6C34878D82A}">
+                    <a16:rowId xmlns:a16="http://schemas.microsoft.com/office/drawing/2014/main" val="642742736"/>
+                  </a:ext>
+                </a:extLst>
+              </a:tr>
+              <a:tr h="457200">
+                <a:tc>
+                  <a:txBody>
+                    <a:bodyPr/>
+                    <a:lstStyle/>
+                    <a:p>
+                      <a:r>
+                        <a:rPr lang="en-US" sz="2800" b="0" dirty="0">
+                          <a:solidFill>
+                            <a:schemeClr val="tx1"/>
+                          </a:solidFill>
+                          <a:latin typeface="Open Sans" panose="020B0606030504020204" pitchFamily="34" charset="0"/>
+                          <a:ea typeface="Open Sans" panose="020B0606030504020204" pitchFamily="34" charset="0"/>
+                          <a:cs typeface="Open Sans" panose="020B0606030504020204" pitchFamily="34" charset="0"/>
+                        </a:rPr>
+                        <a:t>2. </a:t>
+                      </a:r>
+                      <a:r>
+                        <a:rPr lang="en-US" sz="2800" b="0" kern="1200" dirty="0">
+                          <a:solidFill>
+                            <a:schemeClr val="tx1"/>
+                          </a:solidFill>
+                          <a:effectLst/>
+                          <a:latin typeface="Open Sans" panose="020B0606030504020204" pitchFamily="34" charset="0"/>
+                          <a:ea typeface="Open Sans" panose="020B0606030504020204" pitchFamily="34" charset="0"/>
+                          <a:cs typeface="Open Sans" panose="020B0606030504020204" pitchFamily="34" charset="0"/>
+                        </a:rPr>
+                        <a:t>Huang et al. (2021) Mol Biol </a:t>
+                      </a:r>
+                      <a:r>
+                        <a:rPr lang="en-US" sz="2800" b="0" kern="1200" dirty="0" err="1">
+                          <a:solidFill>
+                            <a:schemeClr val="tx1"/>
+                          </a:solidFill>
+                          <a:effectLst/>
+                          <a:latin typeface="Open Sans" panose="020B0606030504020204" pitchFamily="34" charset="0"/>
+                          <a:ea typeface="Open Sans" panose="020B0606030504020204" pitchFamily="34" charset="0"/>
+                          <a:cs typeface="Open Sans" panose="020B0606030504020204" pitchFamily="34" charset="0"/>
+                        </a:rPr>
+                        <a:t>Evol</a:t>
+                      </a:r>
+                      <a:r>
+                        <a:rPr lang="en-US" sz="2800" b="0" kern="1200" dirty="0">
+                          <a:solidFill>
+                            <a:schemeClr val="tx1"/>
+                          </a:solidFill>
+                          <a:effectLst/>
+                          <a:latin typeface="Open Sans" panose="020B0606030504020204" pitchFamily="34" charset="0"/>
+                          <a:ea typeface="Open Sans" panose="020B0606030504020204" pitchFamily="34" charset="0"/>
+                          <a:cs typeface="Open Sans" panose="020B0606030504020204" pitchFamily="34" charset="0"/>
+                        </a:rPr>
+                        <a:t> 38(10):4588-4602. </a:t>
+                      </a:r>
+                      <a:endParaRPr lang="en-US" sz="2800" b="0" dirty="0">
+                        <a:solidFill>
+                          <a:schemeClr val="tx1"/>
+                        </a:solidFill>
+                        <a:latin typeface="Open Sans" panose="020B0606030504020204" pitchFamily="34" charset="0"/>
+                        <a:ea typeface="Open Sans" panose="020B0606030504020204" pitchFamily="34" charset="0"/>
+                        <a:cs typeface="Open Sans" panose="020B0606030504020204" pitchFamily="34" charset="0"/>
+                      </a:endParaRPr>
+                    </a:p>
+                  </a:txBody>
+                  <a:tcPr>
+                    <a:lnL w="12700" cap="flat" cmpd="sng" algn="ctr">
+                      <a:noFill/>
+                      <a:prstDash val="solid"/>
+                      <a:round/>
+                      <a:headEnd type="none" w="med" len="med"/>
+                      <a:tailEnd type="none" w="med" len="med"/>
+                    </a:lnL>
+                    <a:lnR w="12700" cap="flat" cmpd="sng" algn="ctr">
+                      <a:noFill/>
+                      <a:prstDash val="solid"/>
+                      <a:round/>
+                      <a:headEnd type="none" w="med" len="med"/>
+                      <a:tailEnd type="none" w="med" len="med"/>
+                    </a:lnR>
+                    <a:lnT w="12700" cap="flat" cmpd="sng" algn="ctr">
+                      <a:noFill/>
+                      <a:prstDash val="solid"/>
+                      <a:round/>
+                      <a:headEnd type="none" w="med" len="med"/>
+                      <a:tailEnd type="none" w="med" len="med"/>
+                    </a:lnT>
+                    <a:lnB w="12700" cap="flat" cmpd="sng" algn="ctr">
+                      <a:noFill/>
+                      <a:prstDash val="solid"/>
+                      <a:round/>
+                      <a:headEnd type="none" w="med" len="med"/>
+                      <a:tailEnd type="none" w="med" len="med"/>
+                    </a:lnB>
+                    <a:lnTlToBr w="12700" cmpd="sng">
+                      <a:noFill/>
+                      <a:prstDash val="solid"/>
+                    </a:lnTlToBr>
+                    <a:lnBlToTr w="12700" cmpd="sng">
+                      <a:noFill/>
+                      <a:prstDash val="solid"/>
+                    </a:lnBlToTr>
+                    <a:noFill/>
+                  </a:tcPr>
+                </a:tc>
+                <a:tc>
+                  <a:txBody>
+                    <a:bodyPr/>
+                    <a:lstStyle/>
+                    <a:p>
+                      <a:r>
+                        <a:rPr lang="en-US" sz="2800" b="0" dirty="0">
+                          <a:solidFill>
+                            <a:schemeClr val="tx1"/>
+                          </a:solidFill>
+                          <a:latin typeface="Open Sans" panose="020B0606030504020204" pitchFamily="34" charset="0"/>
+                          <a:ea typeface="Open Sans" panose="020B0606030504020204" pitchFamily="34" charset="0"/>
+                          <a:cs typeface="Open Sans" panose="020B0606030504020204" pitchFamily="34" charset="0"/>
+                        </a:rPr>
+                        <a:t>7. Morgan et al. (2022) Heredity:129:183</a:t>
+                      </a:r>
+                    </a:p>
+                  </a:txBody>
+                  <a:tcPr>
+                    <a:lnL w="12700" cap="flat" cmpd="sng" algn="ctr">
+                      <a:noFill/>
+                      <a:prstDash val="solid"/>
+                      <a:round/>
+                      <a:headEnd type="none" w="med" len="med"/>
+                      <a:tailEnd type="none" w="med" len="med"/>
+                    </a:lnL>
+                    <a:lnR w="12700" cap="flat" cmpd="sng" algn="ctr">
+                      <a:noFill/>
+                      <a:prstDash val="solid"/>
+                      <a:round/>
+                      <a:headEnd type="none" w="med" len="med"/>
+                      <a:tailEnd type="none" w="med" len="med"/>
+                    </a:lnR>
+                    <a:lnT w="12700" cap="flat" cmpd="sng" algn="ctr">
+                      <a:noFill/>
+                      <a:prstDash val="solid"/>
+                      <a:round/>
+                      <a:headEnd type="none" w="med" len="med"/>
+                      <a:tailEnd type="none" w="med" len="med"/>
+                    </a:lnT>
+                    <a:lnB w="12700" cap="flat" cmpd="sng" algn="ctr">
+                      <a:noFill/>
+                      <a:prstDash val="solid"/>
+                      <a:round/>
+                      <a:headEnd type="none" w="med" len="med"/>
+                      <a:tailEnd type="none" w="med" len="med"/>
+                    </a:lnB>
+                    <a:lnTlToBr w="12700" cmpd="sng">
+                      <a:noFill/>
+                      <a:prstDash val="solid"/>
+                    </a:lnTlToBr>
+                    <a:lnBlToTr w="12700" cmpd="sng">
+                      <a:noFill/>
+                      <a:prstDash val="solid"/>
+                    </a:lnBlToTr>
+                    <a:noFill/>
+                  </a:tcPr>
+                </a:tc>
+                <a:extLst>
+                  <a:ext uri="{0D108BD9-81ED-4DB2-BD59-A6C34878D82A}">
+                    <a16:rowId xmlns:a16="http://schemas.microsoft.com/office/drawing/2014/main" val="1501383703"/>
+                  </a:ext>
+                </a:extLst>
+              </a:tr>
+              <a:tr h="457200">
+                <a:tc>
+                  <a:txBody>
+                    <a:bodyPr/>
+                    <a:lstStyle/>
+                    <a:p>
+                      <a:pPr marL="0" marR="0" lvl="0" indent="0" algn="l" defTabSz="914400" rtl="0" eaLnBrk="1" fontAlgn="auto" latinLnBrk="0" hangingPunct="1">
+                        <a:lnSpc>
+                          <a:spcPct val="100000"/>
+                        </a:lnSpc>
+                        <a:spcBef>
+                          <a:spcPts val="0"/>
+                        </a:spcBef>
+                        <a:spcAft>
+                          <a:spcPts val="0"/>
+                        </a:spcAft>
+                        <a:buClrTx/>
+                        <a:buSzTx/>
+                        <a:buFontTx/>
+                        <a:buNone/>
+                        <a:tabLst/>
+                        <a:defRPr/>
+                      </a:pPr>
+                      <a:r>
+                        <a:rPr lang="en-US" sz="2800" b="0" dirty="0">
+                          <a:solidFill>
+                            <a:schemeClr val="tx1"/>
+                          </a:solidFill>
+                          <a:latin typeface="Open Sans" panose="020B0606030504020204" pitchFamily="34" charset="0"/>
+                          <a:ea typeface="Open Sans" panose="020B0606030504020204" pitchFamily="34" charset="0"/>
+                          <a:cs typeface="Open Sans" panose="020B0606030504020204" pitchFamily="34" charset="0"/>
+                        </a:rPr>
+                        <a:t>3. </a:t>
+                      </a:r>
+                      <a:r>
+                        <a:rPr lang="en-US" sz="2800" b="0" kern="1200" dirty="0">
+                          <a:solidFill>
+                            <a:schemeClr val="dk1"/>
+                          </a:solidFill>
+                          <a:effectLst/>
+                          <a:latin typeface="Open Sans" panose="020B0606030504020204" pitchFamily="34" charset="0"/>
+                          <a:ea typeface="Open Sans" panose="020B0606030504020204" pitchFamily="34" charset="0"/>
+                          <a:cs typeface="Open Sans" panose="020B0606030504020204" pitchFamily="34" charset="0"/>
+                        </a:rPr>
+                        <a:t>Harr et al. (2016) Sci Data 3:160075. </a:t>
+                      </a:r>
+                    </a:p>
+                  </a:txBody>
+                  <a:tcPr>
+                    <a:lnL w="12700" cap="flat" cmpd="sng" algn="ctr">
+                      <a:noFill/>
+                      <a:prstDash val="solid"/>
+                      <a:round/>
+                      <a:headEnd type="none" w="med" len="med"/>
+                      <a:tailEnd type="none" w="med" len="med"/>
+                    </a:lnL>
+                    <a:lnR w="12700" cap="flat" cmpd="sng" algn="ctr">
+                      <a:noFill/>
+                      <a:prstDash val="solid"/>
+                      <a:round/>
+                      <a:headEnd type="none" w="med" len="med"/>
+                      <a:tailEnd type="none" w="med" len="med"/>
+                    </a:lnR>
+                    <a:lnT w="12700" cap="flat" cmpd="sng" algn="ctr">
+                      <a:noFill/>
+                      <a:prstDash val="solid"/>
+                      <a:round/>
+                      <a:headEnd type="none" w="med" len="med"/>
+                      <a:tailEnd type="none" w="med" len="med"/>
+                    </a:lnT>
+                    <a:lnB w="12700" cap="flat" cmpd="sng" algn="ctr">
+                      <a:noFill/>
+                      <a:prstDash val="solid"/>
+                      <a:round/>
+                      <a:headEnd type="none" w="med" len="med"/>
+                      <a:tailEnd type="none" w="med" len="med"/>
+                    </a:lnB>
+                    <a:lnTlToBr w="12700" cmpd="sng">
+                      <a:noFill/>
+                      <a:prstDash val="solid"/>
+                    </a:lnTlToBr>
+                    <a:lnBlToTr w="12700" cmpd="sng">
+                      <a:noFill/>
+                      <a:prstDash val="solid"/>
+                    </a:lnBlToTr>
+                    <a:noFill/>
+                  </a:tcPr>
+                </a:tc>
+                <a:tc>
+                  <a:txBody>
+                    <a:bodyPr/>
+                    <a:lstStyle/>
+                    <a:p>
+                      <a:pPr marL="0" marR="0" lvl="0" indent="0" algn="l" defTabSz="914400" rtl="0" eaLnBrk="1" fontAlgn="auto" latinLnBrk="0" hangingPunct="1">
+                        <a:lnSpc>
+                          <a:spcPct val="100000"/>
+                        </a:lnSpc>
+                        <a:spcBef>
+                          <a:spcPts val="0"/>
+                        </a:spcBef>
+                        <a:spcAft>
+                          <a:spcPts val="0"/>
+                        </a:spcAft>
+                        <a:buClrTx/>
+                        <a:buSzTx/>
+                        <a:buFontTx/>
+                        <a:buNone/>
+                        <a:tabLst/>
+                        <a:defRPr/>
+                      </a:pPr>
+                      <a:r>
+                        <a:rPr lang="en-US" sz="2800" b="0" dirty="0">
+                          <a:solidFill>
+                            <a:schemeClr val="tx1"/>
+                          </a:solidFill>
+                          <a:latin typeface="Open Sans" panose="020B0606030504020204" pitchFamily="34" charset="0"/>
+                          <a:ea typeface="Open Sans" panose="020B0606030504020204" pitchFamily="34" charset="0"/>
+                          <a:cs typeface="Open Sans" panose="020B0606030504020204" pitchFamily="34" charset="0"/>
+                        </a:rPr>
+                        <a:t>8. </a:t>
+                      </a:r>
+                      <a:r>
+                        <a:rPr lang="en-US" sz="2800" b="0" kern="1200" dirty="0">
+                          <a:solidFill>
+                            <a:schemeClr val="dk1"/>
+                          </a:solidFill>
+                          <a:effectLst/>
+                          <a:latin typeface="Open Sans" panose="020B0606030504020204" pitchFamily="34" charset="0"/>
+                          <a:ea typeface="Open Sans" panose="020B0606030504020204" pitchFamily="34" charset="0"/>
+                          <a:cs typeface="Open Sans" panose="020B0606030504020204" pitchFamily="34" charset="0"/>
+                        </a:rPr>
+                        <a:t>Phifer-</a:t>
+                      </a:r>
+                      <a:r>
+                        <a:rPr lang="en-US" sz="2800" b="0" kern="1200" dirty="0" err="1">
+                          <a:solidFill>
+                            <a:schemeClr val="dk1"/>
+                          </a:solidFill>
+                          <a:effectLst/>
+                          <a:latin typeface="Open Sans" panose="020B0606030504020204" pitchFamily="34" charset="0"/>
+                          <a:ea typeface="Open Sans" panose="020B0606030504020204" pitchFamily="34" charset="0"/>
+                          <a:cs typeface="Open Sans" panose="020B0606030504020204" pitchFamily="34" charset="0"/>
+                        </a:rPr>
+                        <a:t>Rixey</a:t>
+                      </a:r>
+                      <a:r>
+                        <a:rPr lang="en-US" sz="2800" b="0" kern="1200" dirty="0">
+                          <a:solidFill>
+                            <a:schemeClr val="dk1"/>
+                          </a:solidFill>
+                          <a:effectLst/>
+                          <a:latin typeface="Open Sans" panose="020B0606030504020204" pitchFamily="34" charset="0"/>
+                          <a:ea typeface="Open Sans" panose="020B0606030504020204" pitchFamily="34" charset="0"/>
+                          <a:cs typeface="Open Sans" panose="020B0606030504020204" pitchFamily="34" charset="0"/>
+                        </a:rPr>
+                        <a:t> &amp; Nachman (2015) </a:t>
+                      </a:r>
+                      <a:r>
+                        <a:rPr lang="en-US" sz="2800" b="0" kern="1200" dirty="0" err="1">
+                          <a:solidFill>
+                            <a:schemeClr val="dk1"/>
+                          </a:solidFill>
+                          <a:effectLst/>
+                          <a:latin typeface="Open Sans" panose="020B0606030504020204" pitchFamily="34" charset="0"/>
+                          <a:ea typeface="Open Sans" panose="020B0606030504020204" pitchFamily="34" charset="0"/>
+                          <a:cs typeface="Open Sans" panose="020B0606030504020204" pitchFamily="34" charset="0"/>
+                        </a:rPr>
+                        <a:t>eLife</a:t>
+                      </a:r>
+                      <a:endParaRPr lang="en-US" sz="2800" b="0" kern="1200" dirty="0">
+                        <a:solidFill>
+                          <a:schemeClr val="dk1"/>
+                        </a:solidFill>
+                        <a:effectLst/>
+                        <a:latin typeface="Open Sans" panose="020B0606030504020204" pitchFamily="34" charset="0"/>
+                        <a:ea typeface="Open Sans" panose="020B0606030504020204" pitchFamily="34" charset="0"/>
+                        <a:cs typeface="Open Sans" panose="020B0606030504020204" pitchFamily="34" charset="0"/>
+                      </a:endParaRPr>
+                    </a:p>
+                  </a:txBody>
+                  <a:tcPr>
+                    <a:lnL w="12700" cap="flat" cmpd="sng" algn="ctr">
+                      <a:noFill/>
+                      <a:prstDash val="solid"/>
+                      <a:round/>
+                      <a:headEnd type="none" w="med" len="med"/>
+                      <a:tailEnd type="none" w="med" len="med"/>
+                    </a:lnL>
+                    <a:lnR w="12700" cap="flat" cmpd="sng" algn="ctr">
+                      <a:noFill/>
+                      <a:prstDash val="solid"/>
+                      <a:round/>
+                      <a:headEnd type="none" w="med" len="med"/>
+                      <a:tailEnd type="none" w="med" len="med"/>
+                    </a:lnR>
+                    <a:lnT w="12700" cap="flat" cmpd="sng" algn="ctr">
+                      <a:noFill/>
+                      <a:prstDash val="solid"/>
+                      <a:round/>
+                      <a:headEnd type="none" w="med" len="med"/>
+                      <a:tailEnd type="none" w="med" len="med"/>
+                    </a:lnT>
+                    <a:lnB w="12700" cap="flat" cmpd="sng" algn="ctr">
+                      <a:noFill/>
+                      <a:prstDash val="solid"/>
+                      <a:round/>
+                      <a:headEnd type="none" w="med" len="med"/>
+                      <a:tailEnd type="none" w="med" len="med"/>
+                    </a:lnB>
+                    <a:lnTlToBr w="12700" cmpd="sng">
+                      <a:noFill/>
+                      <a:prstDash val="solid"/>
+                    </a:lnTlToBr>
+                    <a:lnBlToTr w="12700" cmpd="sng">
+                      <a:noFill/>
+                      <a:prstDash val="solid"/>
+                    </a:lnBlToTr>
+                    <a:noFill/>
+                  </a:tcPr>
+                </a:tc>
+                <a:extLst>
+                  <a:ext uri="{0D108BD9-81ED-4DB2-BD59-A6C34878D82A}">
+                    <a16:rowId xmlns:a16="http://schemas.microsoft.com/office/drawing/2014/main" val="815412275"/>
+                  </a:ext>
+                </a:extLst>
+              </a:tr>
+              <a:tr h="457200">
+                <a:tc>
+                  <a:txBody>
+                    <a:bodyPr/>
+                    <a:lstStyle/>
+                    <a:p>
+                      <a:pPr marL="0" marR="0" lvl="0" indent="0" algn="l" defTabSz="914400" rtl="0" eaLnBrk="1" fontAlgn="auto" latinLnBrk="0" hangingPunct="1">
+                        <a:lnSpc>
+                          <a:spcPct val="100000"/>
+                        </a:lnSpc>
+                        <a:spcBef>
+                          <a:spcPts val="0"/>
+                        </a:spcBef>
+                        <a:spcAft>
+                          <a:spcPts val="0"/>
+                        </a:spcAft>
+                        <a:buClrTx/>
+                        <a:buSzTx/>
+                        <a:buFontTx/>
+                        <a:buNone/>
+                        <a:tabLst/>
+                        <a:defRPr/>
+                      </a:pPr>
+                      <a:r>
+                        <a:rPr lang="en-US" sz="2800" b="0" dirty="0">
+                          <a:solidFill>
+                            <a:schemeClr val="tx1"/>
+                          </a:solidFill>
+                          <a:latin typeface="Open Sans" panose="020B0606030504020204" pitchFamily="34" charset="0"/>
+                          <a:ea typeface="Open Sans" panose="020B0606030504020204" pitchFamily="34" charset="0"/>
+                          <a:cs typeface="Open Sans" panose="020B0606030504020204" pitchFamily="34" charset="0"/>
+                        </a:rPr>
+                        <a:t>4. </a:t>
+                      </a:r>
+                      <a:r>
+                        <a:rPr lang="en-US" sz="2800" b="0" kern="1200" dirty="0" err="1">
+                          <a:solidFill>
+                            <a:schemeClr val="dk1"/>
+                          </a:solidFill>
+                          <a:effectLst/>
+                          <a:latin typeface="Open Sans" panose="020B0606030504020204" pitchFamily="34" charset="0"/>
+                          <a:ea typeface="Open Sans" panose="020B0606030504020204" pitchFamily="34" charset="0"/>
+                          <a:cs typeface="Open Sans" panose="020B0606030504020204" pitchFamily="34" charset="0"/>
+                        </a:rPr>
+                        <a:t>Agwamba</a:t>
+                      </a:r>
+                      <a:r>
+                        <a:rPr lang="en-US" sz="2800" b="0" kern="1200" dirty="0">
+                          <a:solidFill>
+                            <a:schemeClr val="dk1"/>
+                          </a:solidFill>
+                          <a:effectLst/>
+                          <a:latin typeface="Open Sans" panose="020B0606030504020204" pitchFamily="34" charset="0"/>
+                          <a:ea typeface="Open Sans" panose="020B0606030504020204" pitchFamily="34" charset="0"/>
+                          <a:cs typeface="Open Sans" panose="020B0606030504020204" pitchFamily="34" charset="0"/>
+                        </a:rPr>
+                        <a:t> &amp; Nachman (2022) G3 13(2):jkac332. </a:t>
+                      </a:r>
+                    </a:p>
+                  </a:txBody>
+                  <a:tcPr>
+                    <a:lnL w="12700" cap="flat" cmpd="sng" algn="ctr">
+                      <a:noFill/>
+                      <a:prstDash val="solid"/>
+                      <a:round/>
+                      <a:headEnd type="none" w="med" len="med"/>
+                      <a:tailEnd type="none" w="med" len="med"/>
+                    </a:lnL>
+                    <a:lnR w="12700" cap="flat" cmpd="sng" algn="ctr">
+                      <a:noFill/>
+                      <a:prstDash val="solid"/>
+                      <a:round/>
+                      <a:headEnd type="none" w="med" len="med"/>
+                      <a:tailEnd type="none" w="med" len="med"/>
+                    </a:lnR>
+                    <a:lnT w="12700" cap="flat" cmpd="sng" algn="ctr">
+                      <a:noFill/>
+                      <a:prstDash val="solid"/>
+                      <a:round/>
+                      <a:headEnd type="none" w="med" len="med"/>
+                      <a:tailEnd type="none" w="med" len="med"/>
+                    </a:lnT>
+                    <a:lnB w="12700" cap="flat" cmpd="sng" algn="ctr">
+                      <a:noFill/>
+                      <a:prstDash val="solid"/>
+                      <a:round/>
+                      <a:headEnd type="none" w="med" len="med"/>
+                      <a:tailEnd type="none" w="med" len="med"/>
+                    </a:lnB>
+                    <a:lnTlToBr w="12700" cmpd="sng">
+                      <a:noFill/>
+                      <a:prstDash val="solid"/>
+                    </a:lnTlToBr>
+                    <a:lnBlToTr w="12700" cmpd="sng">
+                      <a:noFill/>
+                      <a:prstDash val="solid"/>
+                    </a:lnBlToTr>
+                    <a:noFill/>
+                  </a:tcPr>
+                </a:tc>
+                <a:tc>
+                  <a:txBody>
+                    <a:bodyPr/>
+                    <a:lstStyle/>
+                    <a:p>
+                      <a:r>
+                        <a:rPr lang="en-US" sz="2800" b="0" dirty="0">
+                          <a:solidFill>
+                            <a:schemeClr val="tx1"/>
+                          </a:solidFill>
+                          <a:latin typeface="Open Sans" panose="020B0606030504020204" pitchFamily="34" charset="0"/>
+                          <a:ea typeface="Open Sans" panose="020B0606030504020204" pitchFamily="34" charset="0"/>
+                          <a:cs typeface="Open Sans" panose="020B0606030504020204" pitchFamily="34" charset="0"/>
+                        </a:rPr>
+                        <a:t>9. </a:t>
+                      </a:r>
+                      <a:r>
+                        <a:rPr lang="en-US" sz="2800" b="0" kern="1200" dirty="0" err="1">
+                          <a:solidFill>
+                            <a:schemeClr val="dk1"/>
+                          </a:solidFill>
+                          <a:effectLst/>
+                          <a:latin typeface="Open Sans" panose="020B0606030504020204" pitchFamily="34" charset="0"/>
+                          <a:ea typeface="Open Sans" panose="020B0606030504020204" pitchFamily="34" charset="0"/>
+                          <a:cs typeface="Open Sans" panose="020B0606030504020204" pitchFamily="34" charset="0"/>
+                        </a:rPr>
+                        <a:t>Ramakers</a:t>
+                      </a:r>
+                      <a:r>
+                        <a:rPr lang="en-US" sz="2800" b="0" kern="1200" dirty="0">
+                          <a:solidFill>
+                            <a:schemeClr val="dk1"/>
+                          </a:solidFill>
+                          <a:effectLst/>
+                          <a:latin typeface="Open Sans" panose="020B0606030504020204" pitchFamily="34" charset="0"/>
+                          <a:ea typeface="Open Sans" panose="020B0606030504020204" pitchFamily="34" charset="0"/>
+                          <a:cs typeface="Open Sans" panose="020B0606030504020204" pitchFamily="34" charset="0"/>
+                        </a:rPr>
+                        <a:t> et al. (2018) Nat </a:t>
+                      </a:r>
+                      <a:r>
+                        <a:rPr lang="en-US" sz="2800" b="0" kern="1200" dirty="0" err="1">
+                          <a:solidFill>
+                            <a:schemeClr val="dk1"/>
+                          </a:solidFill>
+                          <a:effectLst/>
+                          <a:latin typeface="Open Sans" panose="020B0606030504020204" pitchFamily="34" charset="0"/>
+                          <a:ea typeface="Open Sans" panose="020B0606030504020204" pitchFamily="34" charset="0"/>
+                          <a:cs typeface="Open Sans" panose="020B0606030504020204" pitchFamily="34" charset="0"/>
+                        </a:rPr>
+                        <a:t>Ecol</a:t>
+                      </a:r>
+                      <a:r>
+                        <a:rPr lang="en-US" sz="2800" b="0" kern="1200" dirty="0">
+                          <a:solidFill>
+                            <a:schemeClr val="dk1"/>
+                          </a:solidFill>
+                          <a:effectLst/>
+                          <a:latin typeface="Open Sans" panose="020B0606030504020204" pitchFamily="34" charset="0"/>
+                          <a:ea typeface="Open Sans" panose="020B0606030504020204" pitchFamily="34" charset="0"/>
+                          <a:cs typeface="Open Sans" panose="020B0606030504020204" pitchFamily="34" charset="0"/>
+                        </a:rPr>
+                        <a:t> </a:t>
+                      </a:r>
+                      <a:r>
+                        <a:rPr lang="en-US" sz="2800" b="0" kern="1200" dirty="0" err="1">
+                          <a:solidFill>
+                            <a:schemeClr val="dk1"/>
+                          </a:solidFill>
+                          <a:effectLst/>
+                          <a:latin typeface="Open Sans" panose="020B0606030504020204" pitchFamily="34" charset="0"/>
+                          <a:ea typeface="Open Sans" panose="020B0606030504020204" pitchFamily="34" charset="0"/>
+                          <a:cs typeface="Open Sans" panose="020B0606030504020204" pitchFamily="34" charset="0"/>
+                        </a:rPr>
+                        <a:t>Evol</a:t>
+                      </a:r>
+                      <a:r>
+                        <a:rPr lang="en-US" sz="2800" b="0" kern="1200" dirty="0">
+                          <a:solidFill>
+                            <a:schemeClr val="dk1"/>
+                          </a:solidFill>
+                          <a:effectLst/>
+                          <a:latin typeface="Open Sans" panose="020B0606030504020204" pitchFamily="34" charset="0"/>
+                          <a:ea typeface="Open Sans" panose="020B0606030504020204" pitchFamily="34" charset="0"/>
+                          <a:cs typeface="Open Sans" panose="020B0606030504020204" pitchFamily="34" charset="0"/>
+                        </a:rPr>
+                        <a:t> 2(7):1093-1103.</a:t>
+                      </a:r>
+                    </a:p>
+                  </a:txBody>
+                  <a:tcPr>
+                    <a:lnL w="12700" cap="flat" cmpd="sng" algn="ctr">
+                      <a:noFill/>
+                      <a:prstDash val="solid"/>
+                      <a:round/>
+                      <a:headEnd type="none" w="med" len="med"/>
+                      <a:tailEnd type="none" w="med" len="med"/>
+                    </a:lnL>
+                    <a:lnR w="12700" cap="flat" cmpd="sng" algn="ctr">
+                      <a:noFill/>
+                      <a:prstDash val="solid"/>
+                      <a:round/>
+                      <a:headEnd type="none" w="med" len="med"/>
+                      <a:tailEnd type="none" w="med" len="med"/>
+                    </a:lnR>
+                    <a:lnT w="12700" cap="flat" cmpd="sng" algn="ctr">
+                      <a:noFill/>
+                      <a:prstDash val="solid"/>
+                      <a:round/>
+                      <a:headEnd type="none" w="med" len="med"/>
+                      <a:tailEnd type="none" w="med" len="med"/>
+                    </a:lnT>
+                    <a:lnB w="12700" cap="flat" cmpd="sng" algn="ctr">
+                      <a:noFill/>
+                      <a:prstDash val="solid"/>
+                      <a:round/>
+                      <a:headEnd type="none" w="med" len="med"/>
+                      <a:tailEnd type="none" w="med" len="med"/>
+                    </a:lnB>
+                    <a:lnTlToBr w="12700" cmpd="sng">
+                      <a:noFill/>
+                      <a:prstDash val="solid"/>
+                    </a:lnTlToBr>
+                    <a:lnBlToTr w="12700" cmpd="sng">
+                      <a:noFill/>
+                      <a:prstDash val="solid"/>
+                    </a:lnBlToTr>
+                    <a:noFill/>
+                  </a:tcPr>
+                </a:tc>
+                <a:extLst>
+                  <a:ext uri="{0D108BD9-81ED-4DB2-BD59-A6C34878D82A}">
+                    <a16:rowId xmlns:a16="http://schemas.microsoft.com/office/drawing/2014/main" val="717358988"/>
+                  </a:ext>
+                </a:extLst>
+              </a:tr>
+              <a:tr h="457200">
+                <a:tc>
+                  <a:txBody>
+                    <a:bodyPr/>
+                    <a:lstStyle/>
+                    <a:p>
+                      <a:pPr marL="0" marR="0" lvl="0" indent="0" algn="l" defTabSz="914400" rtl="0" eaLnBrk="1" fontAlgn="auto" latinLnBrk="0" hangingPunct="1">
+                        <a:lnSpc>
+                          <a:spcPct val="100000"/>
+                        </a:lnSpc>
+                        <a:spcBef>
+                          <a:spcPts val="0"/>
+                        </a:spcBef>
+                        <a:spcAft>
+                          <a:spcPts val="0"/>
+                        </a:spcAft>
+                        <a:buClrTx/>
+                        <a:buSzTx/>
+                        <a:buFontTx/>
+                        <a:buNone/>
+                        <a:tabLst/>
+                        <a:defRPr/>
+                      </a:pPr>
+                      <a:r>
+                        <a:rPr lang="en-US" sz="2800" b="0" dirty="0">
+                          <a:solidFill>
+                            <a:schemeClr val="tx1"/>
+                          </a:solidFill>
+                          <a:latin typeface="Open Sans" panose="020B0606030504020204" pitchFamily="34" charset="0"/>
+                          <a:ea typeface="Open Sans" panose="020B0606030504020204" pitchFamily="34" charset="0"/>
+                          <a:cs typeface="Open Sans" panose="020B0606030504020204" pitchFamily="34" charset="0"/>
+                        </a:rPr>
+                        <a:t>5. </a:t>
+                      </a:r>
+                      <a:r>
+                        <a:rPr lang="en-US" sz="2800" b="0" kern="1200" dirty="0">
+                          <a:solidFill>
+                            <a:schemeClr val="dk1"/>
+                          </a:solidFill>
+                          <a:effectLst/>
+                          <a:latin typeface="Open Sans" panose="020B0606030504020204" pitchFamily="34" charset="0"/>
+                          <a:ea typeface="Open Sans" panose="020B0606030504020204" pitchFamily="34" charset="0"/>
+                          <a:cs typeface="Open Sans" panose="020B0606030504020204" pitchFamily="34" charset="0"/>
+                        </a:rPr>
+                        <a:t>Wang et al. (2010) Nucleic Acids Res </a:t>
+                      </a:r>
+                    </a:p>
+                  </a:txBody>
+                  <a:tcPr>
+                    <a:lnL w="12700" cap="flat" cmpd="sng" algn="ctr">
+                      <a:noFill/>
+                      <a:prstDash val="solid"/>
+                      <a:round/>
+                      <a:headEnd type="none" w="med" len="med"/>
+                      <a:tailEnd type="none" w="med" len="med"/>
+                    </a:lnL>
+                    <a:lnR w="12700" cap="flat" cmpd="sng" algn="ctr">
+                      <a:noFill/>
+                      <a:prstDash val="solid"/>
+                      <a:round/>
+                      <a:headEnd type="none" w="med" len="med"/>
+                      <a:tailEnd type="none" w="med" len="med"/>
+                    </a:lnR>
+                    <a:lnT w="12700" cap="flat" cmpd="sng" algn="ctr">
+                      <a:noFill/>
+                      <a:prstDash val="solid"/>
+                      <a:round/>
+                      <a:headEnd type="none" w="med" len="med"/>
+                      <a:tailEnd type="none" w="med" len="med"/>
+                    </a:lnT>
+                    <a:lnB w="12700" cap="flat" cmpd="sng" algn="ctr">
+                      <a:noFill/>
+                      <a:prstDash val="solid"/>
+                      <a:round/>
+                      <a:headEnd type="none" w="med" len="med"/>
+                      <a:tailEnd type="none" w="med" len="med"/>
+                    </a:lnB>
+                    <a:lnTlToBr w="12700" cmpd="sng">
+                      <a:noFill/>
+                      <a:prstDash val="solid"/>
+                    </a:lnTlToBr>
+                    <a:lnBlToTr w="12700" cmpd="sng">
+                      <a:noFill/>
+                      <a:prstDash val="solid"/>
+                    </a:lnBlToTr>
+                    <a:noFill/>
+                  </a:tcPr>
+                </a:tc>
+                <a:tc>
+                  <a:txBody>
+                    <a:bodyPr/>
+                    <a:lstStyle/>
+                    <a:p>
+                      <a:pPr marL="0" marR="0" lvl="0" indent="0" algn="l" defTabSz="914400" rtl="0" eaLnBrk="1" fontAlgn="auto" latinLnBrk="0" hangingPunct="1">
+                        <a:lnSpc>
+                          <a:spcPct val="100000"/>
+                        </a:lnSpc>
+                        <a:spcBef>
+                          <a:spcPts val="0"/>
+                        </a:spcBef>
+                        <a:spcAft>
+                          <a:spcPts val="0"/>
+                        </a:spcAft>
+                        <a:buClrTx/>
+                        <a:buSzTx/>
+                        <a:buFontTx/>
+                        <a:buNone/>
+                        <a:tabLst/>
+                        <a:defRPr/>
+                      </a:pPr>
+                      <a:r>
+                        <a:rPr lang="en-US" sz="2800" b="0" dirty="0">
+                          <a:solidFill>
+                            <a:schemeClr val="tx1"/>
+                          </a:solidFill>
+                          <a:latin typeface="Open Sans" panose="020B0606030504020204" pitchFamily="34" charset="0"/>
+                          <a:ea typeface="Open Sans" panose="020B0606030504020204" pitchFamily="34" charset="0"/>
+                          <a:cs typeface="Open Sans" panose="020B0606030504020204" pitchFamily="34" charset="0"/>
+                        </a:rPr>
+                        <a:t>10. </a:t>
+                      </a:r>
+                      <a:r>
+                        <a:rPr lang="en-US" sz="2800" b="0" kern="1200" dirty="0">
+                          <a:solidFill>
+                            <a:schemeClr val="dk1"/>
+                          </a:solidFill>
+                          <a:effectLst/>
+                          <a:latin typeface="Open Sans" panose="020B0606030504020204" pitchFamily="34" charset="0"/>
+                          <a:ea typeface="Open Sans" panose="020B0606030504020204" pitchFamily="34" charset="0"/>
+                          <a:cs typeface="Open Sans" panose="020B0606030504020204" pitchFamily="34" charset="0"/>
+                        </a:rPr>
+                        <a:t>Yang et al. (2007) Nat Genet 39(9):1100-1107. </a:t>
+                      </a:r>
+                    </a:p>
+                  </a:txBody>
+                  <a:tcPr>
+                    <a:lnL w="12700" cap="flat" cmpd="sng" algn="ctr">
+                      <a:noFill/>
+                      <a:prstDash val="solid"/>
+                      <a:round/>
+                      <a:headEnd type="none" w="med" len="med"/>
+                      <a:tailEnd type="none" w="med" len="med"/>
+                    </a:lnL>
+                    <a:lnR w="12700" cap="flat" cmpd="sng" algn="ctr">
+                      <a:noFill/>
+                      <a:prstDash val="solid"/>
+                      <a:round/>
+                      <a:headEnd type="none" w="med" len="med"/>
+                      <a:tailEnd type="none" w="med" len="med"/>
+                    </a:lnR>
+                    <a:lnT w="12700" cap="flat" cmpd="sng" algn="ctr">
+                      <a:noFill/>
+                      <a:prstDash val="solid"/>
+                      <a:round/>
+                      <a:headEnd type="none" w="med" len="med"/>
+                      <a:tailEnd type="none" w="med" len="med"/>
+                    </a:lnT>
+                    <a:lnB w="12700" cap="flat" cmpd="sng" algn="ctr">
+                      <a:noFill/>
+                      <a:prstDash val="solid"/>
+                      <a:round/>
+                      <a:headEnd type="none" w="med" len="med"/>
+                      <a:tailEnd type="none" w="med" len="med"/>
+                    </a:lnB>
+                    <a:lnTlToBr w="12700" cmpd="sng">
+                      <a:noFill/>
+                      <a:prstDash val="solid"/>
+                    </a:lnTlToBr>
+                    <a:lnBlToTr w="12700" cmpd="sng">
+                      <a:noFill/>
+                      <a:prstDash val="solid"/>
+                    </a:lnBlToTr>
+                    <a:noFill/>
+                  </a:tcPr>
+                </a:tc>
+                <a:extLst>
+                  <a:ext uri="{0D108BD9-81ED-4DB2-BD59-A6C34878D82A}">
+                    <a16:rowId xmlns:a16="http://schemas.microsoft.com/office/drawing/2014/main" val="918068369"/>
+                  </a:ext>
+                </a:extLst>
+              </a:tr>
+            </a:tbl>
+          </a:graphicData>
+        </a:graphic>
+      </p:graphicFrame>
+      <p:sp>
+        <p:nvSpPr>
+          <p:cNvPr id="2097" name="Rectangle 167">
+            <a:extLst>
+              <a:ext uri="{FF2B5EF4-FFF2-40B4-BE49-F238E27FC236}">
+                <a16:creationId xmlns:a16="http://schemas.microsoft.com/office/drawing/2014/main" id="{06F1ACCA-FCF0-5359-995D-607A9353DCF3}"/>
+              </a:ext>
+            </a:extLst>
+          </p:cNvPr>
+          <p:cNvSpPr>
+            <a:spLocks noChangeArrowheads="1"/>
+          </p:cNvSpPr>
+          <p:nvPr/>
+        </p:nvSpPr>
+        <p:spPr bwMode="auto">
+          <a:xfrm>
+            <a:off x="15091689" y="39613917"/>
+            <a:ext cx="13716000" cy="1371600"/>
+          </a:xfrm>
+          <a:prstGeom prst="roundRect">
+            <a:avLst/>
+          </a:prstGeom>
+          <a:solidFill>
+            <a:srgbClr val="AB0520"/>
+          </a:solidFill>
+          <a:ln w="9525">
+            <a:noFill/>
+            <a:miter lim="800000"/>
+          </a:ln>
+        </p:spPr>
+        <p:txBody>
+          <a:bodyPr wrap="none" lIns="137160" tIns="68580" rIns="137160" bIns="68580" anchor="ctr"/>
+          <a:lstStyle>
+            <a:defPPr>
+              <a:defRPr lang="en-US"/>
+            </a:defPPr>
+            <a:lvl1pPr algn="ctr" rtl="0" fontAlgn="base">
+              <a:spcBef>
+                <a:spcPct val="0"/>
+              </a:spcBef>
+              <a:spcAft>
+                <a:spcPct val="0"/>
+              </a:spcAft>
+              <a:defRPr sz="5733" b="1" kern="1200">
+                <a:solidFill>
+                  <a:srgbClr val="FF9900"/>
+                </a:solidFill>
+                <a:latin typeface="Arial"/>
+                <a:ea typeface="+mn-ea"/>
+                <a:cs typeface="+mn-cs"/>
+              </a:defRPr>
+            </a:lvl1pPr>
+            <a:lvl2pPr marL="609585" algn="ctr" rtl="0" fontAlgn="base">
+              <a:spcBef>
+                <a:spcPct val="0"/>
+              </a:spcBef>
+              <a:spcAft>
+                <a:spcPct val="0"/>
+              </a:spcAft>
+              <a:defRPr sz="5733" b="1" kern="1200">
+                <a:solidFill>
+                  <a:srgbClr val="FF9900"/>
+                </a:solidFill>
+                <a:latin typeface="Arial"/>
+                <a:ea typeface="+mn-ea"/>
+                <a:cs typeface="+mn-cs"/>
+              </a:defRPr>
+            </a:lvl2pPr>
+            <a:lvl3pPr marL="1219170" algn="ctr" rtl="0" fontAlgn="base">
+              <a:spcBef>
+                <a:spcPct val="0"/>
+              </a:spcBef>
+              <a:spcAft>
+                <a:spcPct val="0"/>
+              </a:spcAft>
+              <a:defRPr sz="5733" b="1" kern="1200">
+                <a:solidFill>
+                  <a:srgbClr val="FF9900"/>
+                </a:solidFill>
+                <a:latin typeface="Arial"/>
+                <a:ea typeface="+mn-ea"/>
+                <a:cs typeface="+mn-cs"/>
+              </a:defRPr>
+            </a:lvl3pPr>
+            <a:lvl4pPr marL="1828754" algn="ctr" rtl="0" fontAlgn="base">
+              <a:spcBef>
+                <a:spcPct val="0"/>
+              </a:spcBef>
+              <a:spcAft>
+                <a:spcPct val="0"/>
+              </a:spcAft>
+              <a:defRPr sz="5733" b="1" kern="1200">
+                <a:solidFill>
+                  <a:srgbClr val="FF9900"/>
+                </a:solidFill>
+                <a:latin typeface="Arial"/>
+                <a:ea typeface="+mn-ea"/>
+                <a:cs typeface="+mn-cs"/>
+              </a:defRPr>
+            </a:lvl4pPr>
+            <a:lvl5pPr marL="2438339" algn="ctr" rtl="0" fontAlgn="base">
+              <a:spcBef>
+                <a:spcPct val="0"/>
+              </a:spcBef>
+              <a:spcAft>
+                <a:spcPct val="0"/>
+              </a:spcAft>
+              <a:defRPr sz="5733" b="1" kern="1200">
+                <a:solidFill>
+                  <a:srgbClr val="FF9900"/>
+                </a:solidFill>
+                <a:latin typeface="Arial"/>
+                <a:ea typeface="+mn-ea"/>
+                <a:cs typeface="+mn-cs"/>
+              </a:defRPr>
+            </a:lvl5pPr>
+            <a:lvl6pPr marL="3047924" algn="l" defTabSz="1219170" rtl="0" eaLnBrk="1" latinLnBrk="0" hangingPunct="1">
+              <a:defRPr sz="5733" b="1" kern="1200">
+                <a:solidFill>
+                  <a:srgbClr val="FF9900"/>
+                </a:solidFill>
+                <a:latin typeface="Arial"/>
+                <a:ea typeface="+mn-ea"/>
+                <a:cs typeface="+mn-cs"/>
+              </a:defRPr>
+            </a:lvl6pPr>
+            <a:lvl7pPr marL="3657509" algn="l" defTabSz="1219170" rtl="0" eaLnBrk="1" latinLnBrk="0" hangingPunct="1">
+              <a:defRPr sz="5733" b="1" kern="1200">
+                <a:solidFill>
+                  <a:srgbClr val="FF9900"/>
+                </a:solidFill>
+                <a:latin typeface="Arial"/>
+                <a:ea typeface="+mn-ea"/>
+                <a:cs typeface="+mn-cs"/>
+              </a:defRPr>
+            </a:lvl7pPr>
+            <a:lvl8pPr marL="4267093" algn="l" defTabSz="1219170" rtl="0" eaLnBrk="1" latinLnBrk="0" hangingPunct="1">
+              <a:defRPr sz="5733" b="1" kern="1200">
+                <a:solidFill>
+                  <a:srgbClr val="FF9900"/>
+                </a:solidFill>
+                <a:latin typeface="Arial"/>
+                <a:ea typeface="+mn-ea"/>
+                <a:cs typeface="+mn-cs"/>
+              </a:defRPr>
+            </a:lvl8pPr>
+            <a:lvl9pPr marL="4876678" algn="l" defTabSz="1219170" rtl="0" eaLnBrk="1" latinLnBrk="0" hangingPunct="1">
+              <a:defRPr sz="5733" b="1" kern="1200">
+                <a:solidFill>
+                  <a:srgbClr val="FF9900"/>
+                </a:solidFill>
+                <a:latin typeface="Arial"/>
+                <a:ea typeface="+mn-ea"/>
+                <a:cs typeface="+mn-cs"/>
+              </a:defRPr>
+            </a:lvl9pPr>
+          </a:lstStyle>
+          <a:p>
+            <a:pPr defTabSz="3762187"/>
+            <a:r>
+              <a:rPr lang="en-US" sz="4800" dirty="0">
+                <a:solidFill>
+                  <a:schemeClr val="bg1"/>
+                </a:solidFill>
+                <a:latin typeface="Nunito" panose="00000500000000000000" pitchFamily="2" charset="0"/>
+              </a:rPr>
+              <a:t>Acknowledgements</a:t>
+            </a:r>
+          </a:p>
+        </p:txBody>
+      </p:sp>
+      <p:pic>
+        <p:nvPicPr>
+          <p:cNvPr id="7" name="Picture 6" descr="A close up of a logo&#10;&#10;Description automatically generated">
+            <a:extLst>
+              <a:ext uri="{FF2B5EF4-FFF2-40B4-BE49-F238E27FC236}">
+                <a16:creationId xmlns:a16="http://schemas.microsoft.com/office/drawing/2014/main" id="{6CCDEF25-BCCE-93D0-12AF-D29A412037CF}"/>
+              </a:ext>
+            </a:extLst>
+          </p:cNvPr>
+          <p:cNvPicPr>
+            <a:picLocks noChangeAspect="1"/>
+          </p:cNvPicPr>
+          <p:nvPr/>
+        </p:nvPicPr>
+        <p:blipFill>
+          <a:blip r:embed="rId14"/>
+          <a:stretch>
+            <a:fillRect/>
+          </a:stretch>
+        </p:blipFill>
+        <p:spPr>
+          <a:xfrm>
+            <a:off x="3547872" y="41321736"/>
+            <a:ext cx="8001000" cy="1943891"/>
           </a:xfrm>
           <a:prstGeom prst="rect">
             <a:avLst/>
@@ -7616,7 +12418,7 @@
           <p:nvPr/>
         </p:nvPicPr>
         <p:blipFill>
-          <a:blip r:embed="rId6">
+          <a:blip r:embed="rId15">
             <a:extLst>
               <a:ext uri="{28A0092B-C50C-407E-A947-70E740481C1C}">
                 <a14:useLocalDpi xmlns:a14="http://schemas.microsoft.com/office/drawing/2010/main" val="0"/>
@@ -7629,50 +12431,186 @@
         </p:blipFill>
         <p:spPr>
           <a:xfrm>
-            <a:off x="4975639" y="40718950"/>
-            <a:ext cx="10947520" cy="2121408"/>
+            <a:off x="3547872" y="39611808"/>
+            <a:ext cx="8001000" cy="1550432"/>
           </a:xfrm>
           <a:prstGeom prst="rect">
             <a:avLst/>
           </a:prstGeom>
         </p:spPr>
       </p:pic>
-      <p:pic>
-        <p:nvPicPr>
-          <p:cNvPr id="14" name="Picture 13" descr="A logo of a university of arizona&#10;&#10;Description automatically generated">
+      <p:sp>
+        <p:nvSpPr>
+          <p:cNvPr id="2099" name="TextBox 2098">
             <a:extLst>
               <a:ext uri="{FF2B5EF4-FFF2-40B4-BE49-F238E27FC236}">
-                <a16:creationId xmlns:a16="http://schemas.microsoft.com/office/drawing/2014/main" id="{96CE12A2-B33C-4F5B-B356-6DDF081A19DC}"/>
+                <a16:creationId xmlns:a16="http://schemas.microsoft.com/office/drawing/2014/main" id="{87B619A7-D5C5-965C-C162-2A30BB6F18C6}"/>
               </a:ext>
             </a:extLst>
           </p:cNvPr>
-          <p:cNvPicPr>
-            <a:picLocks noChangeAspect="1"/>
-          </p:cNvPicPr>
+          <p:cNvSpPr txBox="1"/>
           <p:nvPr/>
-        </p:nvPicPr>
-        <p:blipFill>
-          <a:blip r:embed="rId7">
-            <a:extLst>
-              <a:ext uri="{28A0092B-C50C-407E-A947-70E740481C1C}">
-                <a14:useLocalDpi xmlns:a14="http://schemas.microsoft.com/office/drawing/2010/main" val="0"/>
-              </a:ext>
-            </a:extLst>
-          </a:blip>
-          <a:stretch>
-            <a:fillRect/>
-          </a:stretch>
-        </p:blipFill>
+        </p:nvSpPr>
         <p:spPr>
           <a:xfrm>
-            <a:off x="1752601" y="1983423"/>
-            <a:ext cx="3461095" cy="3246120"/>
+            <a:off x="15026357" y="41003469"/>
+            <a:ext cx="13715999" cy="2246769"/>
           </a:xfrm>
           <a:prstGeom prst="rect">
             <a:avLst/>
           </a:prstGeom>
+          <a:solidFill>
+            <a:schemeClr val="bg1"/>
+          </a:solidFill>
+          <a:ln>
+            <a:noFill/>
+          </a:ln>
         </p:spPr>
-      </p:pic>
+        <p:txBody>
+          <a:bodyPr wrap="square" rtlCol="0">
+            <a:spAutoFit/>
+          </a:bodyPr>
+          <a:lstStyle>
+            <a:defPPr>
+              <a:defRPr lang="en-US"/>
+            </a:defPPr>
+            <a:lvl1pPr algn="ctr" rtl="0" fontAlgn="base">
+              <a:spcBef>
+                <a:spcPct val="0"/>
+              </a:spcBef>
+              <a:spcAft>
+                <a:spcPct val="0"/>
+              </a:spcAft>
+              <a:defRPr sz="5733" b="1" kern="1200">
+                <a:solidFill>
+                  <a:srgbClr val="FF9900"/>
+                </a:solidFill>
+                <a:latin typeface="Arial"/>
+                <a:ea typeface="+mn-ea"/>
+                <a:cs typeface="+mn-cs"/>
+              </a:defRPr>
+            </a:lvl1pPr>
+            <a:lvl2pPr marL="609585" algn="ctr" rtl="0" fontAlgn="base">
+              <a:spcBef>
+                <a:spcPct val="0"/>
+              </a:spcBef>
+              <a:spcAft>
+                <a:spcPct val="0"/>
+              </a:spcAft>
+              <a:defRPr sz="5733" b="1" kern="1200">
+                <a:solidFill>
+                  <a:srgbClr val="FF9900"/>
+                </a:solidFill>
+                <a:latin typeface="Arial"/>
+                <a:ea typeface="+mn-ea"/>
+                <a:cs typeface="+mn-cs"/>
+              </a:defRPr>
+            </a:lvl2pPr>
+            <a:lvl3pPr marL="1219170" algn="ctr" rtl="0" fontAlgn="base">
+              <a:spcBef>
+                <a:spcPct val="0"/>
+              </a:spcBef>
+              <a:spcAft>
+                <a:spcPct val="0"/>
+              </a:spcAft>
+              <a:defRPr sz="5733" b="1" kern="1200">
+                <a:solidFill>
+                  <a:srgbClr val="FF9900"/>
+                </a:solidFill>
+                <a:latin typeface="Arial"/>
+                <a:ea typeface="+mn-ea"/>
+                <a:cs typeface="+mn-cs"/>
+              </a:defRPr>
+            </a:lvl3pPr>
+            <a:lvl4pPr marL="1828754" algn="ctr" rtl="0" fontAlgn="base">
+              <a:spcBef>
+                <a:spcPct val="0"/>
+              </a:spcBef>
+              <a:spcAft>
+                <a:spcPct val="0"/>
+              </a:spcAft>
+              <a:defRPr sz="5733" b="1" kern="1200">
+                <a:solidFill>
+                  <a:srgbClr val="FF9900"/>
+                </a:solidFill>
+                <a:latin typeface="Arial"/>
+                <a:ea typeface="+mn-ea"/>
+                <a:cs typeface="+mn-cs"/>
+              </a:defRPr>
+            </a:lvl4pPr>
+            <a:lvl5pPr marL="2438339" algn="ctr" rtl="0" fontAlgn="base">
+              <a:spcBef>
+                <a:spcPct val="0"/>
+              </a:spcBef>
+              <a:spcAft>
+                <a:spcPct val="0"/>
+              </a:spcAft>
+              <a:defRPr sz="5733" b="1" kern="1200">
+                <a:solidFill>
+                  <a:srgbClr val="FF9900"/>
+                </a:solidFill>
+                <a:latin typeface="Arial"/>
+                <a:ea typeface="+mn-ea"/>
+                <a:cs typeface="+mn-cs"/>
+              </a:defRPr>
+            </a:lvl5pPr>
+            <a:lvl6pPr marL="3047924" algn="l" defTabSz="1219170" rtl="0" eaLnBrk="1" latinLnBrk="0" hangingPunct="1">
+              <a:defRPr sz="5733" b="1" kern="1200">
+                <a:solidFill>
+                  <a:srgbClr val="FF9900"/>
+                </a:solidFill>
+                <a:latin typeface="Arial"/>
+                <a:ea typeface="+mn-ea"/>
+                <a:cs typeface="+mn-cs"/>
+              </a:defRPr>
+            </a:lvl6pPr>
+            <a:lvl7pPr marL="3657509" algn="l" defTabSz="1219170" rtl="0" eaLnBrk="1" latinLnBrk="0" hangingPunct="1">
+              <a:defRPr sz="5733" b="1" kern="1200">
+                <a:solidFill>
+                  <a:srgbClr val="FF9900"/>
+                </a:solidFill>
+                <a:latin typeface="Arial"/>
+                <a:ea typeface="+mn-ea"/>
+                <a:cs typeface="+mn-cs"/>
+              </a:defRPr>
+            </a:lvl7pPr>
+            <a:lvl8pPr marL="4267093" algn="l" defTabSz="1219170" rtl="0" eaLnBrk="1" latinLnBrk="0" hangingPunct="1">
+              <a:defRPr sz="5733" b="1" kern="1200">
+                <a:solidFill>
+                  <a:srgbClr val="FF9900"/>
+                </a:solidFill>
+                <a:latin typeface="Arial"/>
+                <a:ea typeface="+mn-ea"/>
+                <a:cs typeface="+mn-cs"/>
+              </a:defRPr>
+            </a:lvl8pPr>
+            <a:lvl9pPr marL="4876678" algn="l" defTabSz="1219170" rtl="0" eaLnBrk="1" latinLnBrk="0" hangingPunct="1">
+              <a:defRPr sz="5733" b="1" kern="1200">
+                <a:solidFill>
+                  <a:srgbClr val="FF9900"/>
+                </a:solidFill>
+                <a:latin typeface="Arial"/>
+                <a:ea typeface="+mn-ea"/>
+                <a:cs typeface="+mn-cs"/>
+              </a:defRPr>
+            </a:lvl9pPr>
+          </a:lstStyle>
+          <a:p>
+            <a:pPr algn="l"/>
+            <a:r>
+              <a:rPr lang="en-US" sz="2800" b="0" dirty="0">
+                <a:solidFill>
+                  <a:schemeClr val="tx1"/>
+                </a:solidFill>
+                <a:latin typeface="Open Sans" panose="020B0606030504020204" pitchFamily="34" charset="0"/>
+                <a:ea typeface="Open Sans" panose="020B0606030504020204" pitchFamily="34" charset="0"/>
+                <a:cs typeface="Open Sans" panose="020B0606030504020204" pitchFamily="34" charset="0"/>
+              </a:rPr>
+              <a:t>This work was made possible by the University of Arizona Undergraduate Biology Research Program (OF) and funded by the Arnold and Mabel Beckman Foundation (OF). This work was supported by the National Institute of General Medical Sciences of the National Institutes of Health (R01GM127348 and R35GM149235 to RNG).</a:t>
+            </a:r>
+          </a:p>
+        </p:txBody>
+      </p:sp>
     </p:spTree>
     <p:extLst>
       <p:ext uri="{BB962C8B-B14F-4D97-AF65-F5344CB8AC3E}">
